--- a/ppt/css3知多少2011-06-23.pptx
+++ b/ppt/css3知多少2011-06-23.pptx
@@ -5,7 +5,7 @@
     <p:sldMasterId id="2147483648" r:id="rId1"/>
   </p:sldMasterIdLst>
   <p:notesMasterIdLst>
-    <p:notesMasterId r:id="rId21"/>
+    <p:notesMasterId r:id="rId22"/>
   </p:notesMasterIdLst>
   <p:sldIdLst>
     <p:sldId id="256" r:id="rId2"/>
@@ -18,15 +18,16 @@
     <p:sldId id="268" r:id="rId9"/>
     <p:sldId id="275" r:id="rId10"/>
     <p:sldId id="270" r:id="rId11"/>
-    <p:sldId id="274" r:id="rId12"/>
-    <p:sldId id="261" r:id="rId13"/>
-    <p:sldId id="266" r:id="rId14"/>
-    <p:sldId id="264" r:id="rId15"/>
-    <p:sldId id="272" r:id="rId16"/>
-    <p:sldId id="259" r:id="rId17"/>
-    <p:sldId id="271" r:id="rId18"/>
-    <p:sldId id="260" r:id="rId19"/>
-    <p:sldId id="273" r:id="rId20"/>
+    <p:sldId id="264" r:id="rId12"/>
+    <p:sldId id="277" r:id="rId13"/>
+    <p:sldId id="276" r:id="rId14"/>
+    <p:sldId id="261" r:id="rId15"/>
+    <p:sldId id="266" r:id="rId16"/>
+    <p:sldId id="272" r:id="rId17"/>
+    <p:sldId id="259" r:id="rId18"/>
+    <p:sldId id="271" r:id="rId19"/>
+    <p:sldId id="260" r:id="rId20"/>
+    <p:sldId id="273" r:id="rId21"/>
   </p:sldIdLst>
   <p:sldSz cx="9144000" cy="6858000" type="screen4x3"/>
   <p:notesSz cx="6858000" cy="9144000"/>
@@ -623,7 +624,7 @@
           <a:p>
             <a:fld id="{05C8355F-6D2B-48F8-9668-86D49055AC13}" type="slidenum">
               <a:rPr lang="zh-CN" altLang="en-US" smtClean="0"/>
-              <a:t>18</a:t>
+              <a:t>19</a:t>
             </a:fld>
             <a:endParaRPr lang="zh-CN" altLang="en-US"/>
           </a:p>
@@ -4053,9 +4054,35 @@
           <a:chExt cx="0" cy="0"/>
         </a:xfrm>
       </p:grpSpPr>
-      <p:sp>
-        <p:nvSpPr>
-          <p:cNvPr id="4" name="TextBox 3"/>
+      <p:pic>
+        <p:nvPicPr>
+          <p:cNvPr id="6" name="Picture 2" descr="G:\feng33\用户体验\confusion.jpg"/>
+          <p:cNvPicPr>
+            <a:picLocks noChangeAspect="1" noChangeArrowheads="1"/>
+          </p:cNvPicPr>
+          <p:nvPr/>
+        </p:nvPicPr>
+        <p:blipFill>
+          <a:blip r:embed="rId2"/>
+          <a:srcRect/>
+          <a:stretch>
+            <a:fillRect/>
+          </a:stretch>
+        </p:blipFill>
+        <p:spPr bwMode="auto">
+          <a:xfrm>
+            <a:off x="5643570" y="3397049"/>
+            <a:ext cx="3500430" cy="3460951"/>
+          </a:xfrm>
+          <a:prstGeom prst="rect">
+            <a:avLst/>
+          </a:prstGeom>
+          <a:noFill/>
+        </p:spPr>
+      </p:pic>
+      <p:sp>
+        <p:nvSpPr>
+          <p:cNvPr id="7" name="TextBox 6"/>
           <p:cNvSpPr txBox="1"/>
           <p:nvPr/>
         </p:nvSpPr>
@@ -4114,30 +4141,327 @@
           </a:p>
         </p:txBody>
       </p:sp>
-      <p:pic>
-        <p:nvPicPr>
-          <p:cNvPr id="5" name="图片 4" descr="faq-businessman.jpg"/>
-          <p:cNvPicPr>
-            <a:picLocks noChangeAspect="1"/>
-          </p:cNvPicPr>
-          <p:nvPr/>
-        </p:nvPicPr>
-        <p:blipFill>
-          <a:blip r:embed="rId2"/>
-          <a:stretch>
-            <a:fillRect/>
-          </a:stretch>
-        </p:blipFill>
-        <p:spPr>
-          <a:xfrm>
-            <a:off x="3929058" y="2946793"/>
-            <a:ext cx="5214942" cy="3911207"/>
-          </a:xfrm>
-          <a:prstGeom prst="rect">
-            <a:avLst/>
-          </a:prstGeom>
-        </p:spPr>
-      </p:pic>
+      <p:sp>
+        <p:nvSpPr>
+          <p:cNvPr id="8" name="TextBox 7"/>
+          <p:cNvSpPr txBox="1"/>
+          <p:nvPr/>
+        </p:nvSpPr>
+        <p:spPr>
+          <a:xfrm>
+            <a:off x="928662" y="1071546"/>
+            <a:ext cx="5423818" cy="400110"/>
+          </a:xfrm>
+          <a:prstGeom prst="rect">
+            <a:avLst/>
+          </a:prstGeom>
+          <a:noFill/>
+          <a:ln>
+            <a:noFill/>
+          </a:ln>
+          <a:effectLst>
+            <a:outerShdw blurRad="50800" dist="38100" dir="2700000" algn="tl" rotWithShape="0">
+              <a:schemeClr val="accent1">
+                <a:lumMod val="50000"/>
+                <a:alpha val="40000"/>
+              </a:schemeClr>
+            </a:outerShdw>
+          </a:effectLst>
+        </p:spPr>
+        <p:txBody>
+          <a:bodyPr wrap="square" rtlCol="0">
+            <a:spAutoFit/>
+          </a:bodyPr>
+          <a:lstStyle/>
+          <a:p>
+            <a:r>
+              <a:rPr lang="zh-CN" altLang="en-US" sz="2000" dirty="0" smtClean="0">
+                <a:solidFill>
+                  <a:schemeClr val="bg2">
+                    <a:lumMod val="25000"/>
+                  </a:schemeClr>
+                </a:solidFill>
+                <a:latin typeface="Adobe 黑体 Std R" pitchFamily="34" charset="-122"/>
+                <a:ea typeface="Adobe 黑体 Std R" pitchFamily="34" charset="-122"/>
+              </a:rPr>
+              <a:t>优雅降级</a:t>
+            </a:r>
+            <a:endParaRPr lang="zh-CN" altLang="en-US" sz="2000" dirty="0">
+              <a:solidFill>
+                <a:schemeClr val="bg2">
+                  <a:lumMod val="25000"/>
+                </a:schemeClr>
+              </a:solidFill>
+              <a:latin typeface="Adobe 黑体 Std R" pitchFamily="34" charset="-122"/>
+              <a:ea typeface="Adobe 黑体 Std R" pitchFamily="34" charset="-122"/>
+            </a:endParaRPr>
+          </a:p>
+        </p:txBody>
+      </p:sp>
+      <p:sp>
+        <p:nvSpPr>
+          <p:cNvPr id="11" name="TextBox 10"/>
+          <p:cNvSpPr txBox="1"/>
+          <p:nvPr/>
+        </p:nvSpPr>
+        <p:spPr>
+          <a:xfrm>
+            <a:off x="928662" y="1500174"/>
+            <a:ext cx="5423818" cy="400110"/>
+          </a:xfrm>
+          <a:prstGeom prst="rect">
+            <a:avLst/>
+          </a:prstGeom>
+          <a:noFill/>
+          <a:ln>
+            <a:noFill/>
+          </a:ln>
+          <a:effectLst>
+            <a:outerShdw blurRad="50800" dist="38100" dir="2700000" algn="tl" rotWithShape="0">
+              <a:schemeClr val="accent1">
+                <a:lumMod val="50000"/>
+                <a:alpha val="40000"/>
+              </a:schemeClr>
+            </a:outerShdw>
+          </a:effectLst>
+        </p:spPr>
+        <p:txBody>
+          <a:bodyPr wrap="square" rtlCol="0">
+            <a:spAutoFit/>
+          </a:bodyPr>
+          <a:lstStyle/>
+          <a:p>
+            <a:r>
+              <a:rPr lang="en-US" altLang="zh-CN" sz="2000" dirty="0" smtClean="0">
+                <a:solidFill>
+                  <a:schemeClr val="bg2">
+                    <a:lumMod val="25000"/>
+                  </a:schemeClr>
+                </a:solidFill>
+                <a:latin typeface="Adobe 黑体 Std R" pitchFamily="34" charset="-122"/>
+                <a:ea typeface="Adobe 黑体 Std R" pitchFamily="34" charset="-122"/>
+              </a:rPr>
+              <a:t>JS</a:t>
+            </a:r>
+            <a:r>
+              <a:rPr lang="zh-CN" altLang="en-US" sz="2000" dirty="0" smtClean="0">
+                <a:solidFill>
+                  <a:schemeClr val="bg2">
+                    <a:lumMod val="25000"/>
+                  </a:schemeClr>
+                </a:solidFill>
+                <a:latin typeface="Adobe 黑体 Std R" pitchFamily="34" charset="-122"/>
+                <a:ea typeface="Adobe 黑体 Std R" pitchFamily="34" charset="-122"/>
+              </a:rPr>
+              <a:t>兼容</a:t>
+            </a:r>
+            <a:endParaRPr lang="zh-CN" altLang="en-US" sz="2000" dirty="0">
+              <a:solidFill>
+                <a:schemeClr val="bg2">
+                  <a:lumMod val="25000"/>
+                </a:schemeClr>
+              </a:solidFill>
+              <a:latin typeface="Adobe 黑体 Std R" pitchFamily="34" charset="-122"/>
+              <a:ea typeface="Adobe 黑体 Std R" pitchFamily="34" charset="-122"/>
+            </a:endParaRPr>
+          </a:p>
+        </p:txBody>
+      </p:sp>
+      <p:sp>
+        <p:nvSpPr>
+          <p:cNvPr id="12" name="TextBox 11"/>
+          <p:cNvSpPr txBox="1"/>
+          <p:nvPr/>
+        </p:nvSpPr>
+        <p:spPr>
+          <a:xfrm>
+            <a:off x="928662" y="1928802"/>
+            <a:ext cx="5423818" cy="400110"/>
+          </a:xfrm>
+          <a:prstGeom prst="rect">
+            <a:avLst/>
+          </a:prstGeom>
+          <a:noFill/>
+          <a:ln>
+            <a:noFill/>
+          </a:ln>
+          <a:effectLst>
+            <a:outerShdw blurRad="50800" dist="38100" dir="2700000" algn="tl" rotWithShape="0">
+              <a:schemeClr val="accent1">
+                <a:lumMod val="50000"/>
+                <a:alpha val="40000"/>
+              </a:schemeClr>
+            </a:outerShdw>
+          </a:effectLst>
+        </p:spPr>
+        <p:txBody>
+          <a:bodyPr wrap="square" rtlCol="0">
+            <a:spAutoFit/>
+          </a:bodyPr>
+          <a:lstStyle/>
+          <a:p>
+            <a:r>
+              <a:rPr lang="zh-CN" altLang="en-US" sz="2000" dirty="0" smtClean="0">
+                <a:solidFill>
+                  <a:schemeClr val="bg2">
+                    <a:lumMod val="25000"/>
+                  </a:schemeClr>
+                </a:solidFill>
+                <a:latin typeface="Adobe 黑体 Std R" pitchFamily="34" charset="-122"/>
+                <a:ea typeface="Adobe 黑体 Std R" pitchFamily="34" charset="-122"/>
+              </a:rPr>
+              <a:t>利用图片，</a:t>
+            </a:r>
+            <a:r>
+              <a:rPr lang="en-US" altLang="zh-CN" sz="2000" dirty="0" smtClean="0">
+                <a:solidFill>
+                  <a:schemeClr val="bg2">
+                    <a:lumMod val="25000"/>
+                  </a:schemeClr>
+                </a:solidFill>
+                <a:latin typeface="Adobe 黑体 Std R" pitchFamily="34" charset="-122"/>
+                <a:ea typeface="Adobe 黑体 Std R" pitchFamily="34" charset="-122"/>
+              </a:rPr>
+              <a:t>hack</a:t>
+            </a:r>
+            <a:r>
+              <a:rPr lang="zh-CN" altLang="en-US" sz="2000" dirty="0" smtClean="0">
+                <a:solidFill>
+                  <a:schemeClr val="bg2">
+                    <a:lumMod val="25000"/>
+                  </a:schemeClr>
+                </a:solidFill>
+                <a:latin typeface="Adobe 黑体 Std R" pitchFamily="34" charset="-122"/>
+                <a:ea typeface="Adobe 黑体 Std R" pitchFamily="34" charset="-122"/>
+              </a:rPr>
+              <a:t>兼容</a:t>
+            </a:r>
+            <a:endParaRPr lang="zh-CN" altLang="en-US" sz="2000" dirty="0">
+              <a:solidFill>
+                <a:schemeClr val="bg2">
+                  <a:lumMod val="25000"/>
+                </a:schemeClr>
+              </a:solidFill>
+              <a:latin typeface="Adobe 黑体 Std R" pitchFamily="34" charset="-122"/>
+              <a:ea typeface="Adobe 黑体 Std R" pitchFamily="34" charset="-122"/>
+            </a:endParaRPr>
+          </a:p>
+        </p:txBody>
+      </p:sp>
+      <p:sp>
+        <p:nvSpPr>
+          <p:cNvPr id="13" name="TextBox 12"/>
+          <p:cNvSpPr txBox="1"/>
+          <p:nvPr/>
+        </p:nvSpPr>
+        <p:spPr>
+          <a:xfrm>
+            <a:off x="1000100" y="2928934"/>
+            <a:ext cx="5423818" cy="400110"/>
+          </a:xfrm>
+          <a:prstGeom prst="rect">
+            <a:avLst/>
+          </a:prstGeom>
+          <a:noFill/>
+          <a:ln>
+            <a:noFill/>
+          </a:ln>
+          <a:effectLst>
+            <a:outerShdw blurRad="50800" dist="38100" dir="2700000" algn="tl" rotWithShape="0">
+              <a:schemeClr val="accent1">
+                <a:lumMod val="50000"/>
+                <a:alpha val="40000"/>
+              </a:schemeClr>
+            </a:outerShdw>
+          </a:effectLst>
+        </p:spPr>
+        <p:txBody>
+          <a:bodyPr wrap="square" rtlCol="0">
+            <a:spAutoFit/>
+          </a:bodyPr>
+          <a:lstStyle/>
+          <a:p>
+            <a:r>
+              <a:rPr lang="en-US" altLang="zh-CN" sz="2000" dirty="0" smtClean="0">
+                <a:solidFill>
+                  <a:schemeClr val="bg2">
+                    <a:lumMod val="25000"/>
+                  </a:schemeClr>
+                </a:solidFill>
+                <a:latin typeface="Adobe 黑体 Std R" pitchFamily="34" charset="-122"/>
+                <a:ea typeface="Adobe 黑体 Std R" pitchFamily="34" charset="-122"/>
+              </a:rPr>
+              <a:t>……</a:t>
+            </a:r>
+            <a:endParaRPr lang="zh-CN" altLang="en-US" sz="2000" dirty="0">
+              <a:solidFill>
+                <a:schemeClr val="bg2">
+                  <a:lumMod val="25000"/>
+                </a:schemeClr>
+              </a:solidFill>
+              <a:latin typeface="Adobe 黑体 Std R" pitchFamily="34" charset="-122"/>
+              <a:ea typeface="Adobe 黑体 Std R" pitchFamily="34" charset="-122"/>
+            </a:endParaRPr>
+          </a:p>
+        </p:txBody>
+      </p:sp>
+      <p:sp>
+        <p:nvSpPr>
+          <p:cNvPr id="15" name="TextBox 14"/>
+          <p:cNvSpPr txBox="1"/>
+          <p:nvPr/>
+        </p:nvSpPr>
+        <p:spPr>
+          <a:xfrm>
+            <a:off x="934132" y="2428868"/>
+            <a:ext cx="5423818" cy="400110"/>
+          </a:xfrm>
+          <a:prstGeom prst="rect">
+            <a:avLst/>
+          </a:prstGeom>
+          <a:noFill/>
+          <a:ln>
+            <a:noFill/>
+          </a:ln>
+          <a:effectLst>
+            <a:outerShdw blurRad="50800" dist="38100" dir="2700000" algn="tl" rotWithShape="0">
+              <a:schemeClr val="accent1">
+                <a:lumMod val="50000"/>
+                <a:alpha val="40000"/>
+              </a:schemeClr>
+            </a:outerShdw>
+          </a:effectLst>
+        </p:spPr>
+        <p:txBody>
+          <a:bodyPr wrap="square" rtlCol="0">
+            <a:spAutoFit/>
+          </a:bodyPr>
+          <a:lstStyle/>
+          <a:p>
+            <a:r>
+              <a:rPr lang="zh-CN" altLang="en-US" sz="2000" dirty="0" smtClean="0">
+                <a:solidFill>
+                  <a:schemeClr val="bg2">
+                    <a:lumMod val="25000"/>
+                  </a:schemeClr>
+                </a:solidFill>
+                <a:latin typeface="Adobe 黑体 Std R" pitchFamily="34" charset="-122"/>
+                <a:ea typeface="Adobe 黑体 Std R" pitchFamily="34" charset="-122"/>
+              </a:rPr>
+              <a:t>应用的载体</a:t>
+            </a:r>
+            <a:endParaRPr lang="zh-CN" altLang="en-US" sz="2000" dirty="0">
+              <a:solidFill>
+                <a:schemeClr val="bg2">
+                  <a:lumMod val="25000"/>
+                </a:schemeClr>
+              </a:solidFill>
+              <a:latin typeface="Adobe 黑体 Std R" pitchFamily="34" charset="-122"/>
+              <a:ea typeface="Adobe 黑体 Std R" pitchFamily="34" charset="-122"/>
+            </a:endParaRPr>
+          </a:p>
+        </p:txBody>
+      </p:sp>
     </p:spTree>
   </p:cSld>
   <p:clrMapOvr>
@@ -4163,42 +4487,9 @@
           <a:chExt cx="0" cy="0"/>
         </a:xfrm>
       </p:grpSpPr>
-      <p:pic>
-        <p:nvPicPr>
-          <p:cNvPr id="4098" name="Picture 2"/>
-          <p:cNvPicPr>
-            <a:picLocks noChangeAspect="1" noChangeArrowheads="1"/>
-          </p:cNvPicPr>
-          <p:nvPr/>
-        </p:nvPicPr>
-        <p:blipFill>
-          <a:blip r:embed="rId2"/>
-          <a:srcRect/>
-          <a:stretch>
-            <a:fillRect/>
-          </a:stretch>
-        </p:blipFill>
-        <p:spPr bwMode="auto">
-          <a:xfrm>
-            <a:off x="500034" y="1571612"/>
-            <a:ext cx="8215370" cy="4781485"/>
-          </a:xfrm>
-          <a:prstGeom prst="rect">
-            <a:avLst/>
-          </a:prstGeom>
-          <a:noFill/>
-          <a:ln w="9525">
-            <a:noFill/>
-            <a:miter lim="800000"/>
-            <a:headEnd/>
-            <a:tailEnd/>
-          </a:ln>
-          <a:effectLst/>
-        </p:spPr>
-      </p:pic>
-      <p:sp>
-        <p:nvSpPr>
-          <p:cNvPr id="10" name="TextBox 9"/>
+      <p:sp>
+        <p:nvSpPr>
+          <p:cNvPr id="4" name="TextBox 3"/>
           <p:cNvSpPr txBox="1"/>
           <p:nvPr/>
         </p:nvSpPr>
@@ -4259,7 +4550,7 @@
       </p:sp>
       <p:sp>
         <p:nvSpPr>
-          <p:cNvPr id="11" name="TextBox 10"/>
+          <p:cNvPr id="5" name="TextBox 4"/>
           <p:cNvSpPr txBox="1"/>
           <p:nvPr/>
         </p:nvSpPr>
@@ -4300,19 +4591,7 @@
                 <a:latin typeface="Adobe 黑体 Std R" pitchFamily="34" charset="-122"/>
                 <a:ea typeface="Adobe 黑体 Std R" pitchFamily="34" charset="-122"/>
               </a:rPr>
-              <a:t>兼</a:t>
-            </a:r>
-            <a:r>
-              <a:rPr lang="zh-CN" altLang="en-US" sz="2000" dirty="0" smtClean="0">
-                <a:solidFill>
-                  <a:schemeClr val="bg2">
-                    <a:lumMod val="25000"/>
-                  </a:schemeClr>
-                </a:solidFill>
-                <a:latin typeface="Adobe 黑体 Std R" pitchFamily="34" charset="-122"/>
-                <a:ea typeface="Adobe 黑体 Std R" pitchFamily="34" charset="-122"/>
-              </a:rPr>
-              <a:t>容性</a:t>
+              <a:t>应用载体</a:t>
             </a:r>
             <a:endParaRPr lang="zh-CN" altLang="en-US" sz="2000" dirty="0">
               <a:solidFill>
@@ -4351,42 +4630,9 @@
           <a:chExt cx="0" cy="0"/>
         </a:xfrm>
       </p:grpSpPr>
-      <p:pic>
-        <p:nvPicPr>
-          <p:cNvPr id="28674" name="Picture 2"/>
-          <p:cNvPicPr>
-            <a:picLocks noChangeAspect="1" noChangeArrowheads="1"/>
-          </p:cNvPicPr>
-          <p:nvPr/>
-        </p:nvPicPr>
-        <p:blipFill>
-          <a:blip r:embed="rId2"/>
-          <a:srcRect/>
-          <a:stretch>
-            <a:fillRect/>
-          </a:stretch>
-        </p:blipFill>
-        <p:spPr bwMode="auto">
-          <a:xfrm>
-            <a:off x="1214414" y="1428736"/>
-            <a:ext cx="6786610" cy="5218747"/>
-          </a:xfrm>
-          <a:prstGeom prst="rect">
-            <a:avLst/>
-          </a:prstGeom>
-          <a:noFill/>
-          <a:ln w="9525">
-            <a:noFill/>
-            <a:miter lim="800000"/>
-            <a:headEnd/>
-            <a:tailEnd/>
-          </a:ln>
-          <a:effectLst/>
-        </p:spPr>
-      </p:pic>
-      <p:sp>
-        <p:nvSpPr>
-          <p:cNvPr id="7" name="TextBox 6"/>
+      <p:sp>
+        <p:nvSpPr>
+          <p:cNvPr id="8" name="TextBox 7"/>
           <p:cNvSpPr txBox="1"/>
           <p:nvPr/>
         </p:nvSpPr>
@@ -4447,7 +4693,7 @@
       </p:sp>
       <p:sp>
         <p:nvSpPr>
-          <p:cNvPr id="8" name="TextBox 7"/>
+          <p:cNvPr id="9" name="TextBox 8"/>
           <p:cNvSpPr txBox="1"/>
           <p:nvPr/>
         </p:nvSpPr>
@@ -4488,19 +4734,7 @@
                 <a:latin typeface="Adobe 黑体 Std R" pitchFamily="34" charset="-122"/>
                 <a:ea typeface="Adobe 黑体 Std R" pitchFamily="34" charset="-122"/>
               </a:rPr>
-              <a:t>兼</a:t>
-            </a:r>
-            <a:r>
-              <a:rPr lang="zh-CN" altLang="en-US" sz="2000" dirty="0" smtClean="0">
-                <a:solidFill>
-                  <a:schemeClr val="bg2">
-                    <a:lumMod val="25000"/>
-                  </a:schemeClr>
-                </a:solidFill>
-                <a:latin typeface="Adobe 黑体 Std R" pitchFamily="34" charset="-122"/>
-                <a:ea typeface="Adobe 黑体 Std R" pitchFamily="34" charset="-122"/>
-              </a:rPr>
-              <a:t>容性</a:t>
+              <a:t>优雅降级</a:t>
             </a:r>
             <a:endParaRPr lang="zh-CN" altLang="en-US" sz="2000" dirty="0">
               <a:solidFill>
@@ -4541,7 +4775,7 @@
       </p:grpSpPr>
       <p:pic>
         <p:nvPicPr>
-          <p:cNvPr id="6" name="Picture 2" descr="G:\feng33\用户体验\confusion.jpg"/>
+          <p:cNvPr id="4098" name="Picture 2"/>
           <p:cNvPicPr>
             <a:picLocks noChangeAspect="1" noChangeArrowheads="1"/>
           </p:cNvPicPr>
@@ -4556,18 +4790,25 @@
         </p:blipFill>
         <p:spPr bwMode="auto">
           <a:xfrm>
-            <a:off x="5643570" y="3397049"/>
-            <a:ext cx="3500430" cy="3460951"/>
+            <a:off x="500034" y="1571612"/>
+            <a:ext cx="8215370" cy="4781485"/>
           </a:xfrm>
           <a:prstGeom prst="rect">
             <a:avLst/>
           </a:prstGeom>
           <a:noFill/>
+          <a:ln w="9525">
+            <a:noFill/>
+            <a:miter lim="800000"/>
+            <a:headEnd/>
+            <a:tailEnd/>
+          </a:ln>
+          <a:effectLst/>
         </p:spPr>
       </p:pic>
       <p:sp>
         <p:nvSpPr>
-          <p:cNvPr id="7" name="TextBox 6"/>
+          <p:cNvPr id="10" name="TextBox 9"/>
           <p:cNvSpPr txBox="1"/>
           <p:nvPr/>
         </p:nvSpPr>
@@ -4628,13 +4869,13 @@
       </p:sp>
       <p:sp>
         <p:nvSpPr>
-          <p:cNvPr id="8" name="TextBox 7"/>
+          <p:cNvPr id="11" name="TextBox 10"/>
           <p:cNvSpPr txBox="1"/>
           <p:nvPr/>
         </p:nvSpPr>
         <p:spPr>
           <a:xfrm>
-            <a:off x="928662" y="1071546"/>
+            <a:off x="928662" y="1000108"/>
             <a:ext cx="5423818" cy="400110"/>
           </a:xfrm>
           <a:prstGeom prst="rect">
@@ -4670,213 +4911,6 @@
                 <a:ea typeface="Adobe 黑体 Std R" pitchFamily="34" charset="-122"/>
               </a:rPr>
               <a:t>优雅降级</a:t>
-            </a:r>
-            <a:endParaRPr lang="zh-CN" altLang="en-US" sz="2000" dirty="0">
-              <a:solidFill>
-                <a:schemeClr val="bg2">
-                  <a:lumMod val="25000"/>
-                </a:schemeClr>
-              </a:solidFill>
-              <a:latin typeface="Adobe 黑体 Std R" pitchFamily="34" charset="-122"/>
-              <a:ea typeface="Adobe 黑体 Std R" pitchFamily="34" charset="-122"/>
-            </a:endParaRPr>
-          </a:p>
-        </p:txBody>
-      </p:sp>
-      <p:sp>
-        <p:nvSpPr>
-          <p:cNvPr id="11" name="TextBox 10"/>
-          <p:cNvSpPr txBox="1"/>
-          <p:nvPr/>
-        </p:nvSpPr>
-        <p:spPr>
-          <a:xfrm>
-            <a:off x="928662" y="1500174"/>
-            <a:ext cx="5423818" cy="400110"/>
-          </a:xfrm>
-          <a:prstGeom prst="rect">
-            <a:avLst/>
-          </a:prstGeom>
-          <a:noFill/>
-          <a:ln>
-            <a:noFill/>
-          </a:ln>
-          <a:effectLst>
-            <a:outerShdw blurRad="50800" dist="38100" dir="2700000" algn="tl" rotWithShape="0">
-              <a:schemeClr val="accent1">
-                <a:lumMod val="50000"/>
-                <a:alpha val="40000"/>
-              </a:schemeClr>
-            </a:outerShdw>
-          </a:effectLst>
-        </p:spPr>
-        <p:txBody>
-          <a:bodyPr wrap="square" rtlCol="0">
-            <a:spAutoFit/>
-          </a:bodyPr>
-          <a:lstStyle/>
-          <a:p>
-            <a:r>
-              <a:rPr lang="en-US" altLang="zh-CN" sz="2000" dirty="0" smtClean="0">
-                <a:solidFill>
-                  <a:schemeClr val="bg2">
-                    <a:lumMod val="25000"/>
-                  </a:schemeClr>
-                </a:solidFill>
-                <a:latin typeface="Adobe 黑体 Std R" pitchFamily="34" charset="-122"/>
-                <a:ea typeface="Adobe 黑体 Std R" pitchFamily="34" charset="-122"/>
-              </a:rPr>
-              <a:t>JS</a:t>
-            </a:r>
-            <a:r>
-              <a:rPr lang="zh-CN" altLang="en-US" sz="2000" dirty="0" smtClean="0">
-                <a:solidFill>
-                  <a:schemeClr val="bg2">
-                    <a:lumMod val="25000"/>
-                  </a:schemeClr>
-                </a:solidFill>
-                <a:latin typeface="Adobe 黑体 Std R" pitchFamily="34" charset="-122"/>
-                <a:ea typeface="Adobe 黑体 Std R" pitchFamily="34" charset="-122"/>
-              </a:rPr>
-              <a:t>兼容</a:t>
-            </a:r>
-            <a:endParaRPr lang="zh-CN" altLang="en-US" sz="2000" dirty="0">
-              <a:solidFill>
-                <a:schemeClr val="bg2">
-                  <a:lumMod val="25000"/>
-                </a:schemeClr>
-              </a:solidFill>
-              <a:latin typeface="Adobe 黑体 Std R" pitchFamily="34" charset="-122"/>
-              <a:ea typeface="Adobe 黑体 Std R" pitchFamily="34" charset="-122"/>
-            </a:endParaRPr>
-          </a:p>
-        </p:txBody>
-      </p:sp>
-      <p:sp>
-        <p:nvSpPr>
-          <p:cNvPr id="12" name="TextBox 11"/>
-          <p:cNvSpPr txBox="1"/>
-          <p:nvPr/>
-        </p:nvSpPr>
-        <p:spPr>
-          <a:xfrm>
-            <a:off x="928662" y="1928802"/>
-            <a:ext cx="5423818" cy="400110"/>
-          </a:xfrm>
-          <a:prstGeom prst="rect">
-            <a:avLst/>
-          </a:prstGeom>
-          <a:noFill/>
-          <a:ln>
-            <a:noFill/>
-          </a:ln>
-          <a:effectLst>
-            <a:outerShdw blurRad="50800" dist="38100" dir="2700000" algn="tl" rotWithShape="0">
-              <a:schemeClr val="accent1">
-                <a:lumMod val="50000"/>
-                <a:alpha val="40000"/>
-              </a:schemeClr>
-            </a:outerShdw>
-          </a:effectLst>
-        </p:spPr>
-        <p:txBody>
-          <a:bodyPr wrap="square" rtlCol="0">
-            <a:spAutoFit/>
-          </a:bodyPr>
-          <a:lstStyle/>
-          <a:p>
-            <a:r>
-              <a:rPr lang="zh-CN" altLang="en-US" sz="2000" dirty="0" smtClean="0">
-                <a:solidFill>
-                  <a:schemeClr val="bg2">
-                    <a:lumMod val="25000"/>
-                  </a:schemeClr>
-                </a:solidFill>
-                <a:latin typeface="Adobe 黑体 Std R" pitchFamily="34" charset="-122"/>
-                <a:ea typeface="Adobe 黑体 Std R" pitchFamily="34" charset="-122"/>
-              </a:rPr>
-              <a:t>利用图片，</a:t>
-            </a:r>
-            <a:r>
-              <a:rPr lang="en-US" altLang="zh-CN" sz="2000" dirty="0" smtClean="0">
-                <a:solidFill>
-                  <a:schemeClr val="bg2">
-                    <a:lumMod val="25000"/>
-                  </a:schemeClr>
-                </a:solidFill>
-                <a:latin typeface="Adobe 黑体 Std R" pitchFamily="34" charset="-122"/>
-                <a:ea typeface="Adobe 黑体 Std R" pitchFamily="34" charset="-122"/>
-              </a:rPr>
-              <a:t>hack</a:t>
-            </a:r>
-            <a:r>
-              <a:rPr lang="zh-CN" altLang="en-US" sz="2000" dirty="0" smtClean="0">
-                <a:solidFill>
-                  <a:schemeClr val="bg2">
-                    <a:lumMod val="25000"/>
-                  </a:schemeClr>
-                </a:solidFill>
-                <a:latin typeface="Adobe 黑体 Std R" pitchFamily="34" charset="-122"/>
-                <a:ea typeface="Adobe 黑体 Std R" pitchFamily="34" charset="-122"/>
-              </a:rPr>
-              <a:t>兼容</a:t>
-            </a:r>
-            <a:endParaRPr lang="zh-CN" altLang="en-US" sz="2000" dirty="0">
-              <a:solidFill>
-                <a:schemeClr val="bg2">
-                  <a:lumMod val="25000"/>
-                </a:schemeClr>
-              </a:solidFill>
-              <a:latin typeface="Adobe 黑体 Std R" pitchFamily="34" charset="-122"/>
-              <a:ea typeface="Adobe 黑体 Std R" pitchFamily="34" charset="-122"/>
-            </a:endParaRPr>
-          </a:p>
-        </p:txBody>
-      </p:sp>
-      <p:sp>
-        <p:nvSpPr>
-          <p:cNvPr id="13" name="TextBox 12"/>
-          <p:cNvSpPr txBox="1"/>
-          <p:nvPr/>
-        </p:nvSpPr>
-        <p:spPr>
-          <a:xfrm>
-            <a:off x="1071538" y="2500306"/>
-            <a:ext cx="5423818" cy="400110"/>
-          </a:xfrm>
-          <a:prstGeom prst="rect">
-            <a:avLst/>
-          </a:prstGeom>
-          <a:noFill/>
-          <a:ln>
-            <a:noFill/>
-          </a:ln>
-          <a:effectLst>
-            <a:outerShdw blurRad="50800" dist="38100" dir="2700000" algn="tl" rotWithShape="0">
-              <a:schemeClr val="accent1">
-                <a:lumMod val="50000"/>
-                <a:alpha val="40000"/>
-              </a:schemeClr>
-            </a:outerShdw>
-          </a:effectLst>
-        </p:spPr>
-        <p:txBody>
-          <a:bodyPr wrap="square" rtlCol="0">
-            <a:spAutoFit/>
-          </a:bodyPr>
-          <a:lstStyle/>
-          <a:p>
-            <a:r>
-              <a:rPr lang="en-US" altLang="zh-CN" sz="2000" dirty="0" smtClean="0">
-                <a:solidFill>
-                  <a:schemeClr val="bg2">
-                    <a:lumMod val="25000"/>
-                  </a:schemeClr>
-                </a:solidFill>
-                <a:latin typeface="Adobe 黑体 Std R" pitchFamily="34" charset="-122"/>
-                <a:ea typeface="Adobe 黑体 Std R" pitchFamily="34" charset="-122"/>
-              </a:rPr>
-              <a:t>……</a:t>
             </a:r>
             <a:endParaRPr lang="zh-CN" altLang="en-US" sz="2000" dirty="0">
               <a:solidFill>
@@ -4917,7 +4951,7 @@
       </p:grpSpPr>
       <p:pic>
         <p:nvPicPr>
-          <p:cNvPr id="15" name="Picture 2" descr="G:\feng33\用户体验\confusion.jpg"/>
+          <p:cNvPr id="28674" name="Picture 2"/>
           <p:cNvPicPr>
             <a:picLocks noChangeAspect="1" noChangeArrowheads="1"/>
           </p:cNvPicPr>
@@ -4932,34 +4966,8 @@
         </p:blipFill>
         <p:spPr bwMode="auto">
           <a:xfrm>
-            <a:off x="5643570" y="3397049"/>
-            <a:ext cx="3500430" cy="3460951"/>
-          </a:xfrm>
-          <a:prstGeom prst="rect">
-            <a:avLst/>
-          </a:prstGeom>
-          <a:noFill/>
-        </p:spPr>
-      </p:pic>
-      <p:pic>
-        <p:nvPicPr>
-          <p:cNvPr id="29698" name="Picture 2"/>
-          <p:cNvPicPr>
-            <a:picLocks noChangeAspect="1" noChangeArrowheads="1"/>
-          </p:cNvPicPr>
-          <p:nvPr/>
-        </p:nvPicPr>
-        <p:blipFill>
-          <a:blip r:embed="rId3"/>
-          <a:srcRect/>
-          <a:stretch>
-            <a:fillRect/>
-          </a:stretch>
-        </p:blipFill>
-        <p:spPr bwMode="auto">
-          <a:xfrm>
-            <a:off x="928662" y="1857364"/>
-            <a:ext cx="2786082" cy="1144735"/>
+            <a:off x="1214414" y="1428736"/>
+            <a:ext cx="6786610" cy="5218747"/>
           </a:xfrm>
           <a:prstGeom prst="rect">
             <a:avLst/>
@@ -4976,7 +4984,7 @@
       </p:pic>
       <p:sp>
         <p:nvSpPr>
-          <p:cNvPr id="5" name="TextBox 4"/>
+          <p:cNvPr id="7" name="TextBox 6"/>
           <p:cNvSpPr txBox="1"/>
           <p:nvPr/>
         </p:nvSpPr>
@@ -5037,7 +5045,7 @@
       </p:sp>
       <p:sp>
         <p:nvSpPr>
-          <p:cNvPr id="6" name="TextBox 5"/>
+          <p:cNvPr id="8" name="TextBox 7"/>
           <p:cNvSpPr txBox="1"/>
           <p:nvPr/>
         </p:nvSpPr>
@@ -5078,43 +5086,7 @@
                 <a:latin typeface="Adobe 黑体 Std R" pitchFamily="34" charset="-122"/>
                 <a:ea typeface="Adobe 黑体 Std R" pitchFamily="34" charset="-122"/>
               </a:rPr>
-              <a:t>利用</a:t>
-            </a:r>
-            <a:r>
-              <a:rPr lang="en-US" altLang="zh-CN" sz="2000" dirty="0" err="1" smtClean="0">
-                <a:solidFill>
-                  <a:schemeClr val="bg2">
-                    <a:lumMod val="25000"/>
-                  </a:schemeClr>
-                </a:solidFill>
-                <a:latin typeface="Adobe 黑体 Std R" pitchFamily="34" charset="-122"/>
-                <a:ea typeface="Adobe 黑体 Std R" pitchFamily="34" charset="-122"/>
-              </a:rPr>
-              <a:t>js</a:t>
-            </a:r>
-            <a:r>
-              <a:rPr lang="zh-CN" altLang="en-US" sz="2000" dirty="0" smtClean="0">
-                <a:solidFill>
-                  <a:schemeClr val="bg2">
-                    <a:lumMod val="25000"/>
-                  </a:schemeClr>
-                </a:solidFill>
-                <a:latin typeface="Adobe 黑体 Std R" pitchFamily="34" charset="-122"/>
-                <a:ea typeface="Adobe 黑体 Std R" pitchFamily="34" charset="-122"/>
-              </a:rPr>
-              <a:t>兼</a:t>
-            </a:r>
-            <a:r>
-              <a:rPr lang="zh-CN" altLang="en-US" sz="2000" dirty="0" smtClean="0">
-                <a:solidFill>
-                  <a:schemeClr val="bg2">
-                    <a:lumMod val="25000"/>
-                  </a:schemeClr>
-                </a:solidFill>
-                <a:latin typeface="Adobe 黑体 Std R" pitchFamily="34" charset="-122"/>
-                <a:ea typeface="Adobe 黑体 Std R" pitchFamily="34" charset="-122"/>
-              </a:rPr>
-              <a:t>容</a:t>
+              <a:t>优雅降级</a:t>
             </a:r>
             <a:endParaRPr lang="zh-CN" altLang="en-US" sz="2000" dirty="0">
               <a:solidFill>
@@ -5124,321 +5096,6 @@
               </a:solidFill>
               <a:latin typeface="Adobe 黑体 Std R" pitchFamily="34" charset="-122"/>
               <a:ea typeface="Adobe 黑体 Std R" pitchFamily="34" charset="-122"/>
-            </a:endParaRPr>
-          </a:p>
-        </p:txBody>
-      </p:sp>
-      <p:sp>
-        <p:nvSpPr>
-          <p:cNvPr id="7" name="矩形 6"/>
-          <p:cNvSpPr/>
-          <p:nvPr/>
-        </p:nvSpPr>
-        <p:spPr>
-          <a:xfrm>
-            <a:off x="4000495" y="2071678"/>
-            <a:ext cx="2001958" cy="369332"/>
-          </a:xfrm>
-          <a:prstGeom prst="rect">
-            <a:avLst/>
-          </a:prstGeom>
-        </p:spPr>
-        <p:txBody>
-          <a:bodyPr wrap="none">
-            <a:spAutoFit/>
-          </a:bodyPr>
-          <a:lstStyle/>
-          <a:p>
-            <a:r>
-              <a:rPr lang="en-US" dirty="0" smtClean="0">
-                <a:hlinkClick r:id="rId4"/>
-              </a:rPr>
-              <a:t>http://sizzlejs.com/</a:t>
-            </a:r>
-            <a:endParaRPr lang="zh-CN" altLang="en-US" dirty="0"/>
-          </a:p>
-        </p:txBody>
-      </p:sp>
-      <p:pic>
-        <p:nvPicPr>
-          <p:cNvPr id="29699" name="Picture 3"/>
-          <p:cNvPicPr>
-            <a:picLocks noChangeAspect="1" noChangeArrowheads="1"/>
-          </p:cNvPicPr>
-          <p:nvPr/>
-        </p:nvPicPr>
-        <p:blipFill>
-          <a:blip r:embed="rId5"/>
-          <a:srcRect/>
-          <a:stretch>
-            <a:fillRect/>
-          </a:stretch>
-        </p:blipFill>
-        <p:spPr bwMode="auto">
-          <a:xfrm>
-            <a:off x="928661" y="3071810"/>
-            <a:ext cx="3500462" cy="706288"/>
-          </a:xfrm>
-          <a:prstGeom prst="rect">
-            <a:avLst/>
-          </a:prstGeom>
-          <a:noFill/>
-          <a:ln w="9525">
-            <a:noFill/>
-            <a:miter lim="800000"/>
-            <a:headEnd/>
-            <a:tailEnd/>
-          </a:ln>
-          <a:effectLst/>
-        </p:spPr>
-      </p:pic>
-      <p:sp>
-        <p:nvSpPr>
-          <p:cNvPr id="9" name="矩形 8"/>
-          <p:cNvSpPr/>
-          <p:nvPr/>
-        </p:nvSpPr>
-        <p:spPr>
-          <a:xfrm>
-            <a:off x="4786313" y="3214686"/>
-            <a:ext cx="2176301" cy="369332"/>
-          </a:xfrm>
-          <a:prstGeom prst="rect">
-            <a:avLst/>
-          </a:prstGeom>
-        </p:spPr>
-        <p:txBody>
-          <a:bodyPr wrap="none">
-            <a:spAutoFit/>
-          </a:bodyPr>
-          <a:lstStyle/>
-          <a:p>
-            <a:r>
-              <a:rPr lang="en-US" dirty="0" smtClean="0">
-                <a:hlinkClick r:id="rId6"/>
-              </a:rPr>
-              <a:t>http://ecsstender.org</a:t>
-            </a:r>
-            <a:endParaRPr lang="zh-CN" altLang="en-US" dirty="0"/>
-          </a:p>
-        </p:txBody>
-      </p:sp>
-      <p:pic>
-        <p:nvPicPr>
-          <p:cNvPr id="29700" name="Picture 4"/>
-          <p:cNvPicPr>
-            <a:picLocks noChangeAspect="1" noChangeArrowheads="1"/>
-          </p:cNvPicPr>
-          <p:nvPr/>
-        </p:nvPicPr>
-        <p:blipFill>
-          <a:blip r:embed="rId7"/>
-          <a:srcRect/>
-          <a:stretch>
-            <a:fillRect/>
-          </a:stretch>
-        </p:blipFill>
-        <p:spPr bwMode="auto">
-          <a:xfrm>
-            <a:off x="1000099" y="4143380"/>
-            <a:ext cx="1476375" cy="419100"/>
-          </a:xfrm>
-          <a:prstGeom prst="rect">
-            <a:avLst/>
-          </a:prstGeom>
-          <a:noFill/>
-          <a:ln w="9525">
-            <a:noFill/>
-            <a:miter lim="800000"/>
-            <a:headEnd/>
-            <a:tailEnd/>
-          </a:ln>
-          <a:effectLst/>
-        </p:spPr>
-      </p:pic>
-      <p:sp>
-        <p:nvSpPr>
-          <p:cNvPr id="11" name="矩形 10"/>
-          <p:cNvSpPr/>
-          <p:nvPr/>
-        </p:nvSpPr>
-        <p:spPr>
-          <a:xfrm>
-            <a:off x="2643173" y="4143380"/>
-            <a:ext cx="3660682" cy="369332"/>
-          </a:xfrm>
-          <a:prstGeom prst="rect">
-            <a:avLst/>
-          </a:prstGeom>
-        </p:spPr>
-        <p:txBody>
-          <a:bodyPr wrap="none">
-            <a:spAutoFit/>
-          </a:bodyPr>
-          <a:lstStyle/>
-          <a:p>
-            <a:r>
-              <a:rPr lang="en-US" dirty="0" smtClean="0">
-                <a:hlinkClick r:id="rId8"/>
-              </a:rPr>
-              <a:t>http://zombie.labnotes.org/selectors</a:t>
-            </a:r>
-            <a:endParaRPr lang="zh-CN" altLang="en-US" dirty="0"/>
-          </a:p>
-        </p:txBody>
-      </p:sp>
-      <p:sp>
-        <p:nvSpPr>
-          <p:cNvPr id="12" name="TextBox 11"/>
-          <p:cNvSpPr txBox="1"/>
-          <p:nvPr/>
-        </p:nvSpPr>
-        <p:spPr>
-          <a:xfrm>
-            <a:off x="785786" y="5500702"/>
-            <a:ext cx="5423818" cy="400110"/>
-          </a:xfrm>
-          <a:prstGeom prst="rect">
-            <a:avLst/>
-          </a:prstGeom>
-          <a:noFill/>
-          <a:ln>
-            <a:noFill/>
-          </a:ln>
-          <a:effectLst>
-            <a:outerShdw blurRad="50800" dist="38100" dir="2700000" algn="tl" rotWithShape="0">
-              <a:schemeClr val="accent1">
-                <a:lumMod val="50000"/>
-                <a:alpha val="40000"/>
-              </a:schemeClr>
-            </a:outerShdw>
-          </a:effectLst>
-        </p:spPr>
-        <p:txBody>
-          <a:bodyPr wrap="square" rtlCol="0">
-            <a:spAutoFit/>
-          </a:bodyPr>
-          <a:lstStyle/>
-          <a:p>
-            <a:r>
-              <a:rPr lang="zh-CN" altLang="en-US" sz="2000" dirty="0" smtClean="0">
-                <a:solidFill>
-                  <a:schemeClr val="bg2">
-                    <a:lumMod val="25000"/>
-                  </a:schemeClr>
-                </a:solidFill>
-                <a:latin typeface="Adobe 黑体 Std R" pitchFamily="34" charset="-122"/>
-                <a:ea typeface="Adobe 黑体 Std R" pitchFamily="34" charset="-122"/>
-              </a:rPr>
-              <a:t>思考问题？</a:t>
-            </a:r>
-            <a:endParaRPr lang="zh-CN" altLang="en-US" sz="2000" dirty="0">
-              <a:solidFill>
-                <a:schemeClr val="bg2">
-                  <a:lumMod val="25000"/>
-                </a:schemeClr>
-              </a:solidFill>
-              <a:latin typeface="Adobe 黑体 Std R" pitchFamily="34" charset="-122"/>
-              <a:ea typeface="Adobe 黑体 Std R" pitchFamily="34" charset="-122"/>
-            </a:endParaRPr>
-          </a:p>
-        </p:txBody>
-      </p:sp>
-      <p:sp>
-        <p:nvSpPr>
-          <p:cNvPr id="13" name="TextBox 12"/>
-          <p:cNvSpPr txBox="1"/>
-          <p:nvPr/>
-        </p:nvSpPr>
-        <p:spPr>
-          <a:xfrm>
-            <a:off x="785786" y="5857892"/>
-            <a:ext cx="5929354" cy="369332"/>
-          </a:xfrm>
-          <a:prstGeom prst="rect">
-            <a:avLst/>
-          </a:prstGeom>
-          <a:noFill/>
-        </p:spPr>
-        <p:txBody>
-          <a:bodyPr wrap="square" rtlCol="0">
-            <a:spAutoFit/>
-          </a:bodyPr>
-          <a:lstStyle/>
-          <a:p>
-            <a:r>
-              <a:rPr lang="en-US" altLang="zh-CN" dirty="0" smtClean="0">
-                <a:solidFill>
-                  <a:schemeClr val="tx1">
-                    <a:lumMod val="65000"/>
-                    <a:lumOff val="35000"/>
-                  </a:schemeClr>
-                </a:solidFill>
-              </a:rPr>
-              <a:t> </a:t>
-            </a:r>
-            <a:r>
-              <a:rPr lang="zh-CN" altLang="en-US" dirty="0" smtClean="0">
-                <a:solidFill>
-                  <a:schemeClr val="tx1">
-                    <a:lumMod val="65000"/>
-                    <a:lumOff val="35000"/>
-                  </a:schemeClr>
-                </a:solidFill>
-              </a:rPr>
-              <a:t>为了全兼容，牺牲性能值得吗？有所得必有所失</a:t>
-            </a:r>
-            <a:endParaRPr lang="zh-CN" altLang="en-US" dirty="0">
-              <a:solidFill>
-                <a:schemeClr val="tx1">
-                  <a:lumMod val="65000"/>
-                  <a:lumOff val="35000"/>
-                </a:schemeClr>
-              </a:solidFill>
-            </a:endParaRPr>
-          </a:p>
-        </p:txBody>
-      </p:sp>
-      <p:sp>
-        <p:nvSpPr>
-          <p:cNvPr id="14" name="TextBox 13"/>
-          <p:cNvSpPr txBox="1"/>
-          <p:nvPr/>
-        </p:nvSpPr>
-        <p:spPr>
-          <a:xfrm>
-            <a:off x="3428992" y="4572008"/>
-            <a:ext cx="857256" cy="369332"/>
-          </a:xfrm>
-          <a:prstGeom prst="rect">
-            <a:avLst/>
-          </a:prstGeom>
-          <a:noFill/>
-        </p:spPr>
-        <p:txBody>
-          <a:bodyPr wrap="square" rtlCol="0">
-            <a:spAutoFit/>
-          </a:bodyPr>
-          <a:lstStyle/>
-          <a:p>
-            <a:r>
-              <a:rPr lang="en-US" altLang="zh-CN" dirty="0" smtClean="0">
-                <a:solidFill>
-                  <a:schemeClr val="tx1">
-                    <a:lumMod val="65000"/>
-                    <a:lumOff val="35000"/>
-                  </a:schemeClr>
-                </a:solidFill>
-              </a:rPr>
-              <a:t>……</a:t>
-            </a:r>
-            <a:endParaRPr lang="zh-CN" altLang="en-US" dirty="0">
-              <a:solidFill>
-                <a:schemeClr val="tx1">
-                  <a:lumMod val="65000"/>
-                  <a:lumOff val="35000"/>
-                </a:schemeClr>
-              </a:solidFill>
             </a:endParaRPr>
           </a:p>
         </p:txBody>
@@ -5470,7 +5127,7 @@
       </p:grpSpPr>
       <p:pic>
         <p:nvPicPr>
-          <p:cNvPr id="3079" name="Picture 7" descr="G:\feng33\素材\5612587261_96845b41ff.jpg"/>
+          <p:cNvPr id="15" name="Picture 2" descr="G:\feng33\用户体验\confusion.jpg"/>
           <p:cNvPicPr>
             <a:picLocks noChangeAspect="1" noChangeArrowheads="1"/>
           </p:cNvPicPr>
@@ -5485,8 +5142,8 @@
         </p:blipFill>
         <p:spPr bwMode="auto">
           <a:xfrm>
-            <a:off x="2643174" y="2017275"/>
-            <a:ext cx="6500826" cy="4840725"/>
+            <a:off x="5643570" y="3397049"/>
+            <a:ext cx="3500430" cy="3460951"/>
           </a:xfrm>
           <a:prstGeom prst="rect">
             <a:avLst/>
@@ -5494,16 +5151,49 @@
           <a:noFill/>
         </p:spPr>
       </p:pic>
-      <p:sp>
-        <p:nvSpPr>
-          <p:cNvPr id="4" name="TextBox 3"/>
+      <p:pic>
+        <p:nvPicPr>
+          <p:cNvPr id="29698" name="Picture 2"/>
+          <p:cNvPicPr>
+            <a:picLocks noChangeAspect="1" noChangeArrowheads="1"/>
+          </p:cNvPicPr>
+          <p:nvPr/>
+        </p:nvPicPr>
+        <p:blipFill>
+          <a:blip r:embed="rId3"/>
+          <a:srcRect/>
+          <a:stretch>
+            <a:fillRect/>
+          </a:stretch>
+        </p:blipFill>
+        <p:spPr bwMode="auto">
+          <a:xfrm>
+            <a:off x="928662" y="1857364"/>
+            <a:ext cx="2786082" cy="1144735"/>
+          </a:xfrm>
+          <a:prstGeom prst="rect">
+            <a:avLst/>
+          </a:prstGeom>
+          <a:noFill/>
+          <a:ln w="9525">
+            <a:noFill/>
+            <a:miter lim="800000"/>
+            <a:headEnd/>
+            <a:tailEnd/>
+          </a:ln>
+          <a:effectLst/>
+        </p:spPr>
+      </p:pic>
+      <p:sp>
+        <p:nvSpPr>
+          <p:cNvPr id="5" name="TextBox 4"/>
           <p:cNvSpPr txBox="1"/>
           <p:nvPr/>
         </p:nvSpPr>
         <p:spPr>
           <a:xfrm>
-            <a:off x="1357290" y="1500174"/>
-            <a:ext cx="3286148" cy="707886"/>
+            <a:off x="428596" y="285728"/>
+            <a:ext cx="2970187" cy="707886"/>
           </a:xfrm>
           <a:prstGeom prst="rect">
             <a:avLst/>
@@ -5541,7 +5231,7 @@
                 <a:latin typeface="Adobe 黑体 Std R" pitchFamily="34" charset="-122"/>
                 <a:ea typeface="Adobe 黑体 Std R" pitchFamily="34" charset="-122"/>
               </a:rPr>
-              <a:t>相关学习</a:t>
+              <a:t>如何应用</a:t>
             </a:r>
             <a:endParaRPr lang="zh-CN" altLang="en-US" sz="4000" dirty="0">
               <a:solidFill>
@@ -5551,6 +5241,402 @@
               </a:solidFill>
               <a:latin typeface="Adobe 黑体 Std R" pitchFamily="34" charset="-122"/>
               <a:ea typeface="Adobe 黑体 Std R" pitchFamily="34" charset="-122"/>
+            </a:endParaRPr>
+          </a:p>
+        </p:txBody>
+      </p:sp>
+      <p:sp>
+        <p:nvSpPr>
+          <p:cNvPr id="6" name="TextBox 5"/>
+          <p:cNvSpPr txBox="1"/>
+          <p:nvPr/>
+        </p:nvSpPr>
+        <p:spPr>
+          <a:xfrm>
+            <a:off x="928662" y="1000108"/>
+            <a:ext cx="5423818" cy="400110"/>
+          </a:xfrm>
+          <a:prstGeom prst="rect">
+            <a:avLst/>
+          </a:prstGeom>
+          <a:noFill/>
+          <a:ln>
+            <a:noFill/>
+          </a:ln>
+          <a:effectLst>
+            <a:outerShdw blurRad="50800" dist="38100" dir="2700000" algn="tl" rotWithShape="0">
+              <a:schemeClr val="accent1">
+                <a:lumMod val="50000"/>
+                <a:alpha val="40000"/>
+              </a:schemeClr>
+            </a:outerShdw>
+          </a:effectLst>
+        </p:spPr>
+        <p:txBody>
+          <a:bodyPr wrap="square" rtlCol="0">
+            <a:spAutoFit/>
+          </a:bodyPr>
+          <a:lstStyle/>
+          <a:p>
+            <a:r>
+              <a:rPr lang="en-US" altLang="zh-CN" sz="2000" dirty="0" err="1" smtClean="0">
+                <a:solidFill>
+                  <a:schemeClr val="bg2">
+                    <a:lumMod val="25000"/>
+                  </a:schemeClr>
+                </a:solidFill>
+                <a:latin typeface="Adobe 黑体 Std R" pitchFamily="34" charset="-122"/>
+                <a:ea typeface="Adobe 黑体 Std R" pitchFamily="34" charset="-122"/>
+              </a:rPr>
+              <a:t>js</a:t>
+            </a:r>
+            <a:r>
+              <a:rPr lang="zh-CN" altLang="en-US" sz="2000" dirty="0" smtClean="0">
+                <a:solidFill>
+                  <a:schemeClr val="bg2">
+                    <a:lumMod val="25000"/>
+                  </a:schemeClr>
+                </a:solidFill>
+                <a:latin typeface="Adobe 黑体 Std R" pitchFamily="34" charset="-122"/>
+                <a:ea typeface="Adobe 黑体 Std R" pitchFamily="34" charset="-122"/>
+              </a:rPr>
+              <a:t>兼</a:t>
+            </a:r>
+            <a:r>
+              <a:rPr lang="zh-CN" altLang="en-US" sz="2000" dirty="0" smtClean="0">
+                <a:solidFill>
+                  <a:schemeClr val="bg2">
+                    <a:lumMod val="25000"/>
+                  </a:schemeClr>
+                </a:solidFill>
+                <a:latin typeface="Adobe 黑体 Std R" pitchFamily="34" charset="-122"/>
+                <a:ea typeface="Adobe 黑体 Std R" pitchFamily="34" charset="-122"/>
+              </a:rPr>
+              <a:t>容</a:t>
+            </a:r>
+            <a:endParaRPr lang="zh-CN" altLang="en-US" sz="2000" dirty="0">
+              <a:solidFill>
+                <a:schemeClr val="bg2">
+                  <a:lumMod val="25000"/>
+                </a:schemeClr>
+              </a:solidFill>
+              <a:latin typeface="Adobe 黑体 Std R" pitchFamily="34" charset="-122"/>
+              <a:ea typeface="Adobe 黑体 Std R" pitchFamily="34" charset="-122"/>
+            </a:endParaRPr>
+          </a:p>
+        </p:txBody>
+      </p:sp>
+      <p:sp>
+        <p:nvSpPr>
+          <p:cNvPr id="7" name="矩形 6"/>
+          <p:cNvSpPr/>
+          <p:nvPr/>
+        </p:nvSpPr>
+        <p:spPr>
+          <a:xfrm>
+            <a:off x="4000495" y="2071678"/>
+            <a:ext cx="2001958" cy="369332"/>
+          </a:xfrm>
+          <a:prstGeom prst="rect">
+            <a:avLst/>
+          </a:prstGeom>
+        </p:spPr>
+        <p:txBody>
+          <a:bodyPr wrap="none">
+            <a:spAutoFit/>
+          </a:bodyPr>
+          <a:lstStyle/>
+          <a:p>
+            <a:r>
+              <a:rPr lang="en-US" dirty="0" smtClean="0">
+                <a:hlinkClick r:id="rId4"/>
+              </a:rPr>
+              <a:t>http://sizzlejs.com/</a:t>
+            </a:r>
+            <a:endParaRPr lang="zh-CN" altLang="en-US" dirty="0"/>
+          </a:p>
+        </p:txBody>
+      </p:sp>
+      <p:pic>
+        <p:nvPicPr>
+          <p:cNvPr id="29699" name="Picture 3"/>
+          <p:cNvPicPr>
+            <a:picLocks noChangeAspect="1" noChangeArrowheads="1"/>
+          </p:cNvPicPr>
+          <p:nvPr/>
+        </p:nvPicPr>
+        <p:blipFill>
+          <a:blip r:embed="rId5"/>
+          <a:srcRect/>
+          <a:stretch>
+            <a:fillRect/>
+          </a:stretch>
+        </p:blipFill>
+        <p:spPr bwMode="auto">
+          <a:xfrm>
+            <a:off x="928661" y="3071810"/>
+            <a:ext cx="3500462" cy="706288"/>
+          </a:xfrm>
+          <a:prstGeom prst="rect">
+            <a:avLst/>
+          </a:prstGeom>
+          <a:noFill/>
+          <a:ln w="9525">
+            <a:noFill/>
+            <a:miter lim="800000"/>
+            <a:headEnd/>
+            <a:tailEnd/>
+          </a:ln>
+          <a:effectLst/>
+        </p:spPr>
+      </p:pic>
+      <p:sp>
+        <p:nvSpPr>
+          <p:cNvPr id="9" name="矩形 8"/>
+          <p:cNvSpPr/>
+          <p:nvPr/>
+        </p:nvSpPr>
+        <p:spPr>
+          <a:xfrm>
+            <a:off x="4786313" y="3214686"/>
+            <a:ext cx="2176301" cy="369332"/>
+          </a:xfrm>
+          <a:prstGeom prst="rect">
+            <a:avLst/>
+          </a:prstGeom>
+        </p:spPr>
+        <p:txBody>
+          <a:bodyPr wrap="none">
+            <a:spAutoFit/>
+          </a:bodyPr>
+          <a:lstStyle/>
+          <a:p>
+            <a:r>
+              <a:rPr lang="en-US" dirty="0" smtClean="0">
+                <a:hlinkClick r:id="rId6"/>
+              </a:rPr>
+              <a:t>http://ecsstender.org</a:t>
+            </a:r>
+            <a:endParaRPr lang="zh-CN" altLang="en-US" dirty="0"/>
+          </a:p>
+        </p:txBody>
+      </p:sp>
+      <p:pic>
+        <p:nvPicPr>
+          <p:cNvPr id="29700" name="Picture 4"/>
+          <p:cNvPicPr>
+            <a:picLocks noChangeAspect="1" noChangeArrowheads="1"/>
+          </p:cNvPicPr>
+          <p:nvPr/>
+        </p:nvPicPr>
+        <p:blipFill>
+          <a:blip r:embed="rId7"/>
+          <a:srcRect/>
+          <a:stretch>
+            <a:fillRect/>
+          </a:stretch>
+        </p:blipFill>
+        <p:spPr bwMode="auto">
+          <a:xfrm>
+            <a:off x="1000099" y="4143380"/>
+            <a:ext cx="1476375" cy="419100"/>
+          </a:xfrm>
+          <a:prstGeom prst="rect">
+            <a:avLst/>
+          </a:prstGeom>
+          <a:noFill/>
+          <a:ln w="9525">
+            <a:noFill/>
+            <a:miter lim="800000"/>
+            <a:headEnd/>
+            <a:tailEnd/>
+          </a:ln>
+          <a:effectLst/>
+        </p:spPr>
+      </p:pic>
+      <p:sp>
+        <p:nvSpPr>
+          <p:cNvPr id="11" name="矩形 10"/>
+          <p:cNvSpPr/>
+          <p:nvPr/>
+        </p:nvSpPr>
+        <p:spPr>
+          <a:xfrm>
+            <a:off x="2643173" y="4143380"/>
+            <a:ext cx="3660682" cy="369332"/>
+          </a:xfrm>
+          <a:prstGeom prst="rect">
+            <a:avLst/>
+          </a:prstGeom>
+        </p:spPr>
+        <p:txBody>
+          <a:bodyPr wrap="none">
+            <a:spAutoFit/>
+          </a:bodyPr>
+          <a:lstStyle/>
+          <a:p>
+            <a:r>
+              <a:rPr lang="en-US" dirty="0" smtClean="0">
+                <a:hlinkClick r:id="rId8"/>
+              </a:rPr>
+              <a:t>http://zombie.labnotes.org/selectors</a:t>
+            </a:r>
+            <a:endParaRPr lang="zh-CN" altLang="en-US" dirty="0"/>
+          </a:p>
+        </p:txBody>
+      </p:sp>
+      <p:sp>
+        <p:nvSpPr>
+          <p:cNvPr id="12" name="TextBox 11"/>
+          <p:cNvSpPr txBox="1"/>
+          <p:nvPr/>
+        </p:nvSpPr>
+        <p:spPr>
+          <a:xfrm>
+            <a:off x="785786" y="5500702"/>
+            <a:ext cx="5423818" cy="400110"/>
+          </a:xfrm>
+          <a:prstGeom prst="rect">
+            <a:avLst/>
+          </a:prstGeom>
+          <a:noFill/>
+          <a:ln>
+            <a:noFill/>
+          </a:ln>
+          <a:effectLst>
+            <a:outerShdw blurRad="50800" dist="38100" dir="2700000" algn="tl" rotWithShape="0">
+              <a:schemeClr val="accent1">
+                <a:lumMod val="50000"/>
+                <a:alpha val="40000"/>
+              </a:schemeClr>
+            </a:outerShdw>
+          </a:effectLst>
+        </p:spPr>
+        <p:txBody>
+          <a:bodyPr wrap="square" rtlCol="0">
+            <a:spAutoFit/>
+          </a:bodyPr>
+          <a:lstStyle/>
+          <a:p>
+            <a:r>
+              <a:rPr lang="zh-CN" altLang="en-US" sz="2000" dirty="0" smtClean="0">
+                <a:solidFill>
+                  <a:schemeClr val="bg2">
+                    <a:lumMod val="25000"/>
+                  </a:schemeClr>
+                </a:solidFill>
+                <a:latin typeface="Adobe 黑体 Std R" pitchFamily="34" charset="-122"/>
+                <a:ea typeface="Adobe 黑体 Std R" pitchFamily="34" charset="-122"/>
+              </a:rPr>
+              <a:t>思考问题？</a:t>
+            </a:r>
+            <a:endParaRPr lang="zh-CN" altLang="en-US" sz="2000" dirty="0">
+              <a:solidFill>
+                <a:schemeClr val="bg2">
+                  <a:lumMod val="25000"/>
+                </a:schemeClr>
+              </a:solidFill>
+              <a:latin typeface="Adobe 黑体 Std R" pitchFamily="34" charset="-122"/>
+              <a:ea typeface="Adobe 黑体 Std R" pitchFamily="34" charset="-122"/>
+            </a:endParaRPr>
+          </a:p>
+        </p:txBody>
+      </p:sp>
+      <p:sp>
+        <p:nvSpPr>
+          <p:cNvPr id="13" name="TextBox 12"/>
+          <p:cNvSpPr txBox="1"/>
+          <p:nvPr/>
+        </p:nvSpPr>
+        <p:spPr>
+          <a:xfrm>
+            <a:off x="785786" y="5857892"/>
+            <a:ext cx="5929354" cy="369332"/>
+          </a:xfrm>
+          <a:prstGeom prst="rect">
+            <a:avLst/>
+          </a:prstGeom>
+          <a:noFill/>
+        </p:spPr>
+        <p:txBody>
+          <a:bodyPr wrap="square" rtlCol="0">
+            <a:spAutoFit/>
+          </a:bodyPr>
+          <a:lstStyle/>
+          <a:p>
+            <a:r>
+              <a:rPr lang="en-US" altLang="zh-CN" dirty="0" smtClean="0">
+                <a:solidFill>
+                  <a:schemeClr val="tx1">
+                    <a:lumMod val="65000"/>
+                    <a:lumOff val="35000"/>
+                  </a:schemeClr>
+                </a:solidFill>
+              </a:rPr>
+              <a:t> </a:t>
+            </a:r>
+            <a:r>
+              <a:rPr lang="zh-CN" altLang="en-US" dirty="0" smtClean="0">
+                <a:solidFill>
+                  <a:schemeClr val="tx1">
+                    <a:lumMod val="65000"/>
+                    <a:lumOff val="35000"/>
+                  </a:schemeClr>
+                </a:solidFill>
+              </a:rPr>
+              <a:t>为了全兼容，牺牲性能值得吗？有所得必有所失</a:t>
+            </a:r>
+            <a:endParaRPr lang="zh-CN" altLang="en-US" dirty="0">
+              <a:solidFill>
+                <a:schemeClr val="tx1">
+                  <a:lumMod val="65000"/>
+                  <a:lumOff val="35000"/>
+                </a:schemeClr>
+              </a:solidFill>
+            </a:endParaRPr>
+          </a:p>
+        </p:txBody>
+      </p:sp>
+      <p:sp>
+        <p:nvSpPr>
+          <p:cNvPr id="14" name="TextBox 13"/>
+          <p:cNvSpPr txBox="1"/>
+          <p:nvPr/>
+        </p:nvSpPr>
+        <p:spPr>
+          <a:xfrm>
+            <a:off x="3428992" y="4572008"/>
+            <a:ext cx="857256" cy="369332"/>
+          </a:xfrm>
+          <a:prstGeom prst="rect">
+            <a:avLst/>
+          </a:prstGeom>
+          <a:noFill/>
+        </p:spPr>
+        <p:txBody>
+          <a:bodyPr wrap="square" rtlCol="0">
+            <a:spAutoFit/>
+          </a:bodyPr>
+          <a:lstStyle/>
+          <a:p>
+            <a:r>
+              <a:rPr lang="en-US" altLang="zh-CN" dirty="0" smtClean="0">
+                <a:solidFill>
+                  <a:schemeClr val="tx1">
+                    <a:lumMod val="65000"/>
+                    <a:lumOff val="35000"/>
+                  </a:schemeClr>
+                </a:solidFill>
+              </a:rPr>
+              <a:t>……</a:t>
+            </a:r>
+            <a:endParaRPr lang="zh-CN" altLang="en-US" dirty="0">
+              <a:solidFill>
+                <a:schemeClr val="tx1">
+                  <a:lumMod val="65000"/>
+                  <a:lumOff val="35000"/>
+                </a:schemeClr>
+              </a:solidFill>
             </a:endParaRPr>
           </a:p>
         </p:txBody>
@@ -5580,53 +5666,42 @@
           <a:chExt cx="0" cy="0"/>
         </a:xfrm>
       </p:grpSpPr>
-      <p:sp>
-        <p:nvSpPr>
-          <p:cNvPr id="4" name="矩形 3"/>
-          <p:cNvSpPr/>
-          <p:nvPr/>
-        </p:nvSpPr>
-        <p:spPr>
-          <a:xfrm>
-            <a:off x="571472" y="1643050"/>
-            <a:ext cx="4405373" cy="369332"/>
-          </a:xfrm>
-          <a:prstGeom prst="rect">
-            <a:avLst/>
-          </a:prstGeom>
-        </p:spPr>
-        <p:txBody>
-          <a:bodyPr wrap="none">
-            <a:spAutoFit/>
-          </a:bodyPr>
-          <a:lstStyle/>
-          <a:p>
-            <a:r>
-              <a:rPr lang="en-US" dirty="0" smtClean="0">
-                <a:hlinkClick r:id="rId2"/>
-              </a:rPr>
-              <a:t>http</a:t>
-            </a:r>
-            <a:r>
-              <a:rPr lang="en-US" dirty="0" smtClean="0">
-                <a:hlinkClick r:id="rId2"/>
-              </a:rPr>
-              <a:t>://www.colorzilla.com/gradient-editor/</a:t>
-            </a:r>
-            <a:endParaRPr lang="zh-CN" altLang="en-US" dirty="0"/>
-          </a:p>
-        </p:txBody>
-      </p:sp>
-      <p:sp>
-        <p:nvSpPr>
-          <p:cNvPr id="5" name="TextBox 4"/>
+      <p:pic>
+        <p:nvPicPr>
+          <p:cNvPr id="3079" name="Picture 7" descr="G:\feng33\素材\5612587261_96845b41ff.jpg"/>
+          <p:cNvPicPr>
+            <a:picLocks noChangeAspect="1" noChangeArrowheads="1"/>
+          </p:cNvPicPr>
+          <p:nvPr/>
+        </p:nvPicPr>
+        <p:blipFill>
+          <a:blip r:embed="rId2"/>
+          <a:srcRect/>
+          <a:stretch>
+            <a:fillRect/>
+          </a:stretch>
+        </p:blipFill>
+        <p:spPr bwMode="auto">
+          <a:xfrm>
+            <a:off x="2643174" y="2017275"/>
+            <a:ext cx="6500826" cy="4840725"/>
+          </a:xfrm>
+          <a:prstGeom prst="rect">
+            <a:avLst/>
+          </a:prstGeom>
+          <a:noFill/>
+        </p:spPr>
+      </p:pic>
+      <p:sp>
+        <p:nvSpPr>
+          <p:cNvPr id="13" name="TextBox 12"/>
           <p:cNvSpPr txBox="1"/>
           <p:nvPr/>
         </p:nvSpPr>
         <p:spPr>
           <a:xfrm>
-            <a:off x="571472" y="1142984"/>
-            <a:ext cx="5423818" cy="400110"/>
+            <a:off x="428596" y="285728"/>
+            <a:ext cx="2970187" cy="707886"/>
           </a:xfrm>
           <a:prstGeom prst="rect">
             <a:avLst/>
@@ -5650,22 +5725,26 @@
           </a:bodyPr>
           <a:lstStyle/>
           <a:p>
-            <a:r>
-              <a:rPr lang="zh-CN" altLang="en-US" sz="2000" dirty="0" smtClean="0">
-                <a:solidFill>
-                  <a:schemeClr val="bg2">
-                    <a:lumMod val="25000"/>
+            <a:pPr>
+              <a:buFont typeface="Wingdings" pitchFamily="2" charset="2"/>
+              <a:buChar char="ü"/>
+            </a:pPr>
+            <a:r>
+              <a:rPr lang="zh-CN" altLang="en-US" sz="4000" dirty="0" smtClean="0">
+                <a:solidFill>
+                  <a:schemeClr val="accent1">
+                    <a:lumMod val="75000"/>
                   </a:schemeClr>
                 </a:solidFill>
                 <a:latin typeface="Adobe 黑体 Std R" pitchFamily="34" charset="-122"/>
                 <a:ea typeface="Adobe 黑体 Std R" pitchFamily="34" charset="-122"/>
               </a:rPr>
-              <a:t>在线生成器</a:t>
-            </a:r>
-            <a:endParaRPr lang="zh-CN" altLang="en-US" sz="2000" dirty="0">
+              <a:t>相关学习</a:t>
+            </a:r>
+            <a:endParaRPr lang="zh-CN" altLang="en-US" sz="4000" dirty="0">
               <a:solidFill>
-                <a:schemeClr val="bg2">
-                  <a:lumMod val="25000"/>
+                <a:schemeClr val="accent1">
+                  <a:lumMod val="75000"/>
                 </a:schemeClr>
               </a:solidFill>
               <a:latin typeface="Adobe 黑体 Std R" pitchFamily="34" charset="-122"/>
@@ -5676,76 +5755,14 @@
       </p:sp>
       <p:sp>
         <p:nvSpPr>
-          <p:cNvPr id="6" name="矩形 5"/>
-          <p:cNvSpPr/>
-          <p:nvPr/>
-        </p:nvSpPr>
-        <p:spPr>
-          <a:xfrm>
-            <a:off x="571472" y="2143116"/>
-            <a:ext cx="2200539" cy="369332"/>
-          </a:xfrm>
-          <a:prstGeom prst="rect">
-            <a:avLst/>
-          </a:prstGeom>
-        </p:spPr>
-        <p:txBody>
-          <a:bodyPr wrap="none">
-            <a:spAutoFit/>
-          </a:bodyPr>
-          <a:lstStyle/>
-          <a:p>
-            <a:r>
-              <a:rPr lang="en-US" dirty="0" smtClean="0">
-                <a:hlinkClick r:id="rId3"/>
-              </a:rPr>
-              <a:t>http://www.css3.me/</a:t>
-            </a:r>
-            <a:endParaRPr lang="zh-CN" altLang="en-US" dirty="0"/>
-          </a:p>
-        </p:txBody>
-      </p:sp>
-      <p:sp>
-        <p:nvSpPr>
-          <p:cNvPr id="7" name="矩形 6"/>
-          <p:cNvSpPr/>
-          <p:nvPr/>
-        </p:nvSpPr>
-        <p:spPr>
-          <a:xfrm>
-            <a:off x="571472" y="2643182"/>
-            <a:ext cx="7500990" cy="369332"/>
-          </a:xfrm>
-          <a:prstGeom prst="rect">
-            <a:avLst/>
-          </a:prstGeom>
-        </p:spPr>
-        <p:txBody>
-          <a:bodyPr wrap="square">
-            <a:spAutoFit/>
-          </a:bodyPr>
-          <a:lstStyle/>
-          <a:p>
-            <a:r>
-              <a:rPr lang="en-US" dirty="0" smtClean="0">
-                <a:hlinkClick r:id="rId4"/>
-              </a:rPr>
-              <a:t>http://www.css3maker.com/css3-animation.html</a:t>
-            </a:r>
-            <a:endParaRPr lang="zh-CN" altLang="en-US" dirty="0"/>
-          </a:p>
-        </p:txBody>
-      </p:sp>
-      <p:sp>
-        <p:nvSpPr>
-          <p:cNvPr id="8" name="TextBox 7"/>
+          <p:cNvPr id="15" name="TextBox 14"/>
           <p:cNvSpPr txBox="1"/>
           <p:nvPr/>
         </p:nvSpPr>
         <p:spPr>
           <a:xfrm>
-            <a:off x="357158" y="214290"/>
-            <a:ext cx="3286148" cy="707886"/>
+            <a:off x="928662" y="1071546"/>
+            <a:ext cx="5423818" cy="400110"/>
           </a:xfrm>
           <a:prstGeom prst="rect">
             <a:avLst/>
@@ -5769,26 +5786,79 @@
           </a:bodyPr>
           <a:lstStyle/>
           <a:p>
-            <a:pPr>
-              <a:buFont typeface="Wingdings" pitchFamily="2" charset="2"/>
-              <a:buChar char="ü"/>
-            </a:pPr>
-            <a:r>
-              <a:rPr lang="zh-CN" altLang="en-US" sz="4000" dirty="0" smtClean="0">
-                <a:solidFill>
-                  <a:schemeClr val="accent1">
-                    <a:lumMod val="75000"/>
+            <a:r>
+              <a:rPr lang="zh-CN" altLang="en-US" sz="2000" dirty="0" smtClean="0">
+                <a:solidFill>
+                  <a:schemeClr val="bg2">
+                    <a:lumMod val="25000"/>
                   </a:schemeClr>
                 </a:solidFill>
                 <a:latin typeface="Adobe 黑体 Std R" pitchFamily="34" charset="-122"/>
                 <a:ea typeface="Adobe 黑体 Std R" pitchFamily="34" charset="-122"/>
               </a:rPr>
-              <a:t>相关学习</a:t>
-            </a:r>
-            <a:endParaRPr lang="zh-CN" altLang="en-US" sz="4000" dirty="0">
+              <a:t>在线生成器</a:t>
+            </a:r>
+            <a:endParaRPr lang="zh-CN" altLang="en-US" sz="2000" dirty="0">
               <a:solidFill>
-                <a:schemeClr val="accent1">
-                  <a:lumMod val="75000"/>
+                <a:schemeClr val="bg2">
+                  <a:lumMod val="25000"/>
+                </a:schemeClr>
+              </a:solidFill>
+              <a:latin typeface="Adobe 黑体 Std R" pitchFamily="34" charset="-122"/>
+              <a:ea typeface="Adobe 黑体 Std R" pitchFamily="34" charset="-122"/>
+            </a:endParaRPr>
+          </a:p>
+        </p:txBody>
+      </p:sp>
+      <p:sp>
+        <p:nvSpPr>
+          <p:cNvPr id="16" name="TextBox 15"/>
+          <p:cNvSpPr txBox="1"/>
+          <p:nvPr/>
+        </p:nvSpPr>
+        <p:spPr>
+          <a:xfrm>
+            <a:off x="928662" y="1500174"/>
+            <a:ext cx="5423818" cy="400110"/>
+          </a:xfrm>
+          <a:prstGeom prst="rect">
+            <a:avLst/>
+          </a:prstGeom>
+          <a:noFill/>
+          <a:ln>
+            <a:noFill/>
+          </a:ln>
+          <a:effectLst>
+            <a:outerShdw blurRad="50800" dist="38100" dir="2700000" algn="tl" rotWithShape="0">
+              <a:schemeClr val="accent1">
+                <a:lumMod val="50000"/>
+                <a:alpha val="40000"/>
+              </a:schemeClr>
+            </a:outerShdw>
+          </a:effectLst>
+        </p:spPr>
+        <p:txBody>
+          <a:bodyPr wrap="square" rtlCol="0">
+            <a:spAutoFit/>
+          </a:bodyPr>
+          <a:lstStyle/>
+          <a:p>
+            <a:r>
+              <a:rPr lang="zh-CN" altLang="en-US" sz="2000" dirty="0" smtClean="0">
+                <a:solidFill>
+                  <a:schemeClr val="bg2">
+                    <a:lumMod val="25000"/>
+                  </a:schemeClr>
+                </a:solidFill>
+                <a:latin typeface="Adobe 黑体 Std R" pitchFamily="34" charset="-122"/>
+                <a:ea typeface="Adobe 黑体 Std R" pitchFamily="34" charset="-122"/>
+              </a:rPr>
+              <a:t>相关技术文档</a:t>
+            </a:r>
+            <a:endParaRPr lang="zh-CN" altLang="en-US" sz="2000" dirty="0">
+              <a:solidFill>
+                <a:schemeClr val="bg2">
+                  <a:lumMod val="25000"/>
                 </a:schemeClr>
               </a:solidFill>
               <a:latin typeface="Adobe 黑体 Std R" pitchFamily="34" charset="-122"/>
@@ -5822,120 +5892,16 @@
           <a:chExt cx="0" cy="0"/>
         </a:xfrm>
       </p:grpSpPr>
-      <p:pic>
-        <p:nvPicPr>
-          <p:cNvPr id="4" name="Picture 3" descr="C:\Users\acer\Desktop\cc.png"/>
-          <p:cNvPicPr>
-            <a:picLocks noChangeAspect="1" noChangeArrowheads="1"/>
-          </p:cNvPicPr>
-          <p:nvPr/>
-        </p:nvPicPr>
-        <p:blipFill>
-          <a:blip r:embed="rId3"/>
-          <a:srcRect/>
-          <a:stretch>
-            <a:fillRect/>
-          </a:stretch>
-        </p:blipFill>
-        <p:spPr bwMode="auto">
-          <a:xfrm>
-            <a:off x="2928926" y="5286388"/>
-            <a:ext cx="1214446" cy="1214446"/>
-          </a:xfrm>
-          <a:prstGeom prst="rect">
-            <a:avLst/>
-          </a:prstGeom>
-          <a:noFill/>
-        </p:spPr>
-      </p:pic>
-      <p:pic>
-        <p:nvPicPr>
-          <p:cNvPr id="5" name="Picture 4" descr="C:\Users\acer\Desktop\cc.png"/>
-          <p:cNvPicPr>
-            <a:picLocks noChangeAspect="1" noChangeArrowheads="1"/>
-          </p:cNvPicPr>
-          <p:nvPr/>
-        </p:nvPicPr>
-        <p:blipFill>
-          <a:blip r:embed="rId4" cstate="print"/>
-          <a:srcRect/>
-          <a:stretch>
-            <a:fillRect/>
-          </a:stretch>
-        </p:blipFill>
-        <p:spPr bwMode="auto">
-          <a:xfrm>
-            <a:off x="500034" y="5143512"/>
-            <a:ext cx="1357322" cy="1357323"/>
-          </a:xfrm>
-          <a:prstGeom prst="rect">
-            <a:avLst/>
-          </a:prstGeom>
-          <a:noFill/>
-        </p:spPr>
-      </p:pic>
-      <p:pic>
-        <p:nvPicPr>
-          <p:cNvPr id="6" name="Picture 5" descr="C:\Users\acer\Desktop\cc.png"/>
-          <p:cNvPicPr>
-            <a:picLocks noChangeAspect="1" noChangeArrowheads="1"/>
-          </p:cNvPicPr>
-          <p:nvPr/>
-        </p:nvPicPr>
-        <p:blipFill>
-          <a:blip r:embed="rId5"/>
-          <a:srcRect/>
-          <a:stretch>
-            <a:fillRect/>
-          </a:stretch>
-        </p:blipFill>
-        <p:spPr bwMode="auto">
-          <a:xfrm>
-            <a:off x="7429520" y="5143512"/>
-            <a:ext cx="1357322" cy="1357322"/>
-          </a:xfrm>
-          <a:prstGeom prst="rect">
-            <a:avLst/>
-          </a:prstGeom>
-          <a:noFill/>
-        </p:spPr>
-      </p:pic>
-      <p:pic>
-        <p:nvPicPr>
-          <p:cNvPr id="7" name="Picture 6" descr="C:\Users\acer\Desktop\cc.jpg"/>
-          <p:cNvPicPr>
-            <a:picLocks noChangeAspect="1" noChangeArrowheads="1"/>
-          </p:cNvPicPr>
-          <p:nvPr/>
-        </p:nvPicPr>
-        <p:blipFill>
-          <a:blip r:embed="rId6"/>
-          <a:srcRect/>
-          <a:stretch>
-            <a:fillRect/>
-          </a:stretch>
-        </p:blipFill>
-        <p:spPr bwMode="auto">
-          <a:xfrm>
-            <a:off x="5143504" y="5072074"/>
-            <a:ext cx="1571636" cy="1571636"/>
-          </a:xfrm>
-          <a:prstGeom prst="rect">
-            <a:avLst/>
-          </a:prstGeom>
-          <a:noFill/>
-        </p:spPr>
-      </p:pic>
-      <p:sp>
-        <p:nvSpPr>
-          <p:cNvPr id="8" name="矩形 7"/>
+      <p:sp>
+        <p:nvSpPr>
+          <p:cNvPr id="4" name="矩形 3"/>
           <p:cNvSpPr/>
           <p:nvPr/>
         </p:nvSpPr>
         <p:spPr>
           <a:xfrm>
-            <a:off x="642926" y="1630908"/>
-            <a:ext cx="2952668" cy="369332"/>
+            <a:off x="571472" y="1643050"/>
+            <a:ext cx="4405373" cy="369332"/>
           </a:xfrm>
           <a:prstGeom prst="rect">
             <a:avLst/>
@@ -5949,9 +5915,15 @@
           <a:p>
             <a:r>
               <a:rPr lang="en-US" dirty="0" smtClean="0">
-                <a:hlinkClick r:id="rId7"/>
-              </a:rPr>
-              <a:t>http://www.webkit.org/blog/</a:t>
+                <a:hlinkClick r:id="rId2"/>
+              </a:rPr>
+              <a:t>http</a:t>
+            </a:r>
+            <a:r>
+              <a:rPr lang="en-US" dirty="0" smtClean="0">
+                <a:hlinkClick r:id="rId2"/>
+              </a:rPr>
+              <a:t>://www.colorzilla.com/gradient-editor/</a:t>
             </a:r>
             <a:endParaRPr lang="zh-CN" altLang="en-US" dirty="0"/>
           </a:p>
@@ -5959,131 +5931,7 @@
       </p:sp>
       <p:sp>
         <p:nvSpPr>
-          <p:cNvPr id="9" name="矩形 8"/>
-          <p:cNvSpPr/>
-          <p:nvPr/>
-        </p:nvSpPr>
-        <p:spPr>
-          <a:xfrm>
-            <a:off x="642926" y="2220272"/>
-            <a:ext cx="6572280" cy="369332"/>
-          </a:xfrm>
-          <a:prstGeom prst="rect">
-            <a:avLst/>
-          </a:prstGeom>
-        </p:spPr>
-        <p:txBody>
-          <a:bodyPr wrap="square">
-            <a:spAutoFit/>
-          </a:bodyPr>
-          <a:lstStyle/>
-          <a:p>
-            <a:r>
-              <a:rPr lang="en-US" dirty="0" smtClean="0">
-                <a:hlinkClick r:id="rId8"/>
-              </a:rPr>
-              <a:t>https://developer.mozilla.org/en/CSS_Reference/Mozilla_Extensions</a:t>
-            </a:r>
-            <a:endParaRPr lang="zh-CN" altLang="en-US" dirty="0"/>
-          </a:p>
-        </p:txBody>
-      </p:sp>
-      <p:sp>
-        <p:nvSpPr>
-          <p:cNvPr id="11" name="矩形 10"/>
-          <p:cNvSpPr/>
-          <p:nvPr/>
-        </p:nvSpPr>
-        <p:spPr>
-          <a:xfrm>
-            <a:off x="642926" y="2809636"/>
-            <a:ext cx="2786082" cy="369332"/>
-          </a:xfrm>
-          <a:prstGeom prst="rect">
-            <a:avLst/>
-          </a:prstGeom>
-        </p:spPr>
-        <p:txBody>
-          <a:bodyPr wrap="square">
-            <a:spAutoFit/>
-          </a:bodyPr>
-          <a:lstStyle/>
-          <a:p>
-            <a:r>
-              <a:rPr lang="en-US" dirty="0" smtClean="0">
-                <a:hlinkClick r:id="rId9"/>
-              </a:rPr>
-              <a:t>http://dev.opera.com/</a:t>
-            </a:r>
-            <a:endParaRPr lang="zh-CN" altLang="en-US" dirty="0"/>
-          </a:p>
-        </p:txBody>
-      </p:sp>
-      <p:sp>
-        <p:nvSpPr>
-          <p:cNvPr id="12" name="矩形 11"/>
-          <p:cNvSpPr/>
-          <p:nvPr/>
-        </p:nvSpPr>
-        <p:spPr>
-          <a:xfrm>
-            <a:off x="642926" y="3399000"/>
-            <a:ext cx="2096921" cy="369332"/>
-          </a:xfrm>
-          <a:prstGeom prst="rect">
-            <a:avLst/>
-          </a:prstGeom>
-        </p:spPr>
-        <p:txBody>
-          <a:bodyPr wrap="none">
-            <a:spAutoFit/>
-          </a:bodyPr>
-          <a:lstStyle/>
-          <a:p>
-            <a:r>
-              <a:rPr lang="en-US" dirty="0" smtClean="0">
-                <a:hlinkClick r:id="rId10"/>
-              </a:rPr>
-              <a:t>http://www.w3.org/</a:t>
-            </a:r>
-            <a:endParaRPr lang="zh-CN" altLang="en-US" dirty="0"/>
-          </a:p>
-        </p:txBody>
-      </p:sp>
-      <p:sp>
-        <p:nvSpPr>
-          <p:cNvPr id="13" name="矩形 12"/>
-          <p:cNvSpPr/>
-          <p:nvPr/>
-        </p:nvSpPr>
-        <p:spPr>
-          <a:xfrm>
-            <a:off x="642926" y="3988362"/>
-            <a:ext cx="2121928" cy="369332"/>
-          </a:xfrm>
-          <a:prstGeom prst="rect">
-            <a:avLst/>
-          </a:prstGeom>
-        </p:spPr>
-        <p:txBody>
-          <a:bodyPr wrap="none">
-            <a:spAutoFit/>
-          </a:bodyPr>
-          <a:lstStyle/>
-          <a:p>
-            <a:r>
-              <a:rPr lang="en-US" dirty="0" smtClean="0">
-                <a:hlinkClick r:id="rId11"/>
-              </a:rPr>
-              <a:t>http://css-tricks.com</a:t>
-            </a:r>
-            <a:endParaRPr lang="zh-CN" altLang="en-US" dirty="0"/>
-          </a:p>
-        </p:txBody>
-      </p:sp>
-      <p:sp>
-        <p:nvSpPr>
-          <p:cNvPr id="18" name="TextBox 17"/>
+          <p:cNvPr id="5" name="TextBox 4"/>
           <p:cNvSpPr txBox="1"/>
           <p:nvPr/>
         </p:nvSpPr>
@@ -6124,7 +5972,7 @@
                 <a:latin typeface="Adobe 黑体 Std R" pitchFamily="34" charset="-122"/>
                 <a:ea typeface="Adobe 黑体 Std R" pitchFamily="34" charset="-122"/>
               </a:rPr>
-              <a:t>相关技术文档</a:t>
+              <a:t>在线生成器</a:t>
             </a:r>
             <a:endParaRPr lang="zh-CN" altLang="en-US" sz="2000" dirty="0">
               <a:solidFill>
@@ -6140,14 +5988,76 @@
       </p:sp>
       <p:sp>
         <p:nvSpPr>
-          <p:cNvPr id="19" name="TextBox 18"/>
+          <p:cNvPr id="6" name="矩形 5"/>
+          <p:cNvSpPr/>
+          <p:nvPr/>
+        </p:nvSpPr>
+        <p:spPr>
+          <a:xfrm>
+            <a:off x="571472" y="2143116"/>
+            <a:ext cx="2200539" cy="369332"/>
+          </a:xfrm>
+          <a:prstGeom prst="rect">
+            <a:avLst/>
+          </a:prstGeom>
+        </p:spPr>
+        <p:txBody>
+          <a:bodyPr wrap="none">
+            <a:spAutoFit/>
+          </a:bodyPr>
+          <a:lstStyle/>
+          <a:p>
+            <a:r>
+              <a:rPr lang="en-US" dirty="0" smtClean="0">
+                <a:hlinkClick r:id="rId3"/>
+              </a:rPr>
+              <a:t>http://www.css3.me/</a:t>
+            </a:r>
+            <a:endParaRPr lang="zh-CN" altLang="en-US" dirty="0"/>
+          </a:p>
+        </p:txBody>
+      </p:sp>
+      <p:sp>
+        <p:nvSpPr>
+          <p:cNvPr id="7" name="矩形 6"/>
+          <p:cNvSpPr/>
+          <p:nvPr/>
+        </p:nvSpPr>
+        <p:spPr>
+          <a:xfrm>
+            <a:off x="571472" y="2643182"/>
+            <a:ext cx="7500990" cy="369332"/>
+          </a:xfrm>
+          <a:prstGeom prst="rect">
+            <a:avLst/>
+          </a:prstGeom>
+        </p:spPr>
+        <p:txBody>
+          <a:bodyPr wrap="square">
+            <a:spAutoFit/>
+          </a:bodyPr>
+          <a:lstStyle/>
+          <a:p>
+            <a:r>
+              <a:rPr lang="en-US" dirty="0" smtClean="0">
+                <a:hlinkClick r:id="rId4"/>
+              </a:rPr>
+              <a:t>http://www.css3maker.com/css3-animation.html</a:t>
+            </a:r>
+            <a:endParaRPr lang="zh-CN" altLang="en-US" dirty="0"/>
+          </a:p>
+        </p:txBody>
+      </p:sp>
+      <p:sp>
+        <p:nvSpPr>
+          <p:cNvPr id="9" name="TextBox 8"/>
           <p:cNvSpPr txBox="1"/>
           <p:nvPr/>
         </p:nvSpPr>
         <p:spPr>
           <a:xfrm>
-            <a:off x="357158" y="214290"/>
-            <a:ext cx="3286148" cy="707886"/>
+            <a:off x="428596" y="285728"/>
+            <a:ext cx="2970187" cy="707886"/>
           </a:xfrm>
           <a:prstGeom prst="rect">
             <a:avLst/>
@@ -6196,37 +6106,6 @@
               <a:latin typeface="Adobe 黑体 Std R" pitchFamily="34" charset="-122"/>
               <a:ea typeface="Adobe 黑体 Std R" pitchFamily="34" charset="-122"/>
             </a:endParaRPr>
-          </a:p>
-        </p:txBody>
-      </p:sp>
-      <p:sp>
-        <p:nvSpPr>
-          <p:cNvPr id="20" name="矩形 19"/>
-          <p:cNvSpPr/>
-          <p:nvPr/>
-        </p:nvSpPr>
-        <p:spPr>
-          <a:xfrm>
-            <a:off x="714348" y="4643446"/>
-            <a:ext cx="8215370" cy="369332"/>
-          </a:xfrm>
-          <a:prstGeom prst="rect">
-            <a:avLst/>
-          </a:prstGeom>
-        </p:spPr>
-        <p:txBody>
-          <a:bodyPr wrap="square">
-            <a:spAutoFit/>
-          </a:bodyPr>
-          <a:lstStyle/>
-          <a:p>
-            <a:r>
-              <a:rPr lang="en-US" dirty="0" smtClean="0">
-                <a:hlinkClick r:id="rId12"/>
-              </a:rPr>
-              <a:t>http://coding.smashingmagazine.com/2011/03/30/how-to-use-css3-pseudo-classes/</a:t>
-            </a:r>
-            <a:endParaRPr lang="zh-CN" altLang="en-US" dirty="0"/>
           </a:p>
         </p:txBody>
       </p:sp>
@@ -6257,38 +6136,149 @@
       </p:grpSpPr>
       <p:pic>
         <p:nvPicPr>
-          <p:cNvPr id="7" name="图片 6" descr="priceless-faq.jpg"/>
+          <p:cNvPr id="4" name="Picture 3" descr="C:\Users\acer\Desktop\cc.png"/>
           <p:cNvPicPr>
-            <a:picLocks noChangeAspect="1"/>
+            <a:picLocks noChangeAspect="1" noChangeArrowheads="1"/>
           </p:cNvPicPr>
           <p:nvPr/>
         </p:nvPicPr>
         <p:blipFill>
-          <a:blip r:embed="rId2" cstate="print"/>
+          <a:blip r:embed="rId3"/>
+          <a:srcRect/>
           <a:stretch>
             <a:fillRect/>
           </a:stretch>
         </p:blipFill>
-        <p:spPr>
-          <a:xfrm>
-            <a:off x="0" y="714356"/>
-            <a:ext cx="5279136" cy="5279136"/>
-          </a:xfrm>
-          <a:prstGeom prst="rect">
-            <a:avLst/>
-          </a:prstGeom>
+        <p:spPr bwMode="auto">
+          <a:xfrm>
+            <a:off x="2928926" y="5286388"/>
+            <a:ext cx="1214446" cy="1214446"/>
+          </a:xfrm>
+          <a:prstGeom prst="rect">
+            <a:avLst/>
+          </a:prstGeom>
+          <a:noFill/>
         </p:spPr>
       </p:pic>
-      <p:sp>
-        <p:nvSpPr>
-          <p:cNvPr id="5" name="矩形 4"/>
+      <p:pic>
+        <p:nvPicPr>
+          <p:cNvPr id="5" name="Picture 4" descr="C:\Users\acer\Desktop\cc.png"/>
+          <p:cNvPicPr>
+            <a:picLocks noChangeAspect="1" noChangeArrowheads="1"/>
+          </p:cNvPicPr>
+          <p:nvPr/>
+        </p:nvPicPr>
+        <p:blipFill>
+          <a:blip r:embed="rId4" cstate="print"/>
+          <a:srcRect/>
+          <a:stretch>
+            <a:fillRect/>
+          </a:stretch>
+        </p:blipFill>
+        <p:spPr bwMode="auto">
+          <a:xfrm>
+            <a:off x="500034" y="5143512"/>
+            <a:ext cx="1357322" cy="1357323"/>
+          </a:xfrm>
+          <a:prstGeom prst="rect">
+            <a:avLst/>
+          </a:prstGeom>
+          <a:noFill/>
+        </p:spPr>
+      </p:pic>
+      <p:pic>
+        <p:nvPicPr>
+          <p:cNvPr id="6" name="Picture 5" descr="C:\Users\acer\Desktop\cc.png"/>
+          <p:cNvPicPr>
+            <a:picLocks noChangeAspect="1" noChangeArrowheads="1"/>
+          </p:cNvPicPr>
+          <p:nvPr/>
+        </p:nvPicPr>
+        <p:blipFill>
+          <a:blip r:embed="rId5"/>
+          <a:srcRect/>
+          <a:stretch>
+            <a:fillRect/>
+          </a:stretch>
+        </p:blipFill>
+        <p:spPr bwMode="auto">
+          <a:xfrm>
+            <a:off x="7429520" y="5143512"/>
+            <a:ext cx="1357322" cy="1357322"/>
+          </a:xfrm>
+          <a:prstGeom prst="rect">
+            <a:avLst/>
+          </a:prstGeom>
+          <a:noFill/>
+        </p:spPr>
+      </p:pic>
+      <p:pic>
+        <p:nvPicPr>
+          <p:cNvPr id="7" name="Picture 6" descr="C:\Users\acer\Desktop\cc.jpg"/>
+          <p:cNvPicPr>
+            <a:picLocks noChangeAspect="1" noChangeArrowheads="1"/>
+          </p:cNvPicPr>
+          <p:nvPr/>
+        </p:nvPicPr>
+        <p:blipFill>
+          <a:blip r:embed="rId6"/>
+          <a:srcRect/>
+          <a:stretch>
+            <a:fillRect/>
+          </a:stretch>
+        </p:blipFill>
+        <p:spPr bwMode="auto">
+          <a:xfrm>
+            <a:off x="5143504" y="5072074"/>
+            <a:ext cx="1571636" cy="1571636"/>
+          </a:xfrm>
+          <a:prstGeom prst="rect">
+            <a:avLst/>
+          </a:prstGeom>
+          <a:noFill/>
+        </p:spPr>
+      </p:pic>
+      <p:sp>
+        <p:nvSpPr>
+          <p:cNvPr id="8" name="矩形 7"/>
           <p:cNvSpPr/>
           <p:nvPr/>
         </p:nvSpPr>
         <p:spPr>
           <a:xfrm>
-            <a:off x="4857752" y="1785926"/>
-            <a:ext cx="3286148" cy="477054"/>
+            <a:off x="642926" y="1630908"/>
+            <a:ext cx="2952668" cy="369332"/>
+          </a:xfrm>
+          <a:prstGeom prst="rect">
+            <a:avLst/>
+          </a:prstGeom>
+        </p:spPr>
+        <p:txBody>
+          <a:bodyPr wrap="none">
+            <a:spAutoFit/>
+          </a:bodyPr>
+          <a:lstStyle/>
+          <a:p>
+            <a:r>
+              <a:rPr lang="en-US" dirty="0" smtClean="0">
+                <a:hlinkClick r:id="rId7"/>
+              </a:rPr>
+              <a:t>http://www.webkit.org/blog/</a:t>
+            </a:r>
+            <a:endParaRPr lang="zh-CN" altLang="en-US" dirty="0"/>
+          </a:p>
+        </p:txBody>
+      </p:sp>
+      <p:sp>
+        <p:nvSpPr>
+          <p:cNvPr id="9" name="矩形 8"/>
+          <p:cNvSpPr/>
+          <p:nvPr/>
+        </p:nvSpPr>
+        <p:spPr>
+          <a:xfrm>
+            <a:off x="642926" y="2220272"/>
+            <a:ext cx="6572280" cy="369332"/>
           </a:xfrm>
           <a:prstGeom prst="rect">
             <a:avLst/>
@@ -6300,37 +6290,26 @@
           </a:bodyPr>
           <a:lstStyle/>
           <a:p>
-            <a:pPr algn="ctr"/>
-            <a:r>
-              <a:rPr lang="en-US" altLang="zh-CN" sz="2500" dirty="0" smtClean="0">
-                <a:solidFill>
-                  <a:schemeClr val="bg1">
-                    <a:lumMod val="50000"/>
-                  </a:schemeClr>
-                </a:solidFill>
-              </a:rPr>
-              <a:t>http://t.qq.com/feng33</a:t>
-            </a:r>
-            <a:endParaRPr lang="zh-CN" altLang="en-US" sz="2500" dirty="0">
-              <a:solidFill>
-                <a:schemeClr val="bg1">
-                  <a:lumMod val="50000"/>
-                </a:schemeClr>
-              </a:solidFill>
-            </a:endParaRPr>
-          </a:p>
-        </p:txBody>
-      </p:sp>
-      <p:sp>
-        <p:nvSpPr>
-          <p:cNvPr id="9" name="矩形 8"/>
+            <a:r>
+              <a:rPr lang="en-US" dirty="0" smtClean="0">
+                <a:hlinkClick r:id="rId8"/>
+              </a:rPr>
+              <a:t>https://developer.mozilla.org/en/CSS_Reference/Mozilla_Extensions</a:t>
+            </a:r>
+            <a:endParaRPr lang="zh-CN" altLang="en-US" dirty="0"/>
+          </a:p>
+        </p:txBody>
+      </p:sp>
+      <p:sp>
+        <p:nvSpPr>
+          <p:cNvPr id="11" name="矩形 10"/>
           <p:cNvSpPr/>
           <p:nvPr/>
         </p:nvSpPr>
         <p:spPr>
           <a:xfrm>
-            <a:off x="4857752" y="2238367"/>
-            <a:ext cx="3857652" cy="477054"/>
+            <a:off x="642926" y="2809636"/>
+            <a:ext cx="2786082" cy="369332"/>
           </a:xfrm>
           <a:prstGeom prst="rect">
             <a:avLst/>
@@ -6343,35 +6322,144 @@
           <a:lstStyle/>
           <a:p>
             <a:r>
-              <a:rPr lang="en-US" altLang="zh-CN" sz="2500" dirty="0" smtClean="0">
-                <a:solidFill>
-                  <a:schemeClr val="bg1">
-                    <a:lumMod val="50000"/>
-                  </a:schemeClr>
-                </a:solidFill>
-              </a:rPr>
-              <a:t>http://weibo.com/feng33</a:t>
-            </a:r>
-            <a:endParaRPr lang="zh-CN" altLang="en-US" sz="2500" dirty="0">
+              <a:rPr lang="en-US" dirty="0" smtClean="0">
+                <a:hlinkClick r:id="rId9"/>
+              </a:rPr>
+              <a:t>http://dev.opera.com/</a:t>
+            </a:r>
+            <a:endParaRPr lang="zh-CN" altLang="en-US" dirty="0"/>
+          </a:p>
+        </p:txBody>
+      </p:sp>
+      <p:sp>
+        <p:nvSpPr>
+          <p:cNvPr id="12" name="矩形 11"/>
+          <p:cNvSpPr/>
+          <p:nvPr/>
+        </p:nvSpPr>
+        <p:spPr>
+          <a:xfrm>
+            <a:off x="642926" y="3399000"/>
+            <a:ext cx="2096921" cy="369332"/>
+          </a:xfrm>
+          <a:prstGeom prst="rect">
+            <a:avLst/>
+          </a:prstGeom>
+        </p:spPr>
+        <p:txBody>
+          <a:bodyPr wrap="none">
+            <a:spAutoFit/>
+          </a:bodyPr>
+          <a:lstStyle/>
+          <a:p>
+            <a:r>
+              <a:rPr lang="en-US" dirty="0" smtClean="0">
+                <a:hlinkClick r:id="rId10"/>
+              </a:rPr>
+              <a:t>http://www.w3.org/</a:t>
+            </a:r>
+            <a:endParaRPr lang="zh-CN" altLang="en-US" dirty="0"/>
+          </a:p>
+        </p:txBody>
+      </p:sp>
+      <p:sp>
+        <p:nvSpPr>
+          <p:cNvPr id="13" name="矩形 12"/>
+          <p:cNvSpPr/>
+          <p:nvPr/>
+        </p:nvSpPr>
+        <p:spPr>
+          <a:xfrm>
+            <a:off x="642926" y="3988362"/>
+            <a:ext cx="2121928" cy="369332"/>
+          </a:xfrm>
+          <a:prstGeom prst="rect">
+            <a:avLst/>
+          </a:prstGeom>
+        </p:spPr>
+        <p:txBody>
+          <a:bodyPr wrap="none">
+            <a:spAutoFit/>
+          </a:bodyPr>
+          <a:lstStyle/>
+          <a:p>
+            <a:r>
+              <a:rPr lang="en-US" dirty="0" smtClean="0">
+                <a:hlinkClick r:id="rId11"/>
+              </a:rPr>
+              <a:t>http://css-tricks.com</a:t>
+            </a:r>
+            <a:endParaRPr lang="zh-CN" altLang="en-US" dirty="0"/>
+          </a:p>
+        </p:txBody>
+      </p:sp>
+      <p:sp>
+        <p:nvSpPr>
+          <p:cNvPr id="18" name="TextBox 17"/>
+          <p:cNvSpPr txBox="1"/>
+          <p:nvPr/>
+        </p:nvSpPr>
+        <p:spPr>
+          <a:xfrm>
+            <a:off x="571472" y="1142984"/>
+            <a:ext cx="5423818" cy="400110"/>
+          </a:xfrm>
+          <a:prstGeom prst="rect">
+            <a:avLst/>
+          </a:prstGeom>
+          <a:noFill/>
+          <a:ln>
+            <a:noFill/>
+          </a:ln>
+          <a:effectLst>
+            <a:outerShdw blurRad="50800" dist="38100" dir="2700000" algn="tl" rotWithShape="0">
+              <a:schemeClr val="accent1">
+                <a:lumMod val="50000"/>
+                <a:alpha val="40000"/>
+              </a:schemeClr>
+            </a:outerShdw>
+          </a:effectLst>
+        </p:spPr>
+        <p:txBody>
+          <a:bodyPr wrap="square" rtlCol="0">
+            <a:spAutoFit/>
+          </a:bodyPr>
+          <a:lstStyle/>
+          <a:p>
+            <a:r>
+              <a:rPr lang="zh-CN" altLang="en-US" sz="2000" dirty="0" smtClean="0">
+                <a:solidFill>
+                  <a:schemeClr val="bg2">
+                    <a:lumMod val="25000"/>
+                  </a:schemeClr>
+                </a:solidFill>
+                <a:latin typeface="Adobe 黑体 Std R" pitchFamily="34" charset="-122"/>
+                <a:ea typeface="Adobe 黑体 Std R" pitchFamily="34" charset="-122"/>
+              </a:rPr>
+              <a:t>相关技术文档</a:t>
+            </a:r>
+            <a:endParaRPr lang="zh-CN" altLang="en-US" sz="2000" dirty="0">
               <a:solidFill>
-                <a:schemeClr val="bg1">
-                  <a:lumMod val="50000"/>
+                <a:schemeClr val="bg2">
+                  <a:lumMod val="25000"/>
                 </a:schemeClr>
               </a:solidFill>
+              <a:latin typeface="Adobe 黑体 Std R" pitchFamily="34" charset="-122"/>
+              <a:ea typeface="Adobe 黑体 Std R" pitchFamily="34" charset="-122"/>
             </a:endParaRPr>
           </a:p>
         </p:txBody>
       </p:sp>
       <p:sp>
         <p:nvSpPr>
-          <p:cNvPr id="11" name="矩形 10"/>
+          <p:cNvPr id="20" name="矩形 19"/>
           <p:cNvSpPr/>
           <p:nvPr/>
         </p:nvSpPr>
         <p:spPr>
           <a:xfrm>
-            <a:off x="4857752" y="2690808"/>
-            <a:ext cx="3857652" cy="477054"/>
+            <a:off x="714348" y="4643446"/>
+            <a:ext cx="8215370" cy="369332"/>
           </a:xfrm>
           <a:prstGeom prst="rect">
             <a:avLst/>
@@ -6384,174 +6472,72 @@
           <a:lstStyle/>
           <a:p>
             <a:r>
-              <a:rPr lang="en-US" altLang="zh-CN" sz="2500" dirty="0" smtClean="0">
-                <a:solidFill>
-                  <a:schemeClr val="bg1">
-                    <a:lumMod val="50000"/>
-                  </a:schemeClr>
-                </a:solidFill>
-              </a:rPr>
-              <a:t>http://feng33.org</a:t>
-            </a:r>
-            <a:endParaRPr lang="zh-CN" altLang="en-US" sz="2500" dirty="0">
+              <a:rPr lang="en-US" dirty="0" smtClean="0">
+                <a:hlinkClick r:id="rId12"/>
+              </a:rPr>
+              <a:t>http://coding.smashingmagazine.com/2011/03/30/how-to-use-css3-pseudo-classes/</a:t>
+            </a:r>
+            <a:endParaRPr lang="zh-CN" altLang="en-US" dirty="0"/>
+          </a:p>
+        </p:txBody>
+      </p:sp>
+      <p:sp>
+        <p:nvSpPr>
+          <p:cNvPr id="21" name="TextBox 20"/>
+          <p:cNvSpPr txBox="1"/>
+          <p:nvPr/>
+        </p:nvSpPr>
+        <p:spPr>
+          <a:xfrm>
+            <a:off x="428596" y="285728"/>
+            <a:ext cx="2970187" cy="707886"/>
+          </a:xfrm>
+          <a:prstGeom prst="rect">
+            <a:avLst/>
+          </a:prstGeom>
+          <a:noFill/>
+          <a:ln>
+            <a:noFill/>
+          </a:ln>
+          <a:effectLst>
+            <a:outerShdw blurRad="50800" dist="38100" dir="2700000" algn="tl" rotWithShape="0">
+              <a:schemeClr val="accent1">
+                <a:lumMod val="50000"/>
+                <a:alpha val="40000"/>
+              </a:schemeClr>
+            </a:outerShdw>
+          </a:effectLst>
+        </p:spPr>
+        <p:txBody>
+          <a:bodyPr wrap="square" rtlCol="0">
+            <a:spAutoFit/>
+          </a:bodyPr>
+          <a:lstStyle/>
+          <a:p>
+            <a:pPr>
+              <a:buFont typeface="Wingdings" pitchFamily="2" charset="2"/>
+              <a:buChar char="ü"/>
+            </a:pPr>
+            <a:r>
+              <a:rPr lang="zh-CN" altLang="en-US" sz="4000" dirty="0" smtClean="0">
+                <a:solidFill>
+                  <a:schemeClr val="accent1">
+                    <a:lumMod val="75000"/>
+                  </a:schemeClr>
+                </a:solidFill>
+                <a:latin typeface="Adobe 黑体 Std R" pitchFamily="34" charset="-122"/>
+                <a:ea typeface="Adobe 黑体 Std R" pitchFamily="34" charset="-122"/>
+              </a:rPr>
+              <a:t>相关学习</a:t>
+            </a:r>
+            <a:endParaRPr lang="zh-CN" altLang="en-US" sz="4000" dirty="0">
               <a:solidFill>
-                <a:schemeClr val="bg1">
-                  <a:lumMod val="50000"/>
+                <a:schemeClr val="accent1">
+                  <a:lumMod val="75000"/>
                 </a:schemeClr>
               </a:solidFill>
-            </a:endParaRPr>
-          </a:p>
-        </p:txBody>
-      </p:sp>
-      <p:sp>
-        <p:nvSpPr>
-          <p:cNvPr id="12" name="矩形 11"/>
-          <p:cNvSpPr/>
-          <p:nvPr/>
-        </p:nvSpPr>
-        <p:spPr>
-          <a:xfrm>
-            <a:off x="4857752" y="3143248"/>
-            <a:ext cx="3857652" cy="477054"/>
-          </a:xfrm>
-          <a:prstGeom prst="rect">
-            <a:avLst/>
-          </a:prstGeom>
-        </p:spPr>
-        <p:txBody>
-          <a:bodyPr wrap="square">
-            <a:spAutoFit/>
-          </a:bodyPr>
-          <a:lstStyle/>
-          <a:p>
-            <a:r>
-              <a:rPr lang="en-US" altLang="zh-CN" sz="2500" dirty="0" smtClean="0">
-                <a:solidFill>
-                  <a:schemeClr val="bg1">
-                    <a:lumMod val="50000"/>
-                  </a:schemeClr>
-                </a:solidFill>
-              </a:rPr>
-              <a:t>Yihe.guo@gmail.com</a:t>
-            </a:r>
-            <a:endParaRPr lang="zh-CN" altLang="en-US" sz="2500" dirty="0">
-              <a:solidFill>
-                <a:schemeClr val="bg1">
-                  <a:lumMod val="50000"/>
-                </a:schemeClr>
-              </a:solidFill>
-            </a:endParaRPr>
-          </a:p>
-        </p:txBody>
-      </p:sp>
-      <p:sp>
-        <p:nvSpPr>
-          <p:cNvPr id="13" name="矩形 12"/>
-          <p:cNvSpPr/>
-          <p:nvPr/>
-        </p:nvSpPr>
-        <p:spPr>
-          <a:xfrm>
-            <a:off x="4857752" y="4286256"/>
-            <a:ext cx="2143140" cy="477054"/>
-          </a:xfrm>
-          <a:prstGeom prst="rect">
-            <a:avLst/>
-          </a:prstGeom>
-        </p:spPr>
-        <p:txBody>
-          <a:bodyPr wrap="square">
-            <a:spAutoFit/>
-          </a:bodyPr>
-          <a:lstStyle/>
-          <a:p>
-            <a:r>
-              <a:rPr lang="zh-CN" altLang="en-US" sz="2500" dirty="0" smtClean="0">
-                <a:solidFill>
-                  <a:schemeClr val="bg1">
-                    <a:lumMod val="50000"/>
-                  </a:schemeClr>
-                </a:solidFill>
-              </a:rPr>
-              <a:t>郭义河 </a:t>
-            </a:r>
-            <a:r>
-              <a:rPr lang="en-US" altLang="zh-CN" sz="2500" dirty="0" smtClean="0">
-                <a:solidFill>
-                  <a:schemeClr val="bg1">
-                    <a:lumMod val="50000"/>
-                  </a:schemeClr>
-                </a:solidFill>
-              </a:rPr>
-              <a:t>(</a:t>
-            </a:r>
-            <a:r>
-              <a:rPr lang="zh-CN" altLang="en-US" sz="2500" dirty="0" smtClean="0">
-                <a:solidFill>
-                  <a:schemeClr val="bg1">
-                    <a:lumMod val="50000"/>
-                  </a:schemeClr>
-                </a:solidFill>
-              </a:rPr>
-              <a:t>风℡</a:t>
-            </a:r>
-            <a:r>
-              <a:rPr lang="en-US" altLang="zh-CN" sz="2500" dirty="0" smtClean="0">
-                <a:solidFill>
-                  <a:schemeClr val="bg1">
-                    <a:lumMod val="50000"/>
-                  </a:schemeClr>
-                </a:solidFill>
-              </a:rPr>
-              <a:t>)</a:t>
-            </a:r>
-            <a:endParaRPr lang="zh-CN" altLang="en-US" sz="2500" dirty="0">
-              <a:solidFill>
-                <a:schemeClr val="bg1">
-                  <a:lumMod val="50000"/>
-                </a:schemeClr>
-              </a:solidFill>
-            </a:endParaRPr>
-          </a:p>
-        </p:txBody>
-      </p:sp>
-      <p:sp>
-        <p:nvSpPr>
-          <p:cNvPr id="14" name="矩形 13"/>
-          <p:cNvSpPr/>
-          <p:nvPr/>
-        </p:nvSpPr>
-        <p:spPr>
-          <a:xfrm>
-            <a:off x="4857752" y="3714752"/>
-            <a:ext cx="3857652" cy="477054"/>
-          </a:xfrm>
-          <a:prstGeom prst="rect">
-            <a:avLst/>
-          </a:prstGeom>
-        </p:spPr>
-        <p:txBody>
-          <a:bodyPr wrap="square">
-            <a:spAutoFit/>
-          </a:bodyPr>
-          <a:lstStyle/>
-          <a:p>
-            <a:r>
-              <a:rPr lang="en-US" altLang="zh-CN" sz="2500" dirty="0" smtClean="0">
-                <a:solidFill>
-                  <a:schemeClr val="bg1">
-                    <a:lumMod val="50000"/>
-                  </a:schemeClr>
-                </a:solidFill>
-              </a:rPr>
-              <a:t>QQ:4282360</a:t>
-            </a:r>
-            <a:endParaRPr lang="zh-CN" altLang="en-US" sz="2500" dirty="0">
-              <a:solidFill>
-                <a:schemeClr val="bg1">
-                  <a:lumMod val="50000"/>
-                </a:schemeClr>
-              </a:solidFill>
+              <a:latin typeface="Adobe 黑体 Std R" pitchFamily="34" charset="-122"/>
+              <a:ea typeface="Adobe 黑体 Std R" pitchFamily="34" charset="-122"/>
             </a:endParaRPr>
           </a:p>
         </p:txBody>
@@ -7030,6 +7016,332 @@
 </p:sld>
 </file>
 
+<file path=ppt/slides/slide20.xml><?xml version="1.0" encoding="utf-8"?>
+<p:sld xmlns:a="http://schemas.openxmlformats.org/drawingml/2006/main" xmlns:r="http://schemas.openxmlformats.org/officeDocument/2006/relationships" xmlns:p="http://schemas.openxmlformats.org/presentationml/2006/main">
+  <p:cSld>
+    <p:spTree>
+      <p:nvGrpSpPr>
+        <p:cNvPr id="1" name=""/>
+        <p:cNvGrpSpPr/>
+        <p:nvPr/>
+      </p:nvGrpSpPr>
+      <p:grpSpPr>
+        <a:xfrm>
+          <a:off x="0" y="0"/>
+          <a:ext cx="0" cy="0"/>
+          <a:chOff x="0" y="0"/>
+          <a:chExt cx="0" cy="0"/>
+        </a:xfrm>
+      </p:grpSpPr>
+      <p:pic>
+        <p:nvPicPr>
+          <p:cNvPr id="7" name="图片 6" descr="priceless-faq.jpg"/>
+          <p:cNvPicPr>
+            <a:picLocks noChangeAspect="1"/>
+          </p:cNvPicPr>
+          <p:nvPr/>
+        </p:nvPicPr>
+        <p:blipFill>
+          <a:blip r:embed="rId2" cstate="print"/>
+          <a:stretch>
+            <a:fillRect/>
+          </a:stretch>
+        </p:blipFill>
+        <p:spPr>
+          <a:xfrm>
+            <a:off x="0" y="714356"/>
+            <a:ext cx="5279136" cy="5279136"/>
+          </a:xfrm>
+          <a:prstGeom prst="rect">
+            <a:avLst/>
+          </a:prstGeom>
+        </p:spPr>
+      </p:pic>
+      <p:sp>
+        <p:nvSpPr>
+          <p:cNvPr id="5" name="矩形 4"/>
+          <p:cNvSpPr/>
+          <p:nvPr/>
+        </p:nvSpPr>
+        <p:spPr>
+          <a:xfrm>
+            <a:off x="4857752" y="1785926"/>
+            <a:ext cx="3286148" cy="477054"/>
+          </a:xfrm>
+          <a:prstGeom prst="rect">
+            <a:avLst/>
+          </a:prstGeom>
+        </p:spPr>
+        <p:txBody>
+          <a:bodyPr wrap="square">
+            <a:spAutoFit/>
+          </a:bodyPr>
+          <a:lstStyle/>
+          <a:p>
+            <a:pPr algn="ctr"/>
+            <a:r>
+              <a:rPr lang="en-US" altLang="zh-CN" sz="2500" dirty="0" smtClean="0">
+                <a:solidFill>
+                  <a:schemeClr val="bg1">
+                    <a:lumMod val="50000"/>
+                  </a:schemeClr>
+                </a:solidFill>
+              </a:rPr>
+              <a:t>http://t.qq.com/feng33</a:t>
+            </a:r>
+            <a:endParaRPr lang="zh-CN" altLang="en-US" sz="2500" dirty="0">
+              <a:solidFill>
+                <a:schemeClr val="bg1">
+                  <a:lumMod val="50000"/>
+                </a:schemeClr>
+              </a:solidFill>
+            </a:endParaRPr>
+          </a:p>
+        </p:txBody>
+      </p:sp>
+      <p:sp>
+        <p:nvSpPr>
+          <p:cNvPr id="9" name="矩形 8"/>
+          <p:cNvSpPr/>
+          <p:nvPr/>
+        </p:nvSpPr>
+        <p:spPr>
+          <a:xfrm>
+            <a:off x="4857752" y="2238367"/>
+            <a:ext cx="3857652" cy="477054"/>
+          </a:xfrm>
+          <a:prstGeom prst="rect">
+            <a:avLst/>
+          </a:prstGeom>
+        </p:spPr>
+        <p:txBody>
+          <a:bodyPr wrap="square">
+            <a:spAutoFit/>
+          </a:bodyPr>
+          <a:lstStyle/>
+          <a:p>
+            <a:r>
+              <a:rPr lang="en-US" altLang="zh-CN" sz="2500" dirty="0" smtClean="0">
+                <a:solidFill>
+                  <a:schemeClr val="bg1">
+                    <a:lumMod val="50000"/>
+                  </a:schemeClr>
+                </a:solidFill>
+              </a:rPr>
+              <a:t>http://weibo.com/feng33</a:t>
+            </a:r>
+            <a:endParaRPr lang="zh-CN" altLang="en-US" sz="2500" dirty="0">
+              <a:solidFill>
+                <a:schemeClr val="bg1">
+                  <a:lumMod val="50000"/>
+                </a:schemeClr>
+              </a:solidFill>
+            </a:endParaRPr>
+          </a:p>
+        </p:txBody>
+      </p:sp>
+      <p:sp>
+        <p:nvSpPr>
+          <p:cNvPr id="11" name="矩形 10"/>
+          <p:cNvSpPr/>
+          <p:nvPr/>
+        </p:nvSpPr>
+        <p:spPr>
+          <a:xfrm>
+            <a:off x="4857752" y="2690808"/>
+            <a:ext cx="3857652" cy="477054"/>
+          </a:xfrm>
+          <a:prstGeom prst="rect">
+            <a:avLst/>
+          </a:prstGeom>
+        </p:spPr>
+        <p:txBody>
+          <a:bodyPr wrap="square">
+            <a:spAutoFit/>
+          </a:bodyPr>
+          <a:lstStyle/>
+          <a:p>
+            <a:r>
+              <a:rPr lang="en-US" altLang="zh-CN" sz="2500" dirty="0" smtClean="0">
+                <a:solidFill>
+                  <a:schemeClr val="bg1">
+                    <a:lumMod val="50000"/>
+                  </a:schemeClr>
+                </a:solidFill>
+              </a:rPr>
+              <a:t>http://feng33.org</a:t>
+            </a:r>
+            <a:endParaRPr lang="zh-CN" altLang="en-US" sz="2500" dirty="0">
+              <a:solidFill>
+                <a:schemeClr val="bg1">
+                  <a:lumMod val="50000"/>
+                </a:schemeClr>
+              </a:solidFill>
+            </a:endParaRPr>
+          </a:p>
+        </p:txBody>
+      </p:sp>
+      <p:sp>
+        <p:nvSpPr>
+          <p:cNvPr id="12" name="矩形 11"/>
+          <p:cNvSpPr/>
+          <p:nvPr/>
+        </p:nvSpPr>
+        <p:spPr>
+          <a:xfrm>
+            <a:off x="4857752" y="3143248"/>
+            <a:ext cx="3857652" cy="477054"/>
+          </a:xfrm>
+          <a:prstGeom prst="rect">
+            <a:avLst/>
+          </a:prstGeom>
+        </p:spPr>
+        <p:txBody>
+          <a:bodyPr wrap="square">
+            <a:spAutoFit/>
+          </a:bodyPr>
+          <a:lstStyle/>
+          <a:p>
+            <a:r>
+              <a:rPr lang="en-US" altLang="zh-CN" sz="2500" dirty="0" smtClean="0">
+                <a:solidFill>
+                  <a:schemeClr val="bg1">
+                    <a:lumMod val="50000"/>
+                  </a:schemeClr>
+                </a:solidFill>
+              </a:rPr>
+              <a:t>Yihe.guo@gmail.com</a:t>
+            </a:r>
+            <a:endParaRPr lang="zh-CN" altLang="en-US" sz="2500" dirty="0">
+              <a:solidFill>
+                <a:schemeClr val="bg1">
+                  <a:lumMod val="50000"/>
+                </a:schemeClr>
+              </a:solidFill>
+            </a:endParaRPr>
+          </a:p>
+        </p:txBody>
+      </p:sp>
+      <p:sp>
+        <p:nvSpPr>
+          <p:cNvPr id="13" name="矩形 12"/>
+          <p:cNvSpPr/>
+          <p:nvPr/>
+        </p:nvSpPr>
+        <p:spPr>
+          <a:xfrm>
+            <a:off x="4857752" y="4286256"/>
+            <a:ext cx="2143140" cy="477054"/>
+          </a:xfrm>
+          <a:prstGeom prst="rect">
+            <a:avLst/>
+          </a:prstGeom>
+        </p:spPr>
+        <p:txBody>
+          <a:bodyPr wrap="square">
+            <a:spAutoFit/>
+          </a:bodyPr>
+          <a:lstStyle/>
+          <a:p>
+            <a:r>
+              <a:rPr lang="zh-CN" altLang="en-US" sz="2500" dirty="0" smtClean="0">
+                <a:solidFill>
+                  <a:schemeClr val="bg1">
+                    <a:lumMod val="50000"/>
+                  </a:schemeClr>
+                </a:solidFill>
+              </a:rPr>
+              <a:t>郭义河 </a:t>
+            </a:r>
+            <a:r>
+              <a:rPr lang="en-US" altLang="zh-CN" sz="2500" dirty="0" smtClean="0">
+                <a:solidFill>
+                  <a:schemeClr val="bg1">
+                    <a:lumMod val="50000"/>
+                  </a:schemeClr>
+                </a:solidFill>
+              </a:rPr>
+              <a:t>(</a:t>
+            </a:r>
+            <a:r>
+              <a:rPr lang="zh-CN" altLang="en-US" sz="2500" dirty="0" smtClean="0">
+                <a:solidFill>
+                  <a:schemeClr val="bg1">
+                    <a:lumMod val="50000"/>
+                  </a:schemeClr>
+                </a:solidFill>
+              </a:rPr>
+              <a:t>风℡</a:t>
+            </a:r>
+            <a:r>
+              <a:rPr lang="en-US" altLang="zh-CN" sz="2500" dirty="0" smtClean="0">
+                <a:solidFill>
+                  <a:schemeClr val="bg1">
+                    <a:lumMod val="50000"/>
+                  </a:schemeClr>
+                </a:solidFill>
+              </a:rPr>
+              <a:t>)</a:t>
+            </a:r>
+            <a:endParaRPr lang="zh-CN" altLang="en-US" sz="2500" dirty="0">
+              <a:solidFill>
+                <a:schemeClr val="bg1">
+                  <a:lumMod val="50000"/>
+                </a:schemeClr>
+              </a:solidFill>
+            </a:endParaRPr>
+          </a:p>
+        </p:txBody>
+      </p:sp>
+      <p:sp>
+        <p:nvSpPr>
+          <p:cNvPr id="14" name="矩形 13"/>
+          <p:cNvSpPr/>
+          <p:nvPr/>
+        </p:nvSpPr>
+        <p:spPr>
+          <a:xfrm>
+            <a:off x="4857752" y="3714752"/>
+            <a:ext cx="3857652" cy="477054"/>
+          </a:xfrm>
+          <a:prstGeom prst="rect">
+            <a:avLst/>
+          </a:prstGeom>
+        </p:spPr>
+        <p:txBody>
+          <a:bodyPr wrap="square">
+            <a:spAutoFit/>
+          </a:bodyPr>
+          <a:lstStyle/>
+          <a:p>
+            <a:r>
+              <a:rPr lang="en-US" altLang="zh-CN" sz="2500" dirty="0" smtClean="0">
+                <a:solidFill>
+                  <a:schemeClr val="bg1">
+                    <a:lumMod val="50000"/>
+                  </a:schemeClr>
+                </a:solidFill>
+              </a:rPr>
+              <a:t>QQ:4282360</a:t>
+            </a:r>
+            <a:endParaRPr lang="zh-CN" altLang="en-US" sz="2500" dirty="0">
+              <a:solidFill>
+                <a:schemeClr val="bg1">
+                  <a:lumMod val="50000"/>
+                </a:schemeClr>
+              </a:solidFill>
+            </a:endParaRPr>
+          </a:p>
+        </p:txBody>
+      </p:sp>
+    </p:spTree>
+  </p:cSld>
+  <p:clrMapOvr>
+    <a:masterClrMapping/>
+  </p:clrMapOvr>
+</p:sld>
+</file>
+
 <file path=ppt/slides/slide3.xml><?xml version="1.0" encoding="utf-8"?>
 <p:sld xmlns:a="http://schemas.openxmlformats.org/drawingml/2006/main" xmlns:r="http://schemas.openxmlformats.org/officeDocument/2006/relationships" xmlns:p="http://schemas.openxmlformats.org/presentationml/2006/main">
   <p:cSld>
@@ -7090,7 +7402,7 @@
                 <a:latin typeface="Adobe 黑体 Std R" pitchFamily="34" charset="-122"/>
                 <a:ea typeface="Adobe 黑体 Std R" pitchFamily="34" charset="-122"/>
               </a:rPr>
-              <a:t>更炫的视觉效果</a:t>
+              <a:t>更炫的视觉享受</a:t>
             </a:r>
             <a:endParaRPr lang="zh-CN" altLang="en-US" sz="2000" dirty="0">
               <a:solidFill>
@@ -7277,7 +7589,7 @@
                 <a:latin typeface="Adobe 黑体 Std R" pitchFamily="34" charset="-122"/>
                 <a:ea typeface="Adobe 黑体 Std R" pitchFamily="34" charset="-122"/>
               </a:rPr>
-              <a:t>更快的页面性能</a:t>
+              <a:t>更强的页面性能</a:t>
             </a:r>
             <a:endParaRPr lang="zh-CN" altLang="en-US" sz="2000" dirty="0">
               <a:solidFill>

--- a/ppt/css3知多少2011-06-23.pptx
+++ b/ppt/css3知多少2011-06-23.pptx
@@ -5,7 +5,7 @@
     <p:sldMasterId id="2147483648" r:id="rId1"/>
   </p:sldMasterIdLst>
   <p:notesMasterIdLst>
-    <p:notesMasterId r:id="rId22"/>
+    <p:notesMasterId r:id="rId23"/>
   </p:notesMasterIdLst>
   <p:sldIdLst>
     <p:sldId id="256" r:id="rId2"/>
@@ -19,15 +19,16 @@
     <p:sldId id="275" r:id="rId10"/>
     <p:sldId id="270" r:id="rId11"/>
     <p:sldId id="264" r:id="rId12"/>
-    <p:sldId id="277" r:id="rId13"/>
-    <p:sldId id="276" r:id="rId14"/>
-    <p:sldId id="261" r:id="rId15"/>
-    <p:sldId id="266" r:id="rId16"/>
+    <p:sldId id="261" r:id="rId13"/>
+    <p:sldId id="266" r:id="rId14"/>
+    <p:sldId id="280" r:id="rId15"/>
+    <p:sldId id="281" r:id="rId16"/>
     <p:sldId id="272" r:id="rId17"/>
-    <p:sldId id="259" r:id="rId18"/>
-    <p:sldId id="271" r:id="rId19"/>
-    <p:sldId id="260" r:id="rId20"/>
-    <p:sldId id="273" r:id="rId21"/>
+    <p:sldId id="279" r:id="rId18"/>
+    <p:sldId id="259" r:id="rId19"/>
+    <p:sldId id="271" r:id="rId20"/>
+    <p:sldId id="260" r:id="rId21"/>
+    <p:sldId id="273" r:id="rId22"/>
   </p:sldIdLst>
   <p:sldSz cx="9144000" cy="6858000" type="screen4x3"/>
   <p:notesSz cx="6858000" cy="9144000"/>
@@ -211,7 +212,7 @@
           <a:p>
             <a:fld id="{6ACFF4EB-C9B8-4CCA-B38A-5F5E5BCDC126}" type="datetimeFigureOut">
               <a:rPr lang="zh-CN" altLang="en-US" smtClean="0"/>
-              <a:t>2011/6/24</a:t>
+              <a:t>2011-6-25</a:t>
             </a:fld>
             <a:endParaRPr lang="zh-CN" altLang="en-US"/>
           </a:p>
@@ -379,6 +380,11 @@
         </p:txBody>
       </p:sp>
     </p:spTree>
+    <p:extLst>
+      <p:ext uri="{BB962C8B-B14F-4D97-AF65-F5344CB8AC3E}">
+        <p14:creationId xmlns:p14="http://schemas.microsoft.com/office/powerpoint/2010/main" val="3340232728"/>
+      </p:ext>
+    </p:extLst>
   </p:cSld>
   <p:clrMap bg1="lt1" tx1="dk1" bg2="lt2" tx2="dk2" accent1="accent1" accent2="accent2" accent3="accent3" accent4="accent4" accent5="accent5" accent6="accent6" hlink="hlink" folHlink="folHlink"/>
   <p:notesStyle>
@@ -624,7 +630,7 @@
           <a:p>
             <a:fld id="{05C8355F-6D2B-48F8-9668-86D49055AC13}" type="slidenum">
               <a:rPr lang="zh-CN" altLang="en-US" smtClean="0"/>
-              <a:t>19</a:t>
+              <a:t>20</a:t>
             </a:fld>
             <a:endParaRPr lang="zh-CN" altLang="en-US"/>
           </a:p>
@@ -820,7 +826,7 @@
             <a:fld id="{530820CF-B880-4189-942D-D702A7CBA730}" type="datetimeFigureOut">
               <a:rPr lang="zh-CN" altLang="en-US" smtClean="0"/>
               <a:pPr/>
-              <a:t>2011/6/24</a:t>
+              <a:t>2011-6-25</a:t>
             </a:fld>
             <a:endParaRPr lang="zh-CN" altLang="en-US"/>
           </a:p>
@@ -987,7 +993,7 @@
             <a:fld id="{530820CF-B880-4189-942D-D702A7CBA730}" type="datetimeFigureOut">
               <a:rPr lang="zh-CN" altLang="en-US" smtClean="0"/>
               <a:pPr/>
-              <a:t>2011/6/24</a:t>
+              <a:t>2011-6-25</a:t>
             </a:fld>
             <a:endParaRPr lang="zh-CN" altLang="en-US"/>
           </a:p>
@@ -1164,7 +1170,7 @@
             <a:fld id="{530820CF-B880-4189-942D-D702A7CBA730}" type="datetimeFigureOut">
               <a:rPr lang="zh-CN" altLang="en-US" smtClean="0"/>
               <a:pPr/>
-              <a:t>2011/6/24</a:t>
+              <a:t>2011-6-25</a:t>
             </a:fld>
             <a:endParaRPr lang="zh-CN" altLang="en-US"/>
           </a:p>
@@ -1331,7 +1337,7 @@
             <a:fld id="{530820CF-B880-4189-942D-D702A7CBA730}" type="datetimeFigureOut">
               <a:rPr lang="zh-CN" altLang="en-US" smtClean="0"/>
               <a:pPr/>
-              <a:t>2011/6/24</a:t>
+              <a:t>2011-6-25</a:t>
             </a:fld>
             <a:endParaRPr lang="zh-CN" altLang="en-US"/>
           </a:p>
@@ -1574,7 +1580,7 @@
             <a:fld id="{530820CF-B880-4189-942D-D702A7CBA730}" type="datetimeFigureOut">
               <a:rPr lang="zh-CN" altLang="en-US" smtClean="0"/>
               <a:pPr/>
-              <a:t>2011/6/24</a:t>
+              <a:t>2011-6-25</a:t>
             </a:fld>
             <a:endParaRPr lang="zh-CN" altLang="en-US"/>
           </a:p>
@@ -1859,7 +1865,7 @@
             <a:fld id="{530820CF-B880-4189-942D-D702A7CBA730}" type="datetimeFigureOut">
               <a:rPr lang="zh-CN" altLang="en-US" smtClean="0"/>
               <a:pPr/>
-              <a:t>2011/6/24</a:t>
+              <a:t>2011-6-25</a:t>
             </a:fld>
             <a:endParaRPr lang="zh-CN" altLang="en-US"/>
           </a:p>
@@ -2278,7 +2284,7 @@
             <a:fld id="{530820CF-B880-4189-942D-D702A7CBA730}" type="datetimeFigureOut">
               <a:rPr lang="zh-CN" altLang="en-US" smtClean="0"/>
               <a:pPr/>
-              <a:t>2011/6/24</a:t>
+              <a:t>2011-6-25</a:t>
             </a:fld>
             <a:endParaRPr lang="zh-CN" altLang="en-US"/>
           </a:p>
@@ -2393,7 +2399,7 @@
             <a:fld id="{530820CF-B880-4189-942D-D702A7CBA730}" type="datetimeFigureOut">
               <a:rPr lang="zh-CN" altLang="en-US" smtClean="0"/>
               <a:pPr/>
-              <a:t>2011/6/24</a:t>
+              <a:t>2011-6-25</a:t>
             </a:fld>
             <a:endParaRPr lang="zh-CN" altLang="en-US"/>
           </a:p>
@@ -2485,7 +2491,7 @@
             <a:fld id="{530820CF-B880-4189-942D-D702A7CBA730}" type="datetimeFigureOut">
               <a:rPr lang="zh-CN" altLang="en-US" smtClean="0"/>
               <a:pPr/>
-              <a:t>2011/6/24</a:t>
+              <a:t>2011-6-25</a:t>
             </a:fld>
             <a:endParaRPr lang="zh-CN" altLang="en-US"/>
           </a:p>
@@ -2759,7 +2765,7 @@
             <a:fld id="{530820CF-B880-4189-942D-D702A7CBA730}" type="datetimeFigureOut">
               <a:rPr lang="zh-CN" altLang="en-US" smtClean="0"/>
               <a:pPr/>
-              <a:t>2011/6/24</a:t>
+              <a:t>2011-6-25</a:t>
             </a:fld>
             <a:endParaRPr lang="zh-CN" altLang="en-US"/>
           </a:p>
@@ -3009,7 +3015,7 @@
             <a:fld id="{530820CF-B880-4189-942D-D702A7CBA730}" type="datetimeFigureOut">
               <a:rPr lang="zh-CN" altLang="en-US" smtClean="0"/>
               <a:pPr/>
-              <a:t>2011/6/24</a:t>
+              <a:t>2011-6-25</a:t>
             </a:fld>
             <a:endParaRPr lang="zh-CN" altLang="en-US"/>
           </a:p>
@@ -3222,7 +3228,7 @@
             <a:fld id="{530820CF-B880-4189-942D-D702A7CBA730}" type="datetimeFigureOut">
               <a:rPr lang="zh-CN" altLang="en-US" smtClean="0"/>
               <a:pPr/>
-              <a:t>2011/6/24</a:t>
+              <a:t>2011-6-25</a:t>
             </a:fld>
             <a:endParaRPr lang="zh-CN" altLang="en-US"/>
           </a:p>
@@ -3882,19 +3888,7 @@
                 <a:latin typeface="Adobe 黑体 Std R" pitchFamily="34" charset="-122"/>
                 <a:ea typeface="Adobe 黑体 Std R" pitchFamily="34" charset="-122"/>
               </a:rPr>
-              <a:t>  </a:t>
-            </a:r>
-            <a:r>
-              <a:rPr lang="en-US" altLang="en-US" sz="2000" dirty="0" smtClean="0">
-                <a:solidFill>
-                  <a:schemeClr val="bg2">
-                    <a:lumMod val="25000"/>
-                  </a:schemeClr>
-                </a:solidFill>
-                <a:latin typeface="Adobe 黑体 Std R" pitchFamily="34" charset="-122"/>
-                <a:ea typeface="Adobe 黑体 Std R" pitchFamily="34" charset="-122"/>
-              </a:rPr>
-              <a:t>Animations</a:t>
+              <a:t>  Animations</a:t>
             </a:r>
           </a:p>
         </p:txBody>
@@ -4150,7 +4144,7 @@
         <p:spPr>
           <a:xfrm>
             <a:off x="928662" y="1071546"/>
-            <a:ext cx="5423818" cy="400110"/>
+            <a:ext cx="5423818" cy="707886"/>
           </a:xfrm>
           <a:prstGeom prst="rect">
             <a:avLst/>
@@ -4174,6 +4168,10 @@
           </a:bodyPr>
           <a:lstStyle/>
           <a:p>
+            <a:pPr marL="342900" indent="-342900">
+              <a:buFont typeface="Wingdings" pitchFamily="2" charset="2"/>
+              <a:buChar char="u"/>
+            </a:pPr>
             <a:r>
               <a:rPr lang="zh-CN" altLang="en-US" sz="2000" dirty="0" smtClean="0">
                 <a:solidFill>
@@ -4184,7 +4182,31 @@
                 <a:latin typeface="Adobe 黑体 Std R" pitchFamily="34" charset="-122"/>
                 <a:ea typeface="Adobe 黑体 Std R" pitchFamily="34" charset="-122"/>
               </a:rPr>
-              <a:t>优雅降级</a:t>
+              <a:t>优雅</a:t>
+            </a:r>
+            <a:r>
+              <a:rPr lang="zh-CN" altLang="en-US" sz="2000" dirty="0">
+                <a:solidFill>
+                  <a:schemeClr val="bg2">
+                    <a:lumMod val="25000"/>
+                  </a:schemeClr>
+                </a:solidFill>
+                <a:latin typeface="Adobe 黑体 Std R" pitchFamily="34" charset="-122"/>
+                <a:ea typeface="Adobe 黑体 Std R" pitchFamily="34" charset="-122"/>
+              </a:rPr>
+              <a:t>降级 </a:t>
+            </a:r>
+            <a:r>
+              <a:rPr lang="en-US" altLang="zh-CN" sz="2000" dirty="0">
+                <a:solidFill>
+                  <a:schemeClr val="bg2">
+                    <a:lumMod val="25000"/>
+                  </a:schemeClr>
+                </a:solidFill>
+                <a:latin typeface="Adobe 黑体 Std R" pitchFamily="34" charset="-122"/>
+                <a:ea typeface="Adobe 黑体 Std R" pitchFamily="34" charset="-122"/>
+              </a:rPr>
+              <a:t>graceful degradation</a:t>
             </a:r>
             <a:endParaRPr lang="zh-CN" altLang="en-US" sz="2000" dirty="0">
               <a:solidFill>
@@ -4196,17 +4218,32 @@
               <a:ea typeface="Adobe 黑体 Std R" pitchFamily="34" charset="-122"/>
             </a:endParaRPr>
           </a:p>
-        </p:txBody>
-      </p:sp>
-      <p:sp>
-        <p:nvSpPr>
-          <p:cNvPr id="11" name="TextBox 10"/>
+          <a:p>
+            <a:pPr marL="342900" indent="-342900">
+              <a:buFont typeface="Wingdings" pitchFamily="2" charset="2"/>
+              <a:buChar char="u"/>
+            </a:pPr>
+            <a:endParaRPr lang="zh-CN" altLang="en-US" sz="2000" dirty="0">
+              <a:solidFill>
+                <a:schemeClr val="bg2">
+                  <a:lumMod val="25000"/>
+                </a:schemeClr>
+              </a:solidFill>
+              <a:latin typeface="Adobe 黑体 Std R" pitchFamily="34" charset="-122"/>
+              <a:ea typeface="Adobe 黑体 Std R" pitchFamily="34" charset="-122"/>
+            </a:endParaRPr>
+          </a:p>
+        </p:txBody>
+      </p:sp>
+      <p:sp>
+        <p:nvSpPr>
+          <p:cNvPr id="12" name="TextBox 11"/>
           <p:cNvSpPr txBox="1"/>
           <p:nvPr/>
         </p:nvSpPr>
         <p:spPr>
           <a:xfrm>
-            <a:off x="928662" y="1500174"/>
+            <a:off x="928662" y="1520941"/>
             <a:ext cx="5423818" cy="400110"/>
           </a:xfrm>
           <a:prstGeom prst="rect">
@@ -4231,8 +4268,12 @@
           </a:bodyPr>
           <a:lstStyle/>
           <a:p>
-            <a:r>
-              <a:rPr lang="en-US" altLang="zh-CN" sz="2000" dirty="0" smtClean="0">
+            <a:pPr marL="342900" indent="-342900">
+              <a:buFont typeface="Wingdings" pitchFamily="2" charset="2"/>
+              <a:buChar char="u"/>
+            </a:pPr>
+            <a:r>
+              <a:rPr lang="zh-CN" altLang="en-US" sz="2000" dirty="0" smtClean="0">
                 <a:solidFill>
                   <a:schemeClr val="bg2">
                     <a:lumMod val="25000"/>
@@ -4241,7 +4282,67 @@
                 <a:latin typeface="Adobe 黑体 Std R" pitchFamily="34" charset="-122"/>
                 <a:ea typeface="Adobe 黑体 Std R" pitchFamily="34" charset="-122"/>
               </a:rPr>
+              <a:t>利用</a:t>
+            </a:r>
+            <a:r>
+              <a:rPr lang="en-US" altLang="zh-CN" sz="2000" dirty="0">
+                <a:solidFill>
+                  <a:schemeClr val="bg2">
+                    <a:lumMod val="25000"/>
+                  </a:schemeClr>
+                </a:solidFill>
+                <a:latin typeface="Adobe 黑体 Std R" pitchFamily="34" charset="-122"/>
+                <a:ea typeface="Adobe 黑体 Std R" pitchFamily="34" charset="-122"/>
+              </a:rPr>
               <a:t>JS</a:t>
+            </a:r>
+            <a:r>
+              <a:rPr lang="zh-CN" altLang="en-US" sz="2000" dirty="0" smtClean="0">
+                <a:solidFill>
+                  <a:schemeClr val="bg2">
+                    <a:lumMod val="25000"/>
+                  </a:schemeClr>
+                </a:solidFill>
+                <a:latin typeface="Adobe 黑体 Std R" pitchFamily="34" charset="-122"/>
+                <a:ea typeface="Adobe 黑体 Std R" pitchFamily="34" charset="-122"/>
+              </a:rPr>
+              <a:t>兼容</a:t>
+            </a:r>
+            <a:r>
+              <a:rPr lang="zh-CN" altLang="en-US" sz="2000" dirty="0">
+                <a:solidFill>
+                  <a:schemeClr val="bg2">
+                    <a:lumMod val="25000"/>
+                  </a:schemeClr>
+                </a:solidFill>
+                <a:latin typeface="Adobe 黑体 Std R" pitchFamily="34" charset="-122"/>
+                <a:ea typeface="Adobe 黑体 Std R" pitchFamily="34" charset="-122"/>
+              </a:rPr>
+              <a:t>，</a:t>
+            </a:r>
+            <a:r>
+              <a:rPr lang="zh-CN" altLang="en-US" sz="2000" dirty="0" smtClean="0">
+                <a:solidFill>
+                  <a:schemeClr val="bg2">
+                    <a:lumMod val="25000"/>
+                  </a:schemeClr>
+                </a:solidFill>
+                <a:latin typeface="Adobe 黑体 Std R" pitchFamily="34" charset="-122"/>
+                <a:ea typeface="Adobe 黑体 Std R" pitchFamily="34" charset="-122"/>
+              </a:rPr>
+              <a:t>图片，</a:t>
+            </a:r>
+            <a:r>
+              <a:rPr lang="en-US" altLang="zh-CN" sz="2000" dirty="0" smtClean="0">
+                <a:solidFill>
+                  <a:schemeClr val="bg2">
+                    <a:lumMod val="25000"/>
+                  </a:schemeClr>
+                </a:solidFill>
+                <a:latin typeface="Adobe 黑体 Std R" pitchFamily="34" charset="-122"/>
+                <a:ea typeface="Adobe 黑体 Std R" pitchFamily="34" charset="-122"/>
+              </a:rPr>
+              <a:t>hack</a:t>
             </a:r>
             <a:r>
               <a:rPr lang="zh-CN" altLang="en-US" sz="2000" dirty="0" smtClean="0">
@@ -4269,13 +4370,13 @@
       </p:sp>
       <p:sp>
         <p:nvSpPr>
-          <p:cNvPr id="12" name="TextBox 11"/>
+          <p:cNvPr id="13" name="TextBox 12"/>
           <p:cNvSpPr txBox="1"/>
           <p:nvPr/>
         </p:nvSpPr>
         <p:spPr>
           <a:xfrm>
-            <a:off x="928662" y="1928802"/>
+            <a:off x="1033343" y="2346860"/>
             <a:ext cx="5423818" cy="400110"/>
           </a:xfrm>
           <a:prstGeom prst="rect">
@@ -4301,7 +4402,7 @@
           <a:lstStyle/>
           <a:p>
             <a:r>
-              <a:rPr lang="zh-CN" altLang="en-US" sz="2000" dirty="0" smtClean="0">
+              <a:rPr lang="en-US" altLang="zh-CN" sz="2000" dirty="0" smtClean="0">
                 <a:solidFill>
                   <a:schemeClr val="bg2">
                     <a:lumMod val="25000"/>
@@ -4310,31 +4411,7 @@
                 <a:latin typeface="Adobe 黑体 Std R" pitchFamily="34" charset="-122"/>
                 <a:ea typeface="Adobe 黑体 Std R" pitchFamily="34" charset="-122"/>
               </a:rPr>
-              <a:t>利用图片，</a:t>
-            </a:r>
-            <a:r>
-              <a:rPr lang="en-US" altLang="zh-CN" sz="2000" dirty="0" smtClean="0">
-                <a:solidFill>
-                  <a:schemeClr val="bg2">
-                    <a:lumMod val="25000"/>
-                  </a:schemeClr>
-                </a:solidFill>
-                <a:latin typeface="Adobe 黑体 Std R" pitchFamily="34" charset="-122"/>
-                <a:ea typeface="Adobe 黑体 Std R" pitchFamily="34" charset="-122"/>
-              </a:rPr>
-              <a:t>hack</a:t>
-            </a:r>
-            <a:r>
-              <a:rPr lang="zh-CN" altLang="en-US" sz="2000" dirty="0" smtClean="0">
-                <a:solidFill>
-                  <a:schemeClr val="bg2">
-                    <a:lumMod val="25000"/>
-                  </a:schemeClr>
-                </a:solidFill>
-                <a:latin typeface="Adobe 黑体 Std R" pitchFamily="34" charset="-122"/>
-                <a:ea typeface="Adobe 黑体 Std R" pitchFamily="34" charset="-122"/>
-              </a:rPr>
-              <a:t>兼容</a:t>
+              <a:t>……</a:t>
             </a:r>
             <a:endParaRPr lang="zh-CN" altLang="en-US" sz="2000" dirty="0">
               <a:solidFill>
@@ -4350,13 +4427,13 @@
       </p:sp>
       <p:sp>
         <p:nvSpPr>
-          <p:cNvPr id="13" name="TextBox 12"/>
+          <p:cNvPr id="15" name="TextBox 14"/>
           <p:cNvSpPr txBox="1"/>
           <p:nvPr/>
         </p:nvSpPr>
         <p:spPr>
           <a:xfrm>
-            <a:off x="1000100" y="2928934"/>
+            <a:off x="928662" y="1970336"/>
             <a:ext cx="5423818" cy="400110"/>
           </a:xfrm>
           <a:prstGeom prst="rect">
@@ -4381,63 +4458,10 @@
           </a:bodyPr>
           <a:lstStyle/>
           <a:p>
-            <a:r>
-              <a:rPr lang="en-US" altLang="zh-CN" sz="2000" dirty="0" smtClean="0">
-                <a:solidFill>
-                  <a:schemeClr val="bg2">
-                    <a:lumMod val="25000"/>
-                  </a:schemeClr>
-                </a:solidFill>
-                <a:latin typeface="Adobe 黑体 Std R" pitchFamily="34" charset="-122"/>
-                <a:ea typeface="Adobe 黑体 Std R" pitchFamily="34" charset="-122"/>
-              </a:rPr>
-              <a:t>……</a:t>
-            </a:r>
-            <a:endParaRPr lang="zh-CN" altLang="en-US" sz="2000" dirty="0">
-              <a:solidFill>
-                <a:schemeClr val="bg2">
-                  <a:lumMod val="25000"/>
-                </a:schemeClr>
-              </a:solidFill>
-              <a:latin typeface="Adobe 黑体 Std R" pitchFamily="34" charset="-122"/>
-              <a:ea typeface="Adobe 黑体 Std R" pitchFamily="34" charset="-122"/>
-            </a:endParaRPr>
-          </a:p>
-        </p:txBody>
-      </p:sp>
-      <p:sp>
-        <p:nvSpPr>
-          <p:cNvPr id="15" name="TextBox 14"/>
-          <p:cNvSpPr txBox="1"/>
-          <p:nvPr/>
-        </p:nvSpPr>
-        <p:spPr>
-          <a:xfrm>
-            <a:off x="934132" y="2428868"/>
-            <a:ext cx="5423818" cy="400110"/>
-          </a:xfrm>
-          <a:prstGeom prst="rect">
-            <a:avLst/>
-          </a:prstGeom>
-          <a:noFill/>
-          <a:ln>
-            <a:noFill/>
-          </a:ln>
-          <a:effectLst>
-            <a:outerShdw blurRad="50800" dist="38100" dir="2700000" algn="tl" rotWithShape="0">
-              <a:schemeClr val="accent1">
-                <a:lumMod val="50000"/>
-                <a:alpha val="40000"/>
-              </a:schemeClr>
-            </a:outerShdw>
-          </a:effectLst>
-        </p:spPr>
-        <p:txBody>
-          <a:bodyPr wrap="square" rtlCol="0">
-            <a:spAutoFit/>
-          </a:bodyPr>
-          <a:lstStyle/>
-          <a:p>
+            <a:pPr marL="342900" indent="-342900">
+              <a:buFont typeface="Wingdings" pitchFamily="2" charset="2"/>
+              <a:buChar char="u"/>
+            </a:pPr>
             <a:r>
               <a:rPr lang="zh-CN" altLang="en-US" sz="2000" dirty="0" smtClean="0">
                 <a:solidFill>
@@ -4487,9 +4511,42 @@
           <a:chExt cx="0" cy="0"/>
         </a:xfrm>
       </p:grpSpPr>
-      <p:sp>
-        <p:nvSpPr>
-          <p:cNvPr id="4" name="TextBox 3"/>
+      <p:pic>
+        <p:nvPicPr>
+          <p:cNvPr id="4098" name="Picture 2"/>
+          <p:cNvPicPr>
+            <a:picLocks noChangeAspect="1" noChangeArrowheads="1"/>
+          </p:cNvPicPr>
+          <p:nvPr/>
+        </p:nvPicPr>
+        <p:blipFill>
+          <a:blip r:embed="rId2"/>
+          <a:srcRect/>
+          <a:stretch>
+            <a:fillRect/>
+          </a:stretch>
+        </p:blipFill>
+        <p:spPr bwMode="auto">
+          <a:xfrm>
+            <a:off x="500034" y="1571612"/>
+            <a:ext cx="8215370" cy="4781485"/>
+          </a:xfrm>
+          <a:prstGeom prst="rect">
+            <a:avLst/>
+          </a:prstGeom>
+          <a:noFill/>
+          <a:ln w="9525">
+            <a:noFill/>
+            <a:miter lim="800000"/>
+            <a:headEnd/>
+            <a:tailEnd/>
+          </a:ln>
+          <a:effectLst/>
+        </p:spPr>
+      </p:pic>
+      <p:sp>
+        <p:nvSpPr>
+          <p:cNvPr id="10" name="TextBox 9"/>
           <p:cNvSpPr txBox="1"/>
           <p:nvPr/>
         </p:nvSpPr>
@@ -4550,7 +4607,7 @@
       </p:sp>
       <p:sp>
         <p:nvSpPr>
-          <p:cNvPr id="5" name="TextBox 4"/>
+          <p:cNvPr id="11" name="TextBox 10"/>
           <p:cNvSpPr txBox="1"/>
           <p:nvPr/>
         </p:nvSpPr>
@@ -4591,7 +4648,31 @@
                 <a:latin typeface="Adobe 黑体 Std R" pitchFamily="34" charset="-122"/>
                 <a:ea typeface="Adobe 黑体 Std R" pitchFamily="34" charset="-122"/>
               </a:rPr>
-              <a:t>应用载体</a:t>
+              <a:t>优雅降级 </a:t>
+            </a:r>
+            <a:r>
+              <a:rPr lang="en-US" altLang="zh-CN" sz="2000" dirty="0" smtClean="0">
+                <a:solidFill>
+                  <a:schemeClr val="bg2">
+                    <a:lumMod val="25000"/>
+                  </a:schemeClr>
+                </a:solidFill>
+                <a:latin typeface="Adobe 黑体 Std R" pitchFamily="34" charset="-122"/>
+                <a:ea typeface="Adobe 黑体 Std R" pitchFamily="34" charset="-122"/>
+              </a:rPr>
+              <a:t>graceful </a:t>
+            </a:r>
+            <a:r>
+              <a:rPr lang="en-US" altLang="zh-CN" sz="2000" dirty="0">
+                <a:solidFill>
+                  <a:schemeClr val="bg2">
+                    <a:lumMod val="25000"/>
+                  </a:schemeClr>
+                </a:solidFill>
+                <a:latin typeface="Adobe 黑体 Std R" pitchFamily="34" charset="-122"/>
+                <a:ea typeface="Adobe 黑体 Std R" pitchFamily="34" charset="-122"/>
+              </a:rPr>
+              <a:t>degradation</a:t>
             </a:r>
             <a:endParaRPr lang="zh-CN" altLang="en-US" sz="2000" dirty="0">
               <a:solidFill>
@@ -4630,9 +4711,42 @@
           <a:chExt cx="0" cy="0"/>
         </a:xfrm>
       </p:grpSpPr>
-      <p:sp>
-        <p:nvSpPr>
-          <p:cNvPr id="8" name="TextBox 7"/>
+      <p:pic>
+        <p:nvPicPr>
+          <p:cNvPr id="28674" name="Picture 2"/>
+          <p:cNvPicPr>
+            <a:picLocks noChangeAspect="1" noChangeArrowheads="1"/>
+          </p:cNvPicPr>
+          <p:nvPr/>
+        </p:nvPicPr>
+        <p:blipFill>
+          <a:blip r:embed="rId2"/>
+          <a:srcRect/>
+          <a:stretch>
+            <a:fillRect/>
+          </a:stretch>
+        </p:blipFill>
+        <p:spPr bwMode="auto">
+          <a:xfrm>
+            <a:off x="1214414" y="1428736"/>
+            <a:ext cx="6309914" cy="4852179"/>
+          </a:xfrm>
+          <a:prstGeom prst="rect">
+            <a:avLst/>
+          </a:prstGeom>
+          <a:noFill/>
+          <a:ln w="9525">
+            <a:noFill/>
+            <a:miter lim="800000"/>
+            <a:headEnd/>
+            <a:tailEnd/>
+          </a:ln>
+          <a:effectLst/>
+        </p:spPr>
+      </p:pic>
+      <p:sp>
+        <p:nvSpPr>
+          <p:cNvPr id="7" name="TextBox 6"/>
           <p:cNvSpPr txBox="1"/>
           <p:nvPr/>
         </p:nvSpPr>
@@ -4693,7 +4807,7 @@
       </p:sp>
       <p:sp>
         <p:nvSpPr>
-          <p:cNvPr id="9" name="TextBox 8"/>
+          <p:cNvPr id="8" name="TextBox 7"/>
           <p:cNvSpPr txBox="1"/>
           <p:nvPr/>
         </p:nvSpPr>
@@ -4725,7 +4839,7 @@
           <a:lstStyle/>
           <a:p>
             <a:r>
-              <a:rPr lang="zh-CN" altLang="en-US" sz="2000" dirty="0" smtClean="0">
+              <a:rPr lang="zh-CN" altLang="en-US" sz="2000" dirty="0">
                 <a:solidFill>
                   <a:schemeClr val="bg2">
                     <a:lumMod val="25000"/>
@@ -4734,7 +4848,19 @@
                 <a:latin typeface="Adobe 黑体 Std R" pitchFamily="34" charset="-122"/>
                 <a:ea typeface="Adobe 黑体 Std R" pitchFamily="34" charset="-122"/>
               </a:rPr>
-              <a:t>优雅降级</a:t>
+              <a:t>优雅降级 </a:t>
+            </a:r>
+            <a:r>
+              <a:rPr lang="en-US" altLang="zh-CN" sz="2000" dirty="0">
+                <a:solidFill>
+                  <a:schemeClr val="bg2">
+                    <a:lumMod val="25000"/>
+                  </a:schemeClr>
+                </a:solidFill>
+                <a:latin typeface="Adobe 黑体 Std R" pitchFamily="34" charset="-122"/>
+                <a:ea typeface="Adobe 黑体 Std R" pitchFamily="34" charset="-122"/>
+              </a:rPr>
+              <a:t>graceful degradation</a:t>
             </a:r>
             <a:endParaRPr lang="zh-CN" altLang="en-US" sz="2000" dirty="0">
               <a:solidFill>
@@ -4745,6 +4871,37 @@
               <a:latin typeface="Adobe 黑体 Std R" pitchFamily="34" charset="-122"/>
               <a:ea typeface="Adobe 黑体 Std R" pitchFamily="34" charset="-122"/>
             </a:endParaRPr>
+          </a:p>
+        </p:txBody>
+      </p:sp>
+      <p:sp>
+        <p:nvSpPr>
+          <p:cNvPr id="2" name="矩形 1"/>
+          <p:cNvSpPr/>
+          <p:nvPr/>
+        </p:nvSpPr>
+        <p:spPr>
+          <a:xfrm>
+            <a:off x="1214414" y="6381328"/>
+            <a:ext cx="2072427" cy="369332"/>
+          </a:xfrm>
+          <a:prstGeom prst="rect">
+            <a:avLst/>
+          </a:prstGeom>
+        </p:spPr>
+        <p:txBody>
+          <a:bodyPr wrap="none">
+            <a:spAutoFit/>
+          </a:bodyPr>
+          <a:lstStyle/>
+          <a:p>
+            <a:r>
+              <a:rPr lang="en-US" altLang="zh-CN" dirty="0">
+                <a:hlinkClick r:id="rId3"/>
+              </a:rPr>
+              <a:t>http://caniuse.com/</a:t>
+            </a:r>
+            <a:endParaRPr lang="zh-CN" altLang="en-US" dirty="0"/>
           </a:p>
         </p:txBody>
       </p:sp>
@@ -4773,42 +4930,9 @@
           <a:chExt cx="0" cy="0"/>
         </a:xfrm>
       </p:grpSpPr>
-      <p:pic>
-        <p:nvPicPr>
-          <p:cNvPr id="4098" name="Picture 2"/>
-          <p:cNvPicPr>
-            <a:picLocks noChangeAspect="1" noChangeArrowheads="1"/>
-          </p:cNvPicPr>
-          <p:nvPr/>
-        </p:nvPicPr>
-        <p:blipFill>
-          <a:blip r:embed="rId2"/>
-          <a:srcRect/>
-          <a:stretch>
-            <a:fillRect/>
-          </a:stretch>
-        </p:blipFill>
-        <p:spPr bwMode="auto">
-          <a:xfrm>
-            <a:off x="500034" y="1571612"/>
-            <a:ext cx="8215370" cy="4781485"/>
-          </a:xfrm>
-          <a:prstGeom prst="rect">
-            <a:avLst/>
-          </a:prstGeom>
-          <a:noFill/>
-          <a:ln w="9525">
-            <a:noFill/>
-            <a:miter lim="800000"/>
-            <a:headEnd/>
-            <a:tailEnd/>
-          </a:ln>
-          <a:effectLst/>
-        </p:spPr>
-      </p:pic>
-      <p:sp>
-        <p:nvSpPr>
-          <p:cNvPr id="10" name="TextBox 9"/>
+      <p:sp>
+        <p:nvSpPr>
+          <p:cNvPr id="4" name="TextBox 3"/>
           <p:cNvSpPr txBox="1"/>
           <p:nvPr/>
         </p:nvSpPr>
@@ -4869,7 +4993,7 @@
       </p:sp>
       <p:sp>
         <p:nvSpPr>
-          <p:cNvPr id="11" name="TextBox 10"/>
+          <p:cNvPr id="5" name="TextBox 4"/>
           <p:cNvSpPr txBox="1"/>
           <p:nvPr/>
         </p:nvSpPr>
@@ -4901,7 +5025,7 @@
           <a:lstStyle/>
           <a:p>
             <a:r>
-              <a:rPr lang="zh-CN" altLang="en-US" sz="2000" dirty="0" smtClean="0">
+              <a:rPr lang="zh-CN" altLang="en-US" sz="2000" dirty="0">
                 <a:solidFill>
                   <a:schemeClr val="bg2">
                     <a:lumMod val="25000"/>
@@ -4910,7 +5034,31 @@
                 <a:latin typeface="Adobe 黑体 Std R" pitchFamily="34" charset="-122"/>
                 <a:ea typeface="Adobe 黑体 Std R" pitchFamily="34" charset="-122"/>
               </a:rPr>
-              <a:t>优雅降级</a:t>
+              <a:t>优雅降级 </a:t>
+            </a:r>
+            <a:r>
+              <a:rPr lang="en-US" altLang="zh-CN" sz="2000" dirty="0">
+                <a:solidFill>
+                  <a:schemeClr val="bg2">
+                    <a:lumMod val="25000"/>
+                  </a:schemeClr>
+                </a:solidFill>
+                <a:latin typeface="Adobe 黑体 Std R" pitchFamily="34" charset="-122"/>
+                <a:ea typeface="Adobe 黑体 Std R" pitchFamily="34" charset="-122"/>
+              </a:rPr>
+              <a:t>graceful </a:t>
+            </a:r>
+            <a:r>
+              <a:rPr lang="en-US" altLang="zh-CN" sz="2000" dirty="0" smtClean="0">
+                <a:solidFill>
+                  <a:schemeClr val="bg2">
+                    <a:lumMod val="25000"/>
+                  </a:schemeClr>
+                </a:solidFill>
+                <a:latin typeface="Adobe 黑体 Std R" pitchFamily="34" charset="-122"/>
+                <a:ea typeface="Adobe 黑体 Std R" pitchFamily="34" charset="-122"/>
+              </a:rPr>
+              <a:t>degradation  </a:t>
             </a:r>
             <a:endParaRPr lang="zh-CN" altLang="en-US" sz="2000" dirty="0">
               <a:solidFill>
@@ -4924,7 +5072,223 @@
           </a:p>
         </p:txBody>
       </p:sp>
+      <p:sp>
+        <p:nvSpPr>
+          <p:cNvPr id="9" name="矩形 8"/>
+          <p:cNvSpPr/>
+          <p:nvPr/>
+        </p:nvSpPr>
+        <p:spPr>
+          <a:xfrm>
+            <a:off x="1146686" y="1700808"/>
+            <a:ext cx="2286000" cy="1754326"/>
+          </a:xfrm>
+          <a:prstGeom prst="rect">
+            <a:avLst/>
+          </a:prstGeom>
+        </p:spPr>
+        <p:txBody>
+          <a:bodyPr wrap="square">
+            <a:spAutoFit/>
+          </a:bodyPr>
+          <a:lstStyle/>
+          <a:p>
+            <a:pPr marL="285750" indent="-285750">
+              <a:lnSpc>
+                <a:spcPct val="150000"/>
+              </a:lnSpc>
+              <a:buFont typeface="Wingdings" pitchFamily="2" charset="2"/>
+              <a:buChar char="ü"/>
+            </a:pPr>
+            <a:r>
+              <a:rPr lang="zh-CN" altLang="en-US" dirty="0" smtClean="0"/>
+              <a:t>圆角上</a:t>
+            </a:r>
+            <a:endParaRPr lang="en-US" altLang="zh-CN" dirty="0" smtClean="0"/>
+          </a:p>
+          <a:p>
+            <a:pPr marL="285750" indent="-285750">
+              <a:lnSpc>
+                <a:spcPct val="150000"/>
+              </a:lnSpc>
+              <a:buFont typeface="Wingdings" pitchFamily="2" charset="2"/>
+              <a:buChar char="ü"/>
+            </a:pPr>
+            <a:r>
+              <a:rPr lang="zh-CN" altLang="en-US" dirty="0" smtClean="0"/>
+              <a:t>阴影上</a:t>
+            </a:r>
+          </a:p>
+          <a:p>
+            <a:pPr marL="285750" indent="-285750">
+              <a:lnSpc>
+                <a:spcPct val="150000"/>
+              </a:lnSpc>
+              <a:buFont typeface="Wingdings" pitchFamily="2" charset="2"/>
+              <a:buChar char="ü"/>
+            </a:pPr>
+            <a:r>
+              <a:rPr lang="zh-CN" altLang="en-US" dirty="0" smtClean="0"/>
+              <a:t>透明上</a:t>
+            </a:r>
+            <a:endParaRPr lang="en-US" altLang="zh-CN" dirty="0" smtClean="0"/>
+          </a:p>
+          <a:p>
+            <a:pPr marL="285750" indent="-285750">
+              <a:lnSpc>
+                <a:spcPct val="150000"/>
+              </a:lnSpc>
+              <a:buFont typeface="Wingdings" pitchFamily="2" charset="2"/>
+              <a:buChar char="ü"/>
+            </a:pPr>
+            <a:r>
+              <a:rPr lang="zh-CN" altLang="en-US" dirty="0" smtClean="0"/>
+              <a:t>动画上</a:t>
+            </a:r>
+            <a:endParaRPr lang="zh-CN" altLang="en-US" dirty="0"/>
+          </a:p>
+        </p:txBody>
+      </p:sp>
+      <p:sp>
+        <p:nvSpPr>
+          <p:cNvPr id="6" name="TextBox 5"/>
+          <p:cNvSpPr txBox="1"/>
+          <p:nvPr/>
+        </p:nvSpPr>
+        <p:spPr>
+          <a:xfrm>
+            <a:off x="1043608" y="3673576"/>
+            <a:ext cx="5423818" cy="400110"/>
+          </a:xfrm>
+          <a:prstGeom prst="rect">
+            <a:avLst/>
+          </a:prstGeom>
+          <a:noFill/>
+          <a:ln>
+            <a:noFill/>
+          </a:ln>
+          <a:effectLst>
+            <a:outerShdw blurRad="50800" dist="38100" dir="2700000" algn="tl" rotWithShape="0">
+              <a:schemeClr val="accent1">
+                <a:lumMod val="50000"/>
+                <a:alpha val="40000"/>
+              </a:schemeClr>
+            </a:outerShdw>
+          </a:effectLst>
+        </p:spPr>
+        <p:txBody>
+          <a:bodyPr wrap="square" rtlCol="0">
+            <a:spAutoFit/>
+          </a:bodyPr>
+          <a:lstStyle/>
+          <a:p>
+            <a:r>
+              <a:rPr lang="zh-CN" altLang="en-US" sz="2000" dirty="0" smtClean="0">
+                <a:solidFill>
+                  <a:schemeClr val="bg2">
+                    <a:lumMod val="25000"/>
+                  </a:schemeClr>
+                </a:solidFill>
+                <a:latin typeface="Adobe 黑体 Std R" pitchFamily="34" charset="-122"/>
+                <a:ea typeface="Adobe 黑体 Std R" pitchFamily="34" charset="-122"/>
+              </a:rPr>
+              <a:t>思考问题？</a:t>
+            </a:r>
+            <a:endParaRPr lang="zh-CN" altLang="en-US" sz="2000" dirty="0">
+              <a:solidFill>
+                <a:schemeClr val="bg2">
+                  <a:lumMod val="25000"/>
+                </a:schemeClr>
+              </a:solidFill>
+              <a:latin typeface="Adobe 黑体 Std R" pitchFamily="34" charset="-122"/>
+              <a:ea typeface="Adobe 黑体 Std R" pitchFamily="34" charset="-122"/>
+            </a:endParaRPr>
+          </a:p>
+        </p:txBody>
+      </p:sp>
+      <p:sp>
+        <p:nvSpPr>
+          <p:cNvPr id="7" name="TextBox 6"/>
+          <p:cNvSpPr txBox="1"/>
+          <p:nvPr/>
+        </p:nvSpPr>
+        <p:spPr>
+          <a:xfrm>
+            <a:off x="971600" y="4067780"/>
+            <a:ext cx="6378502" cy="646331"/>
+          </a:xfrm>
+          <a:prstGeom prst="rect">
+            <a:avLst/>
+          </a:prstGeom>
+          <a:noFill/>
+        </p:spPr>
+        <p:txBody>
+          <a:bodyPr wrap="square" rtlCol="0">
+            <a:spAutoFit/>
+          </a:bodyPr>
+          <a:lstStyle/>
+          <a:p>
+            <a:r>
+              <a:rPr lang="en-US" altLang="zh-CN" dirty="0" smtClean="0">
+                <a:solidFill>
+                  <a:schemeClr val="tx1">
+                    <a:lumMod val="65000"/>
+                    <a:lumOff val="35000"/>
+                  </a:schemeClr>
+                </a:solidFill>
+              </a:rPr>
+              <a:t> </a:t>
+            </a:r>
+            <a:r>
+              <a:rPr lang="zh-CN" altLang="en-US" dirty="0" smtClean="0">
+                <a:solidFill>
+                  <a:schemeClr val="tx1">
+                    <a:lumMod val="65000"/>
+                    <a:lumOff val="35000"/>
+                  </a:schemeClr>
+                </a:solidFill>
+              </a:rPr>
+              <a:t>凡事没有绝对，更多</a:t>
+            </a:r>
+            <a:r>
+              <a:rPr lang="zh-CN" altLang="en-US" dirty="0">
+                <a:solidFill>
+                  <a:schemeClr val="tx1">
+                    <a:lumMod val="65000"/>
+                    <a:lumOff val="35000"/>
+                  </a:schemeClr>
+                </a:solidFill>
+              </a:rPr>
+              <a:t>的</a:t>
+            </a:r>
+            <a:r>
+              <a:rPr lang="zh-CN" altLang="en-US" dirty="0" smtClean="0">
+                <a:solidFill>
+                  <a:schemeClr val="tx1">
+                    <a:lumMod val="65000"/>
+                    <a:lumOff val="35000"/>
+                  </a:schemeClr>
+                </a:solidFill>
+              </a:rPr>
+              <a:t>需要考虑进入户群体，性能，与运营需求</a:t>
+            </a:r>
+            <a:endParaRPr lang="zh-CN" altLang="en-US" dirty="0">
+              <a:solidFill>
+                <a:schemeClr val="tx1">
+                  <a:lumMod val="65000"/>
+                  <a:lumOff val="35000"/>
+                </a:schemeClr>
+              </a:solidFill>
+            </a:endParaRPr>
+          </a:p>
+        </p:txBody>
+      </p:sp>
     </p:spTree>
+    <p:extLst>
+      <p:ext uri="{BB962C8B-B14F-4D97-AF65-F5344CB8AC3E}">
+        <p14:creationId xmlns:p14="http://schemas.microsoft.com/office/powerpoint/2010/main" val="1297899713"/>
+      </p:ext>
+    </p:extLst>
   </p:cSld>
   <p:clrMapOvr>
     <a:masterClrMapping/>
@@ -4951,14 +5315,20 @@
       </p:grpSpPr>
       <p:pic>
         <p:nvPicPr>
-          <p:cNvPr id="28674" name="Picture 2"/>
+          <p:cNvPr id="1026" name="Picture 2"/>
           <p:cNvPicPr>
             <a:picLocks noChangeAspect="1" noChangeArrowheads="1"/>
           </p:cNvPicPr>
           <p:nvPr/>
         </p:nvPicPr>
         <p:blipFill>
-          <a:blip r:embed="rId2"/>
+          <a:blip r:embed="rId2">
+            <a:extLst>
+              <a:ext uri="{28A0092B-C50C-407E-A947-70E740481C1C}">
+                <a14:useLocalDpi xmlns:a14="http://schemas.microsoft.com/office/drawing/2010/main" val="0"/>
+              </a:ext>
+            </a:extLst>
+          </a:blip>
           <a:srcRect/>
           <a:stretch>
             <a:fillRect/>
@@ -4966,25 +5336,242 @@
         </p:blipFill>
         <p:spPr bwMode="auto">
           <a:xfrm>
-            <a:off x="1214414" y="1428736"/>
-            <a:ext cx="6786610" cy="5218747"/>
+            <a:off x="323528" y="1681670"/>
+            <a:ext cx="5370343" cy="2592288"/>
           </a:xfrm>
           <a:prstGeom prst="rect">
             <a:avLst/>
           </a:prstGeom>
           <a:noFill/>
-          <a:ln w="9525">
+          <a:ln>
             <a:noFill/>
-            <a:miter lim="800000"/>
-            <a:headEnd/>
-            <a:tailEnd/>
           </a:ln>
           <a:effectLst/>
+          <a:extLst>
+            <a:ext uri="{909E8E84-426E-40DD-AFC4-6F175D3DCCD1}">
+              <a14:hiddenFill xmlns:a14="http://schemas.microsoft.com/office/drawing/2010/main">
+                <a:solidFill>
+                  <a:schemeClr val="accent1"/>
+                </a:solidFill>
+              </a14:hiddenFill>
+            </a:ext>
+            <a:ext uri="{91240B29-F687-4F45-9708-019B960494DF}">
+              <a14:hiddenLine xmlns:a14="http://schemas.microsoft.com/office/drawing/2010/main" w="9525">
+                <a:solidFill>
+                  <a:schemeClr val="tx1"/>
+                </a:solidFill>
+                <a:miter lim="800000"/>
+                <a:headEnd/>
+                <a:tailEnd/>
+              </a14:hiddenLine>
+            </a:ext>
+            <a:ext uri="{AF507438-7753-43E0-B8FC-AC1667EBCBE1}">
+              <a14:hiddenEffects xmlns:a14="http://schemas.microsoft.com/office/drawing/2010/main">
+                <a:effectLst>
+                  <a:outerShdw dist="35921" dir="2700000" algn="ctr" rotWithShape="0">
+                    <a:schemeClr val="bg2"/>
+                  </a:outerShdw>
+                </a:effectLst>
+              </a14:hiddenEffects>
+            </a:ext>
+          </a:extLst>
         </p:spPr>
       </p:pic>
-      <p:sp>
-        <p:nvSpPr>
-          <p:cNvPr id="7" name="TextBox 6"/>
+      <p:pic>
+        <p:nvPicPr>
+          <p:cNvPr id="1028" name="Picture 4"/>
+          <p:cNvPicPr>
+            <a:picLocks noChangeAspect="1" noChangeArrowheads="1"/>
+          </p:cNvPicPr>
+          <p:nvPr/>
+        </p:nvPicPr>
+        <p:blipFill>
+          <a:blip r:embed="rId3">
+            <a:extLst>
+              <a:ext uri="{28A0092B-C50C-407E-A947-70E740481C1C}">
+                <a14:useLocalDpi xmlns:a14="http://schemas.microsoft.com/office/drawing/2010/main" val="0"/>
+              </a:ext>
+            </a:extLst>
+          </a:blip>
+          <a:srcRect/>
+          <a:stretch>
+            <a:fillRect/>
+          </a:stretch>
+        </p:blipFill>
+        <p:spPr bwMode="auto">
+          <a:xfrm>
+            <a:off x="2292168" y="2633550"/>
+            <a:ext cx="5734050" cy="2486025"/>
+          </a:xfrm>
+          <a:prstGeom prst="rect">
+            <a:avLst/>
+          </a:prstGeom>
+          <a:noFill/>
+          <a:ln>
+            <a:noFill/>
+          </a:ln>
+          <a:effectLst/>
+          <a:extLst>
+            <a:ext uri="{909E8E84-426E-40DD-AFC4-6F175D3DCCD1}">
+              <a14:hiddenFill xmlns:a14="http://schemas.microsoft.com/office/drawing/2010/main">
+                <a:solidFill>
+                  <a:schemeClr val="accent1"/>
+                </a:solidFill>
+              </a14:hiddenFill>
+            </a:ext>
+            <a:ext uri="{91240B29-F687-4F45-9708-019B960494DF}">
+              <a14:hiddenLine xmlns:a14="http://schemas.microsoft.com/office/drawing/2010/main" w="9525">
+                <a:solidFill>
+                  <a:schemeClr val="tx1"/>
+                </a:solidFill>
+                <a:miter lim="800000"/>
+                <a:headEnd/>
+                <a:tailEnd/>
+              </a14:hiddenLine>
+            </a:ext>
+            <a:ext uri="{AF507438-7753-43E0-B8FC-AC1667EBCBE1}">
+              <a14:hiddenEffects xmlns:a14="http://schemas.microsoft.com/office/drawing/2010/main">
+                <a:effectLst>
+                  <a:outerShdw dist="35921" dir="2700000" algn="ctr" rotWithShape="0">
+                    <a:schemeClr val="bg2"/>
+                  </a:outerShdw>
+                </a:effectLst>
+              </a14:hiddenEffects>
+            </a:ext>
+          </a:extLst>
+        </p:spPr>
+      </p:pic>
+      <p:pic>
+        <p:nvPicPr>
+          <p:cNvPr id="1029" name="Picture 5"/>
+          <p:cNvPicPr>
+            <a:picLocks noChangeAspect="1" noChangeArrowheads="1"/>
+          </p:cNvPicPr>
+          <p:nvPr/>
+        </p:nvPicPr>
+        <p:blipFill>
+          <a:blip r:embed="rId4">
+            <a:extLst>
+              <a:ext uri="{28A0092B-C50C-407E-A947-70E740481C1C}">
+                <a14:useLocalDpi xmlns:a14="http://schemas.microsoft.com/office/drawing/2010/main" val="0"/>
+              </a:ext>
+            </a:extLst>
+          </a:blip>
+          <a:srcRect/>
+          <a:stretch>
+            <a:fillRect/>
+          </a:stretch>
+        </p:blipFill>
+        <p:spPr bwMode="auto">
+          <a:xfrm>
+            <a:off x="1187624" y="3933056"/>
+            <a:ext cx="2000250" cy="2571750"/>
+          </a:xfrm>
+          <a:prstGeom prst="rect">
+            <a:avLst/>
+          </a:prstGeom>
+          <a:noFill/>
+          <a:ln>
+            <a:noFill/>
+          </a:ln>
+          <a:effectLst/>
+          <a:extLst>
+            <a:ext uri="{909E8E84-426E-40DD-AFC4-6F175D3DCCD1}">
+              <a14:hiddenFill xmlns:a14="http://schemas.microsoft.com/office/drawing/2010/main">
+                <a:solidFill>
+                  <a:schemeClr val="accent1"/>
+                </a:solidFill>
+              </a14:hiddenFill>
+            </a:ext>
+            <a:ext uri="{91240B29-F687-4F45-9708-019B960494DF}">
+              <a14:hiddenLine xmlns:a14="http://schemas.microsoft.com/office/drawing/2010/main" w="9525">
+                <a:solidFill>
+                  <a:schemeClr val="tx1"/>
+                </a:solidFill>
+                <a:miter lim="800000"/>
+                <a:headEnd/>
+                <a:tailEnd/>
+              </a14:hiddenLine>
+            </a:ext>
+            <a:ext uri="{AF507438-7753-43E0-B8FC-AC1667EBCBE1}">
+              <a14:hiddenEffects xmlns:a14="http://schemas.microsoft.com/office/drawing/2010/main">
+                <a:effectLst>
+                  <a:outerShdw dist="35921" dir="2700000" algn="ctr" rotWithShape="0">
+                    <a:schemeClr val="bg2"/>
+                  </a:outerShdw>
+                </a:effectLst>
+              </a14:hiddenEffects>
+            </a:ext>
+          </a:extLst>
+        </p:spPr>
+      </p:pic>
+      <p:pic>
+        <p:nvPicPr>
+          <p:cNvPr id="1030" name="Picture 6"/>
+          <p:cNvPicPr>
+            <a:picLocks noChangeAspect="1" noChangeArrowheads="1"/>
+          </p:cNvPicPr>
+          <p:nvPr/>
+        </p:nvPicPr>
+        <p:blipFill>
+          <a:blip r:embed="rId5">
+            <a:extLst>
+              <a:ext uri="{28A0092B-C50C-407E-A947-70E740481C1C}">
+                <a14:useLocalDpi xmlns:a14="http://schemas.microsoft.com/office/drawing/2010/main" val="0"/>
+              </a:ext>
+            </a:extLst>
+          </a:blip>
+          <a:srcRect/>
+          <a:stretch>
+            <a:fillRect/>
+          </a:stretch>
+        </p:blipFill>
+        <p:spPr bwMode="auto">
+          <a:xfrm>
+            <a:off x="4168593" y="4246519"/>
+            <a:ext cx="1981200" cy="2457450"/>
+          </a:xfrm>
+          <a:prstGeom prst="rect">
+            <a:avLst/>
+          </a:prstGeom>
+          <a:noFill/>
+          <a:ln>
+            <a:noFill/>
+          </a:ln>
+          <a:effectLst/>
+          <a:extLst>
+            <a:ext uri="{909E8E84-426E-40DD-AFC4-6F175D3DCCD1}">
+              <a14:hiddenFill xmlns:a14="http://schemas.microsoft.com/office/drawing/2010/main">
+                <a:solidFill>
+                  <a:schemeClr val="accent1"/>
+                </a:solidFill>
+              </a14:hiddenFill>
+            </a:ext>
+            <a:ext uri="{91240B29-F687-4F45-9708-019B960494DF}">
+              <a14:hiddenLine xmlns:a14="http://schemas.microsoft.com/office/drawing/2010/main" w="9525">
+                <a:solidFill>
+                  <a:schemeClr val="tx1"/>
+                </a:solidFill>
+                <a:miter lim="800000"/>
+                <a:headEnd/>
+                <a:tailEnd/>
+              </a14:hiddenLine>
+            </a:ext>
+            <a:ext uri="{AF507438-7753-43E0-B8FC-AC1667EBCBE1}">
+              <a14:hiddenEffects xmlns:a14="http://schemas.microsoft.com/office/drawing/2010/main">
+                <a:effectLst>
+                  <a:outerShdw dist="35921" dir="2700000" algn="ctr" rotWithShape="0">
+                    <a:schemeClr val="bg2"/>
+                  </a:outerShdw>
+                </a:effectLst>
+              </a14:hiddenEffects>
+            </a:ext>
+          </a:extLst>
+        </p:spPr>
+      </p:pic>
+      <p:sp>
+        <p:nvSpPr>
+          <p:cNvPr id="9" name="TextBox 8"/>
           <p:cNvSpPr txBox="1"/>
           <p:nvPr/>
         </p:nvSpPr>
@@ -5045,7 +5632,7 @@
       </p:sp>
       <p:sp>
         <p:nvSpPr>
-          <p:cNvPr id="8" name="TextBox 7"/>
+          <p:cNvPr id="10" name="TextBox 9"/>
           <p:cNvSpPr txBox="1"/>
           <p:nvPr/>
         </p:nvSpPr>
@@ -5077,7 +5664,7 @@
           <a:lstStyle/>
           <a:p>
             <a:r>
-              <a:rPr lang="zh-CN" altLang="en-US" sz="2000" dirty="0" smtClean="0">
+              <a:rPr lang="zh-CN" altLang="en-US" sz="2000" dirty="0">
                 <a:solidFill>
                   <a:schemeClr val="bg2">
                     <a:lumMod val="25000"/>
@@ -5086,7 +5673,31 @@
                 <a:latin typeface="Adobe 黑体 Std R" pitchFamily="34" charset="-122"/>
                 <a:ea typeface="Adobe 黑体 Std R" pitchFamily="34" charset="-122"/>
               </a:rPr>
-              <a:t>优雅降级</a:t>
+              <a:t>优雅降级 </a:t>
+            </a:r>
+            <a:r>
+              <a:rPr lang="en-US" altLang="zh-CN" sz="2000" dirty="0">
+                <a:solidFill>
+                  <a:schemeClr val="bg2">
+                    <a:lumMod val="25000"/>
+                  </a:schemeClr>
+                </a:solidFill>
+                <a:latin typeface="Adobe 黑体 Std R" pitchFamily="34" charset="-122"/>
+                <a:ea typeface="Adobe 黑体 Std R" pitchFamily="34" charset="-122"/>
+              </a:rPr>
+              <a:t>graceful </a:t>
+            </a:r>
+            <a:r>
+              <a:rPr lang="en-US" altLang="zh-CN" sz="2000" dirty="0" smtClean="0">
+                <a:solidFill>
+                  <a:schemeClr val="bg2">
+                    <a:lumMod val="25000"/>
+                  </a:schemeClr>
+                </a:solidFill>
+                <a:latin typeface="Adobe 黑体 Std R" pitchFamily="34" charset="-122"/>
+                <a:ea typeface="Adobe 黑体 Std R" pitchFamily="34" charset="-122"/>
+              </a:rPr>
+              <a:t>degradation  </a:t>
             </a:r>
             <a:endParaRPr lang="zh-CN" altLang="en-US" sz="2000" dirty="0">
               <a:solidFill>
@@ -5101,6 +5712,11 @@
         </p:txBody>
       </p:sp>
     </p:spTree>
+    <p:extLst>
+      <p:ext uri="{BB962C8B-B14F-4D97-AF65-F5344CB8AC3E}">
+        <p14:creationId xmlns:p14="http://schemas.microsoft.com/office/powerpoint/2010/main" val="2663395877"/>
+      </p:ext>
+    </p:extLst>
   </p:cSld>
   <p:clrMapOvr>
     <a:masterClrMapping/>
@@ -5127,7 +5743,7 @@
       </p:grpSpPr>
       <p:pic>
         <p:nvPicPr>
-          <p:cNvPr id="15" name="Picture 2" descr="G:\feng33\用户体验\confusion.jpg"/>
+          <p:cNvPr id="29698" name="Picture 2"/>
           <p:cNvPicPr>
             <a:picLocks noChangeAspect="1" noChangeArrowheads="1"/>
           </p:cNvPicPr>
@@ -5142,33 +5758,7 @@
         </p:blipFill>
         <p:spPr bwMode="auto">
           <a:xfrm>
-            <a:off x="5643570" y="3397049"/>
-            <a:ext cx="3500430" cy="3460951"/>
-          </a:xfrm>
-          <a:prstGeom prst="rect">
-            <a:avLst/>
-          </a:prstGeom>
-          <a:noFill/>
-        </p:spPr>
-      </p:pic>
-      <p:pic>
-        <p:nvPicPr>
-          <p:cNvPr id="29698" name="Picture 2"/>
-          <p:cNvPicPr>
-            <a:picLocks noChangeAspect="1" noChangeArrowheads="1"/>
-          </p:cNvPicPr>
-          <p:nvPr/>
-        </p:nvPicPr>
-        <p:blipFill>
-          <a:blip r:embed="rId3"/>
-          <a:srcRect/>
-          <a:stretch>
-            <a:fillRect/>
-          </a:stretch>
-        </p:blipFill>
-        <p:spPr bwMode="auto">
-          <a:xfrm>
-            <a:off x="928662" y="1857364"/>
+            <a:off x="928662" y="1772816"/>
             <a:ext cx="2786082" cy="1144735"/>
           </a:xfrm>
           <a:prstGeom prst="rect">
@@ -5279,7 +5869,7 @@
           <a:lstStyle/>
           <a:p>
             <a:r>
-              <a:rPr lang="en-US" altLang="zh-CN" sz="2000" dirty="0" err="1" smtClean="0">
+              <a:rPr lang="zh-CN" altLang="en-US" sz="2000" dirty="0" smtClean="0">
                 <a:solidFill>
                   <a:schemeClr val="bg2">
                     <a:lumMod val="25000"/>
@@ -5288,10 +5878,10 @@
                 <a:latin typeface="Adobe 黑体 Std R" pitchFamily="34" charset="-122"/>
                 <a:ea typeface="Adobe 黑体 Std R" pitchFamily="34" charset="-122"/>
               </a:rPr>
-              <a:t>js</a:t>
-            </a:r>
-            <a:r>
-              <a:rPr lang="zh-CN" altLang="en-US" sz="2000" dirty="0" smtClean="0">
+              <a:t>利</a:t>
+            </a:r>
+            <a:r>
+              <a:rPr lang="zh-CN" altLang="en-US" sz="2000" dirty="0">
                 <a:solidFill>
                   <a:schemeClr val="bg2">
                     <a:lumMod val="25000"/>
@@ -5300,10 +5890,10 @@
                 <a:latin typeface="Adobe 黑体 Std R" pitchFamily="34" charset="-122"/>
                 <a:ea typeface="Adobe 黑体 Std R" pitchFamily="34" charset="-122"/>
               </a:rPr>
-              <a:t>兼</a:t>
-            </a:r>
-            <a:r>
-              <a:rPr lang="zh-CN" altLang="en-US" sz="2000" dirty="0" smtClean="0">
+              <a:t>用</a:t>
+            </a:r>
+            <a:r>
+              <a:rPr lang="en-US" altLang="zh-CN" sz="2000" dirty="0" err="1" smtClean="0">
                 <a:solidFill>
                   <a:schemeClr val="bg2">
                     <a:lumMod val="25000"/>
@@ -5312,7 +5902,19 @@
                 <a:latin typeface="Adobe 黑体 Std R" pitchFamily="34" charset="-122"/>
                 <a:ea typeface="Adobe 黑体 Std R" pitchFamily="34" charset="-122"/>
               </a:rPr>
-              <a:t>容</a:t>
+              <a:t>js</a:t>
+            </a:r>
+            <a:r>
+              <a:rPr lang="zh-CN" altLang="en-US" sz="2000" dirty="0" smtClean="0">
+                <a:solidFill>
+                  <a:schemeClr val="bg2">
+                    <a:lumMod val="25000"/>
+                  </a:schemeClr>
+                </a:solidFill>
+                <a:latin typeface="Adobe 黑体 Std R" pitchFamily="34" charset="-122"/>
+                <a:ea typeface="Adobe 黑体 Std R" pitchFamily="34" charset="-122"/>
+              </a:rPr>
+              <a:t>兼容</a:t>
             </a:r>
             <a:endParaRPr lang="zh-CN" altLang="en-US" sz="2000" dirty="0">
               <a:solidFill>
@@ -5334,7 +5936,7 @@
         </p:nvSpPr>
         <p:spPr>
           <a:xfrm>
-            <a:off x="4000495" y="2071678"/>
+            <a:off x="4000495" y="1987130"/>
             <a:ext cx="2001958" cy="369332"/>
           </a:xfrm>
           <a:prstGeom prst="rect">
@@ -5349,7 +5951,7 @@
           <a:p>
             <a:r>
               <a:rPr lang="en-US" dirty="0" smtClean="0">
-                <a:hlinkClick r:id="rId4"/>
+                <a:hlinkClick r:id="rId3"/>
               </a:rPr>
               <a:t>http://sizzlejs.com/</a:t>
             </a:r>
@@ -5366,7 +5968,7 @@
           <p:nvPr/>
         </p:nvPicPr>
         <p:blipFill>
-          <a:blip r:embed="rId5"/>
+          <a:blip r:embed="rId4"/>
           <a:srcRect/>
           <a:stretch>
             <a:fillRect/>
@@ -5374,7 +5976,7 @@
         </p:blipFill>
         <p:spPr bwMode="auto">
           <a:xfrm>
-            <a:off x="928661" y="3071810"/>
+            <a:off x="928661" y="2987262"/>
             <a:ext cx="3500462" cy="706288"/>
           </a:xfrm>
           <a:prstGeom prst="rect">
@@ -5398,7 +6000,7 @@
         </p:nvSpPr>
         <p:spPr>
           <a:xfrm>
-            <a:off x="4786313" y="3214686"/>
+            <a:off x="4786313" y="3130138"/>
             <a:ext cx="2176301" cy="369332"/>
           </a:xfrm>
           <a:prstGeom prst="rect">
@@ -5413,7 +6015,7 @@
           <a:p>
             <a:r>
               <a:rPr lang="en-US" dirty="0" smtClean="0">
-                <a:hlinkClick r:id="rId6"/>
+                <a:hlinkClick r:id="rId5"/>
               </a:rPr>
               <a:t>http://ecsstender.org</a:t>
             </a:r>
@@ -5430,7 +6032,7 @@
           <p:nvPr/>
         </p:nvPicPr>
         <p:blipFill>
-          <a:blip r:embed="rId7"/>
+          <a:blip r:embed="rId6"/>
           <a:srcRect/>
           <a:stretch>
             <a:fillRect/>
@@ -5438,7 +6040,7 @@
         </p:blipFill>
         <p:spPr bwMode="auto">
           <a:xfrm>
-            <a:off x="1000099" y="4143380"/>
+            <a:off x="1000099" y="4058832"/>
             <a:ext cx="1476375" cy="419100"/>
           </a:xfrm>
           <a:prstGeom prst="rect">
@@ -5462,7 +6064,7 @@
         </p:nvSpPr>
         <p:spPr>
           <a:xfrm>
-            <a:off x="2643173" y="4143380"/>
+            <a:off x="2643173" y="4058832"/>
             <a:ext cx="3660682" cy="369332"/>
           </a:xfrm>
           <a:prstGeom prst="rect">
@@ -5477,7 +6079,7 @@
           <a:p>
             <a:r>
               <a:rPr lang="en-US" dirty="0" smtClean="0">
-                <a:hlinkClick r:id="rId8"/>
+                <a:hlinkClick r:id="rId7"/>
               </a:rPr>
               <a:t>http://zombie.labnotes.org/selectors</a:t>
             </a:r>
@@ -5493,7 +6095,7 @@
         </p:nvSpPr>
         <p:spPr>
           <a:xfrm>
-            <a:off x="785786" y="5500702"/>
+            <a:off x="785786" y="5654806"/>
             <a:ext cx="5423818" cy="400110"/>
           </a:xfrm>
           <a:prstGeom prst="rect">
@@ -5550,7 +6152,7 @@
         </p:nvSpPr>
         <p:spPr>
           <a:xfrm>
-            <a:off x="785786" y="5857892"/>
+            <a:off x="785786" y="6011996"/>
             <a:ext cx="5929354" cy="369332"/>
           </a:xfrm>
           <a:prstGeom prst="rect">
@@ -5585,6 +6187,17 @@
                 </a:solidFill>
               </a:rPr>
               <a:t>为了全兼容，牺牲性能值得吗？有所得必有所失</a:t>
+            </a:r>
+            <a:r>
+              <a:rPr lang="en-US" altLang="zh-CN" dirty="0" smtClean="0">
+                <a:solidFill>
+                  <a:schemeClr val="tx1">
+                    <a:lumMod val="65000"/>
+                    <a:lumOff val="35000"/>
+                  </a:schemeClr>
+                </a:solidFill>
+              </a:rPr>
+              <a:t>?</a:t>
             </a:r>
             <a:endParaRPr lang="zh-CN" altLang="en-US" dirty="0">
               <a:solidFill>
@@ -5605,7 +6218,7 @@
         </p:nvSpPr>
         <p:spPr>
           <a:xfrm>
-            <a:off x="3428992" y="4572008"/>
+            <a:off x="3428992" y="4487460"/>
             <a:ext cx="857256" cy="369332"/>
           </a:xfrm>
           <a:prstGeom prst="rect">
@@ -5666,35 +6279,9 @@
           <a:chExt cx="0" cy="0"/>
         </a:xfrm>
       </p:grpSpPr>
-      <p:pic>
-        <p:nvPicPr>
-          <p:cNvPr id="3079" name="Picture 7" descr="G:\feng33\素材\5612587261_96845b41ff.jpg"/>
-          <p:cNvPicPr>
-            <a:picLocks noChangeAspect="1" noChangeArrowheads="1"/>
-          </p:cNvPicPr>
-          <p:nvPr/>
-        </p:nvPicPr>
-        <p:blipFill>
-          <a:blip r:embed="rId2"/>
-          <a:srcRect/>
-          <a:stretch>
-            <a:fillRect/>
-          </a:stretch>
-        </p:blipFill>
-        <p:spPr bwMode="auto">
-          <a:xfrm>
-            <a:off x="2643174" y="2017275"/>
-            <a:ext cx="6500826" cy="4840725"/>
-          </a:xfrm>
-          <a:prstGeom prst="rect">
-            <a:avLst/>
-          </a:prstGeom>
-          <a:noFill/>
-        </p:spPr>
-      </p:pic>
-      <p:sp>
-        <p:nvSpPr>
-          <p:cNvPr id="13" name="TextBox 12"/>
+      <p:sp>
+        <p:nvSpPr>
+          <p:cNvPr id="6" name="TextBox 5"/>
           <p:cNvSpPr txBox="1"/>
           <p:nvPr/>
         </p:nvSpPr>
@@ -5739,7 +6326,7 @@
                 <a:latin typeface="Adobe 黑体 Std R" pitchFamily="34" charset="-122"/>
                 <a:ea typeface="Adobe 黑体 Std R" pitchFamily="34" charset="-122"/>
               </a:rPr>
-              <a:t>相关学习</a:t>
+              <a:t>如何应用</a:t>
             </a:r>
             <a:endParaRPr lang="zh-CN" altLang="en-US" sz="4000" dirty="0">
               <a:solidFill>
@@ -5755,13 +6342,13 @@
       </p:sp>
       <p:sp>
         <p:nvSpPr>
-          <p:cNvPr id="15" name="TextBox 14"/>
+          <p:cNvPr id="7" name="TextBox 6"/>
           <p:cNvSpPr txBox="1"/>
           <p:nvPr/>
         </p:nvSpPr>
         <p:spPr>
           <a:xfrm>
-            <a:off x="928662" y="1071546"/>
+            <a:off x="928662" y="1000108"/>
             <a:ext cx="5423818" cy="400110"/>
           </a:xfrm>
           <a:prstGeom prst="rect">
@@ -5796,7 +6383,55 @@
                 <a:latin typeface="Adobe 黑体 Std R" pitchFamily="34" charset="-122"/>
                 <a:ea typeface="Adobe 黑体 Std R" pitchFamily="34" charset="-122"/>
               </a:rPr>
-              <a:t>在线生成器</a:t>
+              <a:t>利</a:t>
+            </a:r>
+            <a:r>
+              <a:rPr lang="zh-CN" altLang="en-US" sz="2000" dirty="0">
+                <a:solidFill>
+                  <a:schemeClr val="bg2">
+                    <a:lumMod val="25000"/>
+                  </a:schemeClr>
+                </a:solidFill>
+                <a:latin typeface="Adobe 黑体 Std R" pitchFamily="34" charset="-122"/>
+                <a:ea typeface="Adobe 黑体 Std R" pitchFamily="34" charset="-122"/>
+              </a:rPr>
+              <a:t>用</a:t>
+            </a:r>
+            <a:r>
+              <a:rPr lang="en-US" altLang="zh-CN" sz="2000" dirty="0" err="1" smtClean="0">
+                <a:solidFill>
+                  <a:schemeClr val="bg2">
+                    <a:lumMod val="25000"/>
+                  </a:schemeClr>
+                </a:solidFill>
+                <a:latin typeface="Adobe 黑体 Std R" pitchFamily="34" charset="-122"/>
+                <a:ea typeface="Adobe 黑体 Std R" pitchFamily="34" charset="-122"/>
+              </a:rPr>
+              <a:t>js</a:t>
+            </a:r>
+            <a:r>
+              <a:rPr lang="en-US" altLang="zh-CN" sz="2000" dirty="0" smtClean="0">
+                <a:solidFill>
+                  <a:schemeClr val="bg2">
+                    <a:lumMod val="25000"/>
+                  </a:schemeClr>
+                </a:solidFill>
+                <a:latin typeface="Adobe 黑体 Std R" pitchFamily="34" charset="-122"/>
+                <a:ea typeface="Adobe 黑体 Std R" pitchFamily="34" charset="-122"/>
+              </a:rPr>
+              <a:t>,</a:t>
+            </a:r>
+            <a:r>
+              <a:rPr lang="zh-CN" altLang="en-US" sz="2000" dirty="0" smtClean="0">
+                <a:solidFill>
+                  <a:schemeClr val="bg2">
+                    <a:lumMod val="25000"/>
+                  </a:schemeClr>
+                </a:solidFill>
+                <a:latin typeface="Adobe 黑体 Std R" pitchFamily="34" charset="-122"/>
+                <a:ea typeface="Adobe 黑体 Std R" pitchFamily="34" charset="-122"/>
+              </a:rPr>
+              <a:t>图片，结构等兼容</a:t>
             </a:r>
             <a:endParaRPr lang="zh-CN" altLang="en-US" sz="2000" dirty="0">
               <a:solidFill>
@@ -5812,30 +6447,19 @@
       </p:sp>
       <p:sp>
         <p:nvSpPr>
-          <p:cNvPr id="16" name="TextBox 15"/>
+          <p:cNvPr id="8" name="TextBox 7"/>
           <p:cNvSpPr txBox="1"/>
           <p:nvPr/>
         </p:nvSpPr>
         <p:spPr>
           <a:xfrm>
-            <a:off x="928662" y="1500174"/>
-            <a:ext cx="5423818" cy="400110"/>
+            <a:off x="1043608" y="1556792"/>
+            <a:ext cx="5929354" cy="2169825"/>
           </a:xfrm>
           <a:prstGeom prst="rect">
             <a:avLst/>
           </a:prstGeom>
           <a:noFill/>
-          <a:ln>
-            <a:noFill/>
-          </a:ln>
-          <a:effectLst>
-            <a:outerShdw blurRad="50800" dist="38100" dir="2700000" algn="tl" rotWithShape="0">
-              <a:schemeClr val="accent1">
-                <a:lumMod val="50000"/>
-                <a:alpha val="40000"/>
-              </a:schemeClr>
-            </a:outerShdw>
-          </a:effectLst>
         </p:spPr>
         <p:txBody>
           <a:bodyPr wrap="square" rtlCol="0">
@@ -5843,31 +6467,195 @@
           </a:bodyPr>
           <a:lstStyle/>
           <a:p>
-            <a:r>
-              <a:rPr lang="zh-CN" altLang="en-US" sz="2000" dirty="0" smtClean="0">
-                <a:solidFill>
-                  <a:schemeClr val="bg2">
-                    <a:lumMod val="25000"/>
-                  </a:schemeClr>
-                </a:solidFill>
-                <a:latin typeface="Adobe 黑体 Std R" pitchFamily="34" charset="-122"/>
-                <a:ea typeface="Adobe 黑体 Std R" pitchFamily="34" charset="-122"/>
-              </a:rPr>
-              <a:t>相关技术文档</a:t>
-            </a:r>
-            <a:endParaRPr lang="zh-CN" altLang="en-US" sz="2000" dirty="0">
+            <a:pPr marL="285750" indent="-285750">
+              <a:lnSpc>
+                <a:spcPct val="150000"/>
+              </a:lnSpc>
+              <a:buFont typeface="Wingdings" pitchFamily="2" charset="2"/>
+              <a:buChar char="ü"/>
+            </a:pPr>
+            <a:r>
+              <a:rPr lang="zh-CN" altLang="en-US" dirty="0">
+                <a:solidFill>
+                  <a:schemeClr val="tx1">
+                    <a:lumMod val="65000"/>
+                    <a:lumOff val="35000"/>
+                  </a:schemeClr>
+                </a:solidFill>
+              </a:rPr>
+              <a:t>重构代码</a:t>
+            </a:r>
+            <a:r>
+              <a:rPr lang="zh-CN" altLang="en-US" dirty="0" smtClean="0">
+                <a:solidFill>
+                  <a:schemeClr val="tx1">
+                    <a:lumMod val="65000"/>
+                    <a:lumOff val="35000"/>
+                  </a:schemeClr>
+                </a:solidFill>
+              </a:rPr>
+              <a:t>量</a:t>
+            </a:r>
+            <a:endParaRPr lang="en-US" altLang="zh-CN" dirty="0" smtClean="0">
               <a:solidFill>
-                <a:schemeClr val="bg2">
-                  <a:lumMod val="25000"/>
+                <a:schemeClr val="tx1">
+                  <a:lumMod val="65000"/>
+                  <a:lumOff val="35000"/>
                 </a:schemeClr>
               </a:solidFill>
-              <a:latin typeface="Adobe 黑体 Std R" pitchFamily="34" charset="-122"/>
-              <a:ea typeface="Adobe 黑体 Std R" pitchFamily="34" charset="-122"/>
             </a:endParaRPr>
           </a:p>
+          <a:p>
+            <a:pPr marL="285750" indent="-285750">
+              <a:lnSpc>
+                <a:spcPct val="150000"/>
+              </a:lnSpc>
+              <a:buFont typeface="Wingdings" pitchFamily="2" charset="2"/>
+              <a:buChar char="ü"/>
+            </a:pPr>
+            <a:r>
+              <a:rPr lang="zh-CN" altLang="en-US" dirty="0" smtClean="0">
+                <a:solidFill>
+                  <a:schemeClr val="tx1">
+                    <a:lumMod val="65000"/>
+                    <a:lumOff val="35000"/>
+                  </a:schemeClr>
+                </a:solidFill>
+              </a:rPr>
+              <a:t>性能</a:t>
+            </a:r>
+            <a:r>
+              <a:rPr lang="zh-CN" altLang="en-US" dirty="0">
+                <a:solidFill>
+                  <a:schemeClr val="tx1">
+                    <a:lumMod val="65000"/>
+                    <a:lumOff val="35000"/>
+                  </a:schemeClr>
+                </a:solidFill>
+              </a:rPr>
+              <a:t>上</a:t>
+            </a:r>
+            <a:r>
+              <a:rPr lang="zh-CN" altLang="en-US" dirty="0" smtClean="0">
+                <a:solidFill>
+                  <a:schemeClr val="tx1">
+                    <a:lumMod val="65000"/>
+                    <a:lumOff val="35000"/>
+                  </a:schemeClr>
+                </a:solidFill>
+              </a:rPr>
+              <a:t>请求运算的负荷</a:t>
+            </a:r>
+            <a:endParaRPr lang="en-US" altLang="zh-CN" dirty="0" smtClean="0">
+              <a:solidFill>
+                <a:schemeClr val="tx1">
+                  <a:lumMod val="65000"/>
+                  <a:lumOff val="35000"/>
+                </a:schemeClr>
+              </a:solidFill>
+            </a:endParaRPr>
+          </a:p>
+          <a:p>
+            <a:pPr marL="285750" indent="-285750">
+              <a:lnSpc>
+                <a:spcPct val="150000"/>
+              </a:lnSpc>
+              <a:buFont typeface="Wingdings" pitchFamily="2" charset="2"/>
+              <a:buChar char="ü"/>
+            </a:pPr>
+            <a:r>
+              <a:rPr lang="zh-CN" altLang="en-US" dirty="0" smtClean="0">
+                <a:solidFill>
+                  <a:schemeClr val="tx1">
+                    <a:lumMod val="65000"/>
+                    <a:lumOff val="35000"/>
+                  </a:schemeClr>
+                </a:solidFill>
+              </a:rPr>
+              <a:t>内容维护的方便宜性</a:t>
+            </a:r>
+            <a:endParaRPr lang="en-US" altLang="zh-CN" dirty="0" smtClean="0">
+              <a:solidFill>
+                <a:schemeClr val="tx1">
+                  <a:lumMod val="65000"/>
+                  <a:lumOff val="35000"/>
+                </a:schemeClr>
+              </a:solidFill>
+            </a:endParaRPr>
+          </a:p>
+          <a:p>
+            <a:pPr marL="285750" indent="-285750">
+              <a:lnSpc>
+                <a:spcPct val="150000"/>
+              </a:lnSpc>
+              <a:buFont typeface="Wingdings" pitchFamily="2" charset="2"/>
+              <a:buChar char="ü"/>
+            </a:pPr>
+            <a:r>
+              <a:rPr lang="zh-CN" altLang="en-US" dirty="0" smtClean="0">
+                <a:solidFill>
+                  <a:schemeClr val="tx1">
+                    <a:lumMod val="65000"/>
+                    <a:lumOff val="35000"/>
+                  </a:schemeClr>
+                </a:solidFill>
+              </a:rPr>
+              <a:t>技术上的可行</a:t>
+            </a:r>
+            <a:r>
+              <a:rPr lang="zh-CN" altLang="en-US" dirty="0">
+                <a:solidFill>
+                  <a:schemeClr val="tx1">
+                    <a:lumMod val="65000"/>
+                    <a:lumOff val="35000"/>
+                  </a:schemeClr>
+                </a:solidFill>
+              </a:rPr>
+              <a:t>性</a:t>
+            </a:r>
+            <a:endParaRPr lang="en-US" altLang="zh-CN" dirty="0" smtClean="0">
+              <a:solidFill>
+                <a:schemeClr val="tx1">
+                  <a:lumMod val="65000"/>
+                  <a:lumOff val="35000"/>
+                </a:schemeClr>
+              </a:solidFill>
+            </a:endParaRPr>
+          </a:p>
+          <a:p>
+            <a:pPr>
+              <a:lnSpc>
+                <a:spcPct val="150000"/>
+              </a:lnSpc>
+            </a:pPr>
+            <a:r>
+              <a:rPr lang="en-US" altLang="zh-CN" dirty="0" smtClean="0">
+                <a:solidFill>
+                  <a:schemeClr val="tx1">
+                    <a:lumMod val="65000"/>
+                    <a:lumOff val="35000"/>
+                  </a:schemeClr>
+                </a:solidFill>
+              </a:rPr>
+              <a:t>……</a:t>
+            </a:r>
+            <a:endParaRPr lang="zh-CN" altLang="en-US" dirty="0">
+              <a:solidFill>
+                <a:schemeClr val="tx1">
+                  <a:lumMod val="65000"/>
+                  <a:lumOff val="35000"/>
+                </a:schemeClr>
+              </a:solidFill>
+            </a:endParaRPr>
+          </a:p>
         </p:txBody>
       </p:sp>
     </p:spTree>
+    <p:extLst>
+      <p:ext uri="{BB962C8B-B14F-4D97-AF65-F5344CB8AC3E}">
+        <p14:creationId xmlns:p14="http://schemas.microsoft.com/office/powerpoint/2010/main" val="3591006496"/>
+      </p:ext>
+    </p:extLst>
   </p:cSld>
   <p:clrMapOvr>
     <a:masterClrMapping/>
@@ -5892,53 +6680,42 @@
           <a:chExt cx="0" cy="0"/>
         </a:xfrm>
       </p:grpSpPr>
-      <p:sp>
-        <p:nvSpPr>
-          <p:cNvPr id="4" name="矩形 3"/>
-          <p:cNvSpPr/>
-          <p:nvPr/>
-        </p:nvSpPr>
-        <p:spPr>
-          <a:xfrm>
-            <a:off x="571472" y="1643050"/>
-            <a:ext cx="4405373" cy="369332"/>
-          </a:xfrm>
-          <a:prstGeom prst="rect">
-            <a:avLst/>
-          </a:prstGeom>
-        </p:spPr>
-        <p:txBody>
-          <a:bodyPr wrap="none">
-            <a:spAutoFit/>
-          </a:bodyPr>
-          <a:lstStyle/>
-          <a:p>
-            <a:r>
-              <a:rPr lang="en-US" dirty="0" smtClean="0">
-                <a:hlinkClick r:id="rId2"/>
-              </a:rPr>
-              <a:t>http</a:t>
-            </a:r>
-            <a:r>
-              <a:rPr lang="en-US" dirty="0" smtClean="0">
-                <a:hlinkClick r:id="rId2"/>
-              </a:rPr>
-              <a:t>://www.colorzilla.com/gradient-editor/</a:t>
-            </a:r>
-            <a:endParaRPr lang="zh-CN" altLang="en-US" dirty="0"/>
-          </a:p>
-        </p:txBody>
-      </p:sp>
-      <p:sp>
-        <p:nvSpPr>
-          <p:cNvPr id="5" name="TextBox 4"/>
+      <p:pic>
+        <p:nvPicPr>
+          <p:cNvPr id="3079" name="Picture 7" descr="G:\feng33\素材\5612587261_96845b41ff.jpg"/>
+          <p:cNvPicPr>
+            <a:picLocks noChangeAspect="1" noChangeArrowheads="1"/>
+          </p:cNvPicPr>
+          <p:nvPr/>
+        </p:nvPicPr>
+        <p:blipFill>
+          <a:blip r:embed="rId2"/>
+          <a:srcRect/>
+          <a:stretch>
+            <a:fillRect/>
+          </a:stretch>
+        </p:blipFill>
+        <p:spPr bwMode="auto">
+          <a:xfrm>
+            <a:off x="2643174" y="2017275"/>
+            <a:ext cx="6500826" cy="4840725"/>
+          </a:xfrm>
+          <a:prstGeom prst="rect">
+            <a:avLst/>
+          </a:prstGeom>
+          <a:noFill/>
+        </p:spPr>
+      </p:pic>
+      <p:sp>
+        <p:nvSpPr>
+          <p:cNvPr id="13" name="TextBox 12"/>
           <p:cNvSpPr txBox="1"/>
           <p:nvPr/>
         </p:nvSpPr>
         <p:spPr>
           <a:xfrm>
-            <a:off x="571472" y="1142984"/>
-            <a:ext cx="5423818" cy="400110"/>
+            <a:off x="428596" y="285728"/>
+            <a:ext cx="2970187" cy="707886"/>
           </a:xfrm>
           <a:prstGeom prst="rect">
             <a:avLst/>
@@ -5962,22 +6739,26 @@
           </a:bodyPr>
           <a:lstStyle/>
           <a:p>
-            <a:r>
-              <a:rPr lang="zh-CN" altLang="en-US" sz="2000" dirty="0" smtClean="0">
-                <a:solidFill>
-                  <a:schemeClr val="bg2">
-                    <a:lumMod val="25000"/>
+            <a:pPr>
+              <a:buFont typeface="Wingdings" pitchFamily="2" charset="2"/>
+              <a:buChar char="ü"/>
+            </a:pPr>
+            <a:r>
+              <a:rPr lang="zh-CN" altLang="en-US" sz="4000" dirty="0" smtClean="0">
+                <a:solidFill>
+                  <a:schemeClr val="accent1">
+                    <a:lumMod val="75000"/>
                   </a:schemeClr>
                 </a:solidFill>
                 <a:latin typeface="Adobe 黑体 Std R" pitchFamily="34" charset="-122"/>
                 <a:ea typeface="Adobe 黑体 Std R" pitchFamily="34" charset="-122"/>
               </a:rPr>
-              <a:t>在线生成器</a:t>
-            </a:r>
-            <a:endParaRPr lang="zh-CN" altLang="en-US" sz="2000" dirty="0">
+              <a:t>相关学习</a:t>
+            </a:r>
+            <a:endParaRPr lang="zh-CN" altLang="en-US" sz="4000" dirty="0">
               <a:solidFill>
-                <a:schemeClr val="bg2">
-                  <a:lumMod val="25000"/>
+                <a:schemeClr val="accent1">
+                  <a:lumMod val="75000"/>
                 </a:schemeClr>
               </a:solidFill>
               <a:latin typeface="Adobe 黑体 Std R" pitchFamily="34" charset="-122"/>
@@ -5988,76 +6769,14 @@
       </p:sp>
       <p:sp>
         <p:nvSpPr>
-          <p:cNvPr id="6" name="矩形 5"/>
-          <p:cNvSpPr/>
-          <p:nvPr/>
-        </p:nvSpPr>
-        <p:spPr>
-          <a:xfrm>
-            <a:off x="571472" y="2143116"/>
-            <a:ext cx="2200539" cy="369332"/>
-          </a:xfrm>
-          <a:prstGeom prst="rect">
-            <a:avLst/>
-          </a:prstGeom>
-        </p:spPr>
-        <p:txBody>
-          <a:bodyPr wrap="none">
-            <a:spAutoFit/>
-          </a:bodyPr>
-          <a:lstStyle/>
-          <a:p>
-            <a:r>
-              <a:rPr lang="en-US" dirty="0" smtClean="0">
-                <a:hlinkClick r:id="rId3"/>
-              </a:rPr>
-              <a:t>http://www.css3.me/</a:t>
-            </a:r>
-            <a:endParaRPr lang="zh-CN" altLang="en-US" dirty="0"/>
-          </a:p>
-        </p:txBody>
-      </p:sp>
-      <p:sp>
-        <p:nvSpPr>
-          <p:cNvPr id="7" name="矩形 6"/>
-          <p:cNvSpPr/>
-          <p:nvPr/>
-        </p:nvSpPr>
-        <p:spPr>
-          <a:xfrm>
-            <a:off x="571472" y="2643182"/>
-            <a:ext cx="7500990" cy="369332"/>
-          </a:xfrm>
-          <a:prstGeom prst="rect">
-            <a:avLst/>
-          </a:prstGeom>
-        </p:spPr>
-        <p:txBody>
-          <a:bodyPr wrap="square">
-            <a:spAutoFit/>
-          </a:bodyPr>
-          <a:lstStyle/>
-          <a:p>
-            <a:r>
-              <a:rPr lang="en-US" dirty="0" smtClean="0">
-                <a:hlinkClick r:id="rId4"/>
-              </a:rPr>
-              <a:t>http://www.css3maker.com/css3-animation.html</a:t>
-            </a:r>
-            <a:endParaRPr lang="zh-CN" altLang="en-US" dirty="0"/>
-          </a:p>
-        </p:txBody>
-      </p:sp>
-      <p:sp>
-        <p:nvSpPr>
-          <p:cNvPr id="9" name="TextBox 8"/>
+          <p:cNvPr id="15" name="TextBox 14"/>
           <p:cNvSpPr txBox="1"/>
           <p:nvPr/>
         </p:nvSpPr>
         <p:spPr>
           <a:xfrm>
-            <a:off x="428596" y="285728"/>
-            <a:ext cx="2970187" cy="707886"/>
+            <a:off x="928662" y="1071546"/>
+            <a:ext cx="5423818" cy="400110"/>
           </a:xfrm>
           <a:prstGeom prst="rect">
             <a:avLst/>
@@ -6081,26 +6800,205 @@
           </a:bodyPr>
           <a:lstStyle/>
           <a:p>
-            <a:pPr>
+            <a:pPr marL="342900" indent="-342900">
               <a:buFont typeface="Wingdings" pitchFamily="2" charset="2"/>
               <a:buChar char="ü"/>
             </a:pPr>
             <a:r>
-              <a:rPr lang="zh-CN" altLang="en-US" sz="4000" dirty="0" smtClean="0">
-                <a:solidFill>
-                  <a:schemeClr val="accent1">
-                    <a:lumMod val="75000"/>
+              <a:rPr lang="zh-CN" altLang="en-US" sz="2000" dirty="0" smtClean="0">
+                <a:solidFill>
+                  <a:schemeClr val="bg2">
+                    <a:lumMod val="25000"/>
                   </a:schemeClr>
                 </a:solidFill>
                 <a:latin typeface="Adobe 黑体 Std R" pitchFamily="34" charset="-122"/>
                 <a:ea typeface="Adobe 黑体 Std R" pitchFamily="34" charset="-122"/>
               </a:rPr>
-              <a:t>相关学习</a:t>
-            </a:r>
-            <a:endParaRPr lang="zh-CN" altLang="en-US" sz="4000" dirty="0">
+              <a:t>在线生成器</a:t>
+            </a:r>
+            <a:endParaRPr lang="zh-CN" altLang="en-US" sz="2000" dirty="0">
               <a:solidFill>
-                <a:schemeClr val="accent1">
-                  <a:lumMod val="75000"/>
+                <a:schemeClr val="bg2">
+                  <a:lumMod val="25000"/>
+                </a:schemeClr>
+              </a:solidFill>
+              <a:latin typeface="Adobe 黑体 Std R" pitchFamily="34" charset="-122"/>
+              <a:ea typeface="Adobe 黑体 Std R" pitchFamily="34" charset="-122"/>
+            </a:endParaRPr>
+          </a:p>
+        </p:txBody>
+      </p:sp>
+      <p:sp>
+        <p:nvSpPr>
+          <p:cNvPr id="16" name="TextBox 15"/>
+          <p:cNvSpPr txBox="1"/>
+          <p:nvPr/>
+        </p:nvSpPr>
+        <p:spPr>
+          <a:xfrm>
+            <a:off x="928662" y="1964739"/>
+            <a:ext cx="5423818" cy="400110"/>
+          </a:xfrm>
+          <a:prstGeom prst="rect">
+            <a:avLst/>
+          </a:prstGeom>
+          <a:noFill/>
+          <a:ln>
+            <a:noFill/>
+          </a:ln>
+          <a:effectLst>
+            <a:outerShdw blurRad="50800" dist="38100" dir="2700000" algn="tl" rotWithShape="0">
+              <a:schemeClr val="accent1">
+                <a:lumMod val="50000"/>
+                <a:alpha val="40000"/>
+              </a:schemeClr>
+            </a:outerShdw>
+          </a:effectLst>
+        </p:spPr>
+        <p:txBody>
+          <a:bodyPr wrap="square" rtlCol="0">
+            <a:spAutoFit/>
+          </a:bodyPr>
+          <a:lstStyle/>
+          <a:p>
+            <a:pPr marL="342900" indent="-342900">
+              <a:buFont typeface="Wingdings" pitchFamily="2" charset="2"/>
+              <a:buChar char="ü"/>
+            </a:pPr>
+            <a:r>
+              <a:rPr lang="zh-CN" altLang="en-US" sz="2000" dirty="0" smtClean="0">
+                <a:solidFill>
+                  <a:schemeClr val="bg2">
+                    <a:lumMod val="25000"/>
+                  </a:schemeClr>
+                </a:solidFill>
+                <a:latin typeface="Adobe 黑体 Std R" pitchFamily="34" charset="-122"/>
+                <a:ea typeface="Adobe 黑体 Std R" pitchFamily="34" charset="-122"/>
+              </a:rPr>
+              <a:t>相关技术文档</a:t>
+            </a:r>
+            <a:endParaRPr lang="zh-CN" altLang="en-US" sz="2000" dirty="0">
+              <a:solidFill>
+                <a:schemeClr val="bg2">
+                  <a:lumMod val="25000"/>
+                </a:schemeClr>
+              </a:solidFill>
+              <a:latin typeface="Adobe 黑体 Std R" pitchFamily="34" charset="-122"/>
+              <a:ea typeface="Adobe 黑体 Std R" pitchFamily="34" charset="-122"/>
+            </a:endParaRPr>
+          </a:p>
+        </p:txBody>
+      </p:sp>
+      <p:sp>
+        <p:nvSpPr>
+          <p:cNvPr id="6" name="TextBox 5"/>
+          <p:cNvSpPr txBox="1"/>
+          <p:nvPr/>
+        </p:nvSpPr>
+        <p:spPr>
+          <a:xfrm>
+            <a:off x="928662" y="1518143"/>
+            <a:ext cx="5423818" cy="400110"/>
+          </a:xfrm>
+          <a:prstGeom prst="rect">
+            <a:avLst/>
+          </a:prstGeom>
+          <a:noFill/>
+          <a:ln>
+            <a:noFill/>
+          </a:ln>
+          <a:effectLst>
+            <a:outerShdw blurRad="50800" dist="38100" dir="2700000" algn="tl" rotWithShape="0">
+              <a:schemeClr val="accent1">
+                <a:lumMod val="50000"/>
+                <a:alpha val="40000"/>
+              </a:schemeClr>
+            </a:outerShdw>
+          </a:effectLst>
+        </p:spPr>
+        <p:txBody>
+          <a:bodyPr wrap="square" rtlCol="0">
+            <a:spAutoFit/>
+          </a:bodyPr>
+          <a:lstStyle/>
+          <a:p>
+            <a:pPr marL="342900" indent="-342900">
+              <a:buFont typeface="Wingdings" pitchFamily="2" charset="2"/>
+              <a:buChar char="ü"/>
+            </a:pPr>
+            <a:r>
+              <a:rPr lang="zh-CN" altLang="en-US" sz="2000" dirty="0" smtClean="0">
+                <a:solidFill>
+                  <a:schemeClr val="bg2">
+                    <a:lumMod val="25000"/>
+                  </a:schemeClr>
+                </a:solidFill>
+                <a:latin typeface="Adobe 黑体 Std R" pitchFamily="34" charset="-122"/>
+                <a:ea typeface="Adobe 黑体 Std R" pitchFamily="34" charset="-122"/>
+              </a:rPr>
+              <a:t>查兼容工具</a:t>
+            </a:r>
+            <a:endParaRPr lang="zh-CN" altLang="en-US" sz="2000" dirty="0">
+              <a:solidFill>
+                <a:schemeClr val="bg2">
+                  <a:lumMod val="25000"/>
+                </a:schemeClr>
+              </a:solidFill>
+              <a:latin typeface="Adobe 黑体 Std R" pitchFamily="34" charset="-122"/>
+              <a:ea typeface="Adobe 黑体 Std R" pitchFamily="34" charset="-122"/>
+            </a:endParaRPr>
+          </a:p>
+        </p:txBody>
+      </p:sp>
+      <p:sp>
+        <p:nvSpPr>
+          <p:cNvPr id="7" name="TextBox 6"/>
+          <p:cNvSpPr txBox="1"/>
+          <p:nvPr/>
+        </p:nvSpPr>
+        <p:spPr>
+          <a:xfrm>
+            <a:off x="980500" y="2420888"/>
+            <a:ext cx="5423818" cy="400110"/>
+          </a:xfrm>
+          <a:prstGeom prst="rect">
+            <a:avLst/>
+          </a:prstGeom>
+          <a:noFill/>
+          <a:ln>
+            <a:noFill/>
+          </a:ln>
+          <a:effectLst>
+            <a:outerShdw blurRad="50800" dist="38100" dir="2700000" algn="tl" rotWithShape="0">
+              <a:schemeClr val="accent1">
+                <a:lumMod val="50000"/>
+                <a:alpha val="40000"/>
+              </a:schemeClr>
+            </a:outerShdw>
+          </a:effectLst>
+        </p:spPr>
+        <p:txBody>
+          <a:bodyPr wrap="square" rtlCol="0">
+            <a:spAutoFit/>
+          </a:bodyPr>
+          <a:lstStyle/>
+          <a:p>
+            <a:r>
+              <a:rPr lang="en-US" altLang="zh-CN" sz="2000" dirty="0" smtClean="0">
+                <a:solidFill>
+                  <a:schemeClr val="bg2">
+                    <a:lumMod val="25000"/>
+                  </a:schemeClr>
+                </a:solidFill>
+                <a:latin typeface="Adobe 黑体 Std R" pitchFamily="34" charset="-122"/>
+                <a:ea typeface="Adobe 黑体 Std R" pitchFamily="34" charset="-122"/>
+              </a:rPr>
+              <a:t>……</a:t>
+            </a:r>
+            <a:endParaRPr lang="zh-CN" altLang="en-US" sz="2000" dirty="0">
+              <a:solidFill>
+                <a:schemeClr val="bg2">
+                  <a:lumMod val="25000"/>
                 </a:schemeClr>
               </a:solidFill>
               <a:latin typeface="Adobe 黑体 Std R" pitchFamily="34" charset="-122"/>
@@ -6134,120 +7032,16 @@
           <a:chExt cx="0" cy="0"/>
         </a:xfrm>
       </p:grpSpPr>
-      <p:pic>
-        <p:nvPicPr>
-          <p:cNvPr id="4" name="Picture 3" descr="C:\Users\acer\Desktop\cc.png"/>
-          <p:cNvPicPr>
-            <a:picLocks noChangeAspect="1" noChangeArrowheads="1"/>
-          </p:cNvPicPr>
-          <p:nvPr/>
-        </p:nvPicPr>
-        <p:blipFill>
-          <a:blip r:embed="rId3"/>
-          <a:srcRect/>
-          <a:stretch>
-            <a:fillRect/>
-          </a:stretch>
-        </p:blipFill>
-        <p:spPr bwMode="auto">
-          <a:xfrm>
-            <a:off x="2928926" y="5286388"/>
-            <a:ext cx="1214446" cy="1214446"/>
-          </a:xfrm>
-          <a:prstGeom prst="rect">
-            <a:avLst/>
-          </a:prstGeom>
-          <a:noFill/>
-        </p:spPr>
-      </p:pic>
-      <p:pic>
-        <p:nvPicPr>
-          <p:cNvPr id="5" name="Picture 4" descr="C:\Users\acer\Desktop\cc.png"/>
-          <p:cNvPicPr>
-            <a:picLocks noChangeAspect="1" noChangeArrowheads="1"/>
-          </p:cNvPicPr>
-          <p:nvPr/>
-        </p:nvPicPr>
-        <p:blipFill>
-          <a:blip r:embed="rId4" cstate="print"/>
-          <a:srcRect/>
-          <a:stretch>
-            <a:fillRect/>
-          </a:stretch>
-        </p:blipFill>
-        <p:spPr bwMode="auto">
-          <a:xfrm>
-            <a:off x="500034" y="5143512"/>
-            <a:ext cx="1357322" cy="1357323"/>
-          </a:xfrm>
-          <a:prstGeom prst="rect">
-            <a:avLst/>
-          </a:prstGeom>
-          <a:noFill/>
-        </p:spPr>
-      </p:pic>
-      <p:pic>
-        <p:nvPicPr>
-          <p:cNvPr id="6" name="Picture 5" descr="C:\Users\acer\Desktop\cc.png"/>
-          <p:cNvPicPr>
-            <a:picLocks noChangeAspect="1" noChangeArrowheads="1"/>
-          </p:cNvPicPr>
-          <p:nvPr/>
-        </p:nvPicPr>
-        <p:blipFill>
-          <a:blip r:embed="rId5"/>
-          <a:srcRect/>
-          <a:stretch>
-            <a:fillRect/>
-          </a:stretch>
-        </p:blipFill>
-        <p:spPr bwMode="auto">
-          <a:xfrm>
-            <a:off x="7429520" y="5143512"/>
-            <a:ext cx="1357322" cy="1357322"/>
-          </a:xfrm>
-          <a:prstGeom prst="rect">
-            <a:avLst/>
-          </a:prstGeom>
-          <a:noFill/>
-        </p:spPr>
-      </p:pic>
-      <p:pic>
-        <p:nvPicPr>
-          <p:cNvPr id="7" name="Picture 6" descr="C:\Users\acer\Desktop\cc.jpg"/>
-          <p:cNvPicPr>
-            <a:picLocks noChangeAspect="1" noChangeArrowheads="1"/>
-          </p:cNvPicPr>
-          <p:nvPr/>
-        </p:nvPicPr>
-        <p:blipFill>
-          <a:blip r:embed="rId6"/>
-          <a:srcRect/>
-          <a:stretch>
-            <a:fillRect/>
-          </a:stretch>
-        </p:blipFill>
-        <p:spPr bwMode="auto">
-          <a:xfrm>
-            <a:off x="5143504" y="5072074"/>
-            <a:ext cx="1571636" cy="1571636"/>
-          </a:xfrm>
-          <a:prstGeom prst="rect">
-            <a:avLst/>
-          </a:prstGeom>
-          <a:noFill/>
-        </p:spPr>
-      </p:pic>
-      <p:sp>
-        <p:nvSpPr>
-          <p:cNvPr id="8" name="矩形 7"/>
+      <p:sp>
+        <p:nvSpPr>
+          <p:cNvPr id="4" name="矩形 3"/>
           <p:cNvSpPr/>
           <p:nvPr/>
         </p:nvSpPr>
         <p:spPr>
           <a:xfrm>
-            <a:off x="642926" y="1630908"/>
-            <a:ext cx="2952668" cy="369332"/>
+            <a:off x="571472" y="1643050"/>
+            <a:ext cx="4405373" cy="369332"/>
           </a:xfrm>
           <a:prstGeom prst="rect">
             <a:avLst/>
@@ -6261,9 +7055,9 @@
           <a:p>
             <a:r>
               <a:rPr lang="en-US" dirty="0" smtClean="0">
-                <a:hlinkClick r:id="rId7"/>
-              </a:rPr>
-              <a:t>http://www.webkit.org/blog/</a:t>
+                <a:hlinkClick r:id="rId2"/>
+              </a:rPr>
+              <a:t>http://www.colorzilla.com/gradient-editor/</a:t>
             </a:r>
             <a:endParaRPr lang="zh-CN" altLang="en-US" dirty="0"/>
           </a:p>
@@ -6271,131 +7065,7 @@
       </p:sp>
       <p:sp>
         <p:nvSpPr>
-          <p:cNvPr id="9" name="矩形 8"/>
-          <p:cNvSpPr/>
-          <p:nvPr/>
-        </p:nvSpPr>
-        <p:spPr>
-          <a:xfrm>
-            <a:off x="642926" y="2220272"/>
-            <a:ext cx="6572280" cy="369332"/>
-          </a:xfrm>
-          <a:prstGeom prst="rect">
-            <a:avLst/>
-          </a:prstGeom>
-        </p:spPr>
-        <p:txBody>
-          <a:bodyPr wrap="square">
-            <a:spAutoFit/>
-          </a:bodyPr>
-          <a:lstStyle/>
-          <a:p>
-            <a:r>
-              <a:rPr lang="en-US" dirty="0" smtClean="0">
-                <a:hlinkClick r:id="rId8"/>
-              </a:rPr>
-              <a:t>https://developer.mozilla.org/en/CSS_Reference/Mozilla_Extensions</a:t>
-            </a:r>
-            <a:endParaRPr lang="zh-CN" altLang="en-US" dirty="0"/>
-          </a:p>
-        </p:txBody>
-      </p:sp>
-      <p:sp>
-        <p:nvSpPr>
-          <p:cNvPr id="11" name="矩形 10"/>
-          <p:cNvSpPr/>
-          <p:nvPr/>
-        </p:nvSpPr>
-        <p:spPr>
-          <a:xfrm>
-            <a:off x="642926" y="2809636"/>
-            <a:ext cx="2786082" cy="369332"/>
-          </a:xfrm>
-          <a:prstGeom prst="rect">
-            <a:avLst/>
-          </a:prstGeom>
-        </p:spPr>
-        <p:txBody>
-          <a:bodyPr wrap="square">
-            <a:spAutoFit/>
-          </a:bodyPr>
-          <a:lstStyle/>
-          <a:p>
-            <a:r>
-              <a:rPr lang="en-US" dirty="0" smtClean="0">
-                <a:hlinkClick r:id="rId9"/>
-              </a:rPr>
-              <a:t>http://dev.opera.com/</a:t>
-            </a:r>
-            <a:endParaRPr lang="zh-CN" altLang="en-US" dirty="0"/>
-          </a:p>
-        </p:txBody>
-      </p:sp>
-      <p:sp>
-        <p:nvSpPr>
-          <p:cNvPr id="12" name="矩形 11"/>
-          <p:cNvSpPr/>
-          <p:nvPr/>
-        </p:nvSpPr>
-        <p:spPr>
-          <a:xfrm>
-            <a:off x="642926" y="3399000"/>
-            <a:ext cx="2096921" cy="369332"/>
-          </a:xfrm>
-          <a:prstGeom prst="rect">
-            <a:avLst/>
-          </a:prstGeom>
-        </p:spPr>
-        <p:txBody>
-          <a:bodyPr wrap="none">
-            <a:spAutoFit/>
-          </a:bodyPr>
-          <a:lstStyle/>
-          <a:p>
-            <a:r>
-              <a:rPr lang="en-US" dirty="0" smtClean="0">
-                <a:hlinkClick r:id="rId10"/>
-              </a:rPr>
-              <a:t>http://www.w3.org/</a:t>
-            </a:r>
-            <a:endParaRPr lang="zh-CN" altLang="en-US" dirty="0"/>
-          </a:p>
-        </p:txBody>
-      </p:sp>
-      <p:sp>
-        <p:nvSpPr>
-          <p:cNvPr id="13" name="矩形 12"/>
-          <p:cNvSpPr/>
-          <p:nvPr/>
-        </p:nvSpPr>
-        <p:spPr>
-          <a:xfrm>
-            <a:off x="642926" y="3988362"/>
-            <a:ext cx="2121928" cy="369332"/>
-          </a:xfrm>
-          <a:prstGeom prst="rect">
-            <a:avLst/>
-          </a:prstGeom>
-        </p:spPr>
-        <p:txBody>
-          <a:bodyPr wrap="none">
-            <a:spAutoFit/>
-          </a:bodyPr>
-          <a:lstStyle/>
-          <a:p>
-            <a:r>
-              <a:rPr lang="en-US" dirty="0" smtClean="0">
-                <a:hlinkClick r:id="rId11"/>
-              </a:rPr>
-              <a:t>http://css-tricks.com</a:t>
-            </a:r>
-            <a:endParaRPr lang="zh-CN" altLang="en-US" dirty="0"/>
-          </a:p>
-        </p:txBody>
-      </p:sp>
-      <p:sp>
-        <p:nvSpPr>
-          <p:cNvPr id="18" name="TextBox 17"/>
+          <p:cNvPr id="5" name="TextBox 4"/>
           <p:cNvSpPr txBox="1"/>
           <p:nvPr/>
         </p:nvSpPr>
@@ -6436,7 +7106,7 @@
                 <a:latin typeface="Adobe 黑体 Std R" pitchFamily="34" charset="-122"/>
                 <a:ea typeface="Adobe 黑体 Std R" pitchFamily="34" charset="-122"/>
               </a:rPr>
-              <a:t>相关技术文档</a:t>
+              <a:t>在线生成器</a:t>
             </a:r>
             <a:endParaRPr lang="zh-CN" altLang="en-US" sz="2000" dirty="0">
               <a:solidFill>
@@ -6452,14 +7122,45 @@
       </p:sp>
       <p:sp>
         <p:nvSpPr>
-          <p:cNvPr id="20" name="矩形 19"/>
+          <p:cNvPr id="6" name="矩形 5"/>
           <p:cNvSpPr/>
           <p:nvPr/>
         </p:nvSpPr>
         <p:spPr>
           <a:xfrm>
-            <a:off x="714348" y="4643446"/>
-            <a:ext cx="8215370" cy="369332"/>
+            <a:off x="571472" y="2143116"/>
+            <a:ext cx="2200539" cy="369332"/>
+          </a:xfrm>
+          <a:prstGeom prst="rect">
+            <a:avLst/>
+          </a:prstGeom>
+        </p:spPr>
+        <p:txBody>
+          <a:bodyPr wrap="none">
+            <a:spAutoFit/>
+          </a:bodyPr>
+          <a:lstStyle/>
+          <a:p>
+            <a:r>
+              <a:rPr lang="en-US" dirty="0" smtClean="0">
+                <a:hlinkClick r:id="rId3"/>
+              </a:rPr>
+              <a:t>http://www.css3.me/</a:t>
+            </a:r>
+            <a:endParaRPr lang="zh-CN" altLang="en-US" dirty="0"/>
+          </a:p>
+        </p:txBody>
+      </p:sp>
+      <p:sp>
+        <p:nvSpPr>
+          <p:cNvPr id="7" name="矩形 6"/>
+          <p:cNvSpPr/>
+          <p:nvPr/>
+        </p:nvSpPr>
+        <p:spPr>
+          <a:xfrm>
+            <a:off x="571472" y="2643182"/>
+            <a:ext cx="7500990" cy="369332"/>
           </a:xfrm>
           <a:prstGeom prst="rect">
             <a:avLst/>
@@ -6473,9 +7174,9 @@
           <a:p>
             <a:r>
               <a:rPr lang="en-US" dirty="0" smtClean="0">
-                <a:hlinkClick r:id="rId12"/>
-              </a:rPr>
-              <a:t>http://coding.smashingmagazine.com/2011/03/30/how-to-use-css3-pseudo-classes/</a:t>
+                <a:hlinkClick r:id="rId4"/>
+              </a:rPr>
+              <a:t>http://www.css3maker.com/css3-animation.html</a:t>
             </a:r>
             <a:endParaRPr lang="zh-CN" altLang="en-US" dirty="0"/>
           </a:p>
@@ -6483,7 +7184,7 @@
       </p:sp>
       <p:sp>
         <p:nvSpPr>
-          <p:cNvPr id="21" name="TextBox 20"/>
+          <p:cNvPr id="9" name="TextBox 8"/>
           <p:cNvSpPr txBox="1"/>
           <p:nvPr/>
         </p:nvSpPr>
@@ -6534,6 +7235,106 @@
               <a:solidFill>
                 <a:schemeClr val="accent1">
                   <a:lumMod val="75000"/>
+                </a:schemeClr>
+              </a:solidFill>
+              <a:latin typeface="Adobe 黑体 Std R" pitchFamily="34" charset="-122"/>
+              <a:ea typeface="Adobe 黑体 Std R" pitchFamily="34" charset="-122"/>
+            </a:endParaRPr>
+          </a:p>
+        </p:txBody>
+      </p:sp>
+      <p:sp>
+        <p:nvSpPr>
+          <p:cNvPr id="2" name="矩形 1"/>
+          <p:cNvSpPr/>
+          <p:nvPr/>
+        </p:nvSpPr>
+        <p:spPr>
+          <a:xfrm>
+            <a:off x="598808" y="3717032"/>
+            <a:ext cx="2072427" cy="369332"/>
+          </a:xfrm>
+          <a:prstGeom prst="rect">
+            <a:avLst/>
+          </a:prstGeom>
+        </p:spPr>
+        <p:txBody>
+          <a:bodyPr wrap="none">
+            <a:spAutoFit/>
+          </a:bodyPr>
+          <a:lstStyle/>
+          <a:p>
+            <a:r>
+              <a:rPr lang="en-US" altLang="zh-CN" dirty="0">
+                <a:hlinkClick r:id="rId5"/>
+              </a:rPr>
+              <a:t>http://caniuse.com/</a:t>
+            </a:r>
+            <a:endParaRPr lang="zh-CN" altLang="en-US" dirty="0"/>
+          </a:p>
+        </p:txBody>
+      </p:sp>
+      <p:sp>
+        <p:nvSpPr>
+          <p:cNvPr id="8" name="TextBox 7"/>
+          <p:cNvSpPr txBox="1"/>
+          <p:nvPr/>
+        </p:nvSpPr>
+        <p:spPr>
+          <a:xfrm>
+            <a:off x="539552" y="3212976"/>
+            <a:ext cx="5423818" cy="400110"/>
+          </a:xfrm>
+          <a:prstGeom prst="rect">
+            <a:avLst/>
+          </a:prstGeom>
+          <a:noFill/>
+          <a:ln>
+            <a:noFill/>
+          </a:ln>
+          <a:effectLst>
+            <a:outerShdw blurRad="50800" dist="38100" dir="2700000" algn="tl" rotWithShape="0">
+              <a:schemeClr val="accent1">
+                <a:lumMod val="50000"/>
+                <a:alpha val="40000"/>
+              </a:schemeClr>
+            </a:outerShdw>
+          </a:effectLst>
+        </p:spPr>
+        <p:txBody>
+          <a:bodyPr wrap="square" rtlCol="0">
+            <a:spAutoFit/>
+          </a:bodyPr>
+          <a:lstStyle/>
+          <a:p>
+            <a:r>
+              <a:rPr lang="zh-CN" altLang="en-US" sz="2000" dirty="0" smtClean="0">
+                <a:solidFill>
+                  <a:schemeClr val="bg2">
+                    <a:lumMod val="25000"/>
+                  </a:schemeClr>
+                </a:solidFill>
+                <a:latin typeface="Adobe 黑体 Std R" pitchFamily="34" charset="-122"/>
+                <a:ea typeface="Adobe 黑体 Std R" pitchFamily="34" charset="-122"/>
+              </a:rPr>
+              <a:t>查看支</a:t>
+            </a:r>
+            <a:r>
+              <a:rPr lang="zh-CN" altLang="en-US" sz="2000" dirty="0">
+                <a:solidFill>
+                  <a:schemeClr val="bg2">
+                    <a:lumMod val="25000"/>
+                  </a:schemeClr>
+                </a:solidFill>
+                <a:latin typeface="Adobe 黑体 Std R" pitchFamily="34" charset="-122"/>
+                <a:ea typeface="Adobe 黑体 Std R" pitchFamily="34" charset="-122"/>
+              </a:rPr>
+              <a:t>持</a:t>
+            </a:r>
+            <a:endParaRPr lang="zh-CN" altLang="en-US" sz="2000" dirty="0">
+              <a:solidFill>
+                <a:schemeClr val="bg2">
+                  <a:lumMod val="25000"/>
                 </a:schemeClr>
               </a:solidFill>
               <a:latin typeface="Adobe 黑体 Std R" pitchFamily="34" charset="-122"/>
@@ -7017,6 +7818,439 @@
 </file>
 
 <file path=ppt/slides/slide20.xml><?xml version="1.0" encoding="utf-8"?>
+<p:sld xmlns:a="http://schemas.openxmlformats.org/drawingml/2006/main" xmlns:r="http://schemas.openxmlformats.org/officeDocument/2006/relationships" xmlns:p="http://schemas.openxmlformats.org/presentationml/2006/main">
+  <p:cSld>
+    <p:spTree>
+      <p:nvGrpSpPr>
+        <p:cNvPr id="1" name=""/>
+        <p:cNvGrpSpPr/>
+        <p:nvPr/>
+      </p:nvGrpSpPr>
+      <p:grpSpPr>
+        <a:xfrm>
+          <a:off x="0" y="0"/>
+          <a:ext cx="0" cy="0"/>
+          <a:chOff x="0" y="0"/>
+          <a:chExt cx="0" cy="0"/>
+        </a:xfrm>
+      </p:grpSpPr>
+      <p:pic>
+        <p:nvPicPr>
+          <p:cNvPr id="4" name="Picture 3" descr="C:\Users\acer\Desktop\cc.png"/>
+          <p:cNvPicPr>
+            <a:picLocks noChangeAspect="1" noChangeArrowheads="1"/>
+          </p:cNvPicPr>
+          <p:nvPr/>
+        </p:nvPicPr>
+        <p:blipFill>
+          <a:blip r:embed="rId3"/>
+          <a:srcRect/>
+          <a:stretch>
+            <a:fillRect/>
+          </a:stretch>
+        </p:blipFill>
+        <p:spPr bwMode="auto">
+          <a:xfrm>
+            <a:off x="2928926" y="5286388"/>
+            <a:ext cx="1214446" cy="1214446"/>
+          </a:xfrm>
+          <a:prstGeom prst="rect">
+            <a:avLst/>
+          </a:prstGeom>
+          <a:noFill/>
+        </p:spPr>
+      </p:pic>
+      <p:pic>
+        <p:nvPicPr>
+          <p:cNvPr id="5" name="Picture 4" descr="C:\Users\acer\Desktop\cc.png"/>
+          <p:cNvPicPr>
+            <a:picLocks noChangeAspect="1" noChangeArrowheads="1"/>
+          </p:cNvPicPr>
+          <p:nvPr/>
+        </p:nvPicPr>
+        <p:blipFill>
+          <a:blip r:embed="rId4" cstate="print"/>
+          <a:srcRect/>
+          <a:stretch>
+            <a:fillRect/>
+          </a:stretch>
+        </p:blipFill>
+        <p:spPr bwMode="auto">
+          <a:xfrm>
+            <a:off x="500034" y="5143512"/>
+            <a:ext cx="1357322" cy="1357323"/>
+          </a:xfrm>
+          <a:prstGeom prst="rect">
+            <a:avLst/>
+          </a:prstGeom>
+          <a:noFill/>
+        </p:spPr>
+      </p:pic>
+      <p:pic>
+        <p:nvPicPr>
+          <p:cNvPr id="6" name="Picture 5" descr="C:\Users\acer\Desktop\cc.png"/>
+          <p:cNvPicPr>
+            <a:picLocks noChangeAspect="1" noChangeArrowheads="1"/>
+          </p:cNvPicPr>
+          <p:nvPr/>
+        </p:nvPicPr>
+        <p:blipFill>
+          <a:blip r:embed="rId5"/>
+          <a:srcRect/>
+          <a:stretch>
+            <a:fillRect/>
+          </a:stretch>
+        </p:blipFill>
+        <p:spPr bwMode="auto">
+          <a:xfrm>
+            <a:off x="7429520" y="5143512"/>
+            <a:ext cx="1357322" cy="1357322"/>
+          </a:xfrm>
+          <a:prstGeom prst="rect">
+            <a:avLst/>
+          </a:prstGeom>
+          <a:noFill/>
+        </p:spPr>
+      </p:pic>
+      <p:pic>
+        <p:nvPicPr>
+          <p:cNvPr id="7" name="Picture 6" descr="C:\Users\acer\Desktop\cc.jpg"/>
+          <p:cNvPicPr>
+            <a:picLocks noChangeAspect="1" noChangeArrowheads="1"/>
+          </p:cNvPicPr>
+          <p:nvPr/>
+        </p:nvPicPr>
+        <p:blipFill>
+          <a:blip r:embed="rId6"/>
+          <a:srcRect/>
+          <a:stretch>
+            <a:fillRect/>
+          </a:stretch>
+        </p:blipFill>
+        <p:spPr bwMode="auto">
+          <a:xfrm>
+            <a:off x="5143504" y="5072074"/>
+            <a:ext cx="1571636" cy="1571636"/>
+          </a:xfrm>
+          <a:prstGeom prst="rect">
+            <a:avLst/>
+          </a:prstGeom>
+          <a:noFill/>
+        </p:spPr>
+      </p:pic>
+      <p:sp>
+        <p:nvSpPr>
+          <p:cNvPr id="8" name="矩形 7"/>
+          <p:cNvSpPr/>
+          <p:nvPr/>
+        </p:nvSpPr>
+        <p:spPr>
+          <a:xfrm>
+            <a:off x="642926" y="1630908"/>
+            <a:ext cx="2952668" cy="369332"/>
+          </a:xfrm>
+          <a:prstGeom prst="rect">
+            <a:avLst/>
+          </a:prstGeom>
+        </p:spPr>
+        <p:txBody>
+          <a:bodyPr wrap="none">
+            <a:spAutoFit/>
+          </a:bodyPr>
+          <a:lstStyle/>
+          <a:p>
+            <a:r>
+              <a:rPr lang="en-US" dirty="0" smtClean="0">
+                <a:hlinkClick r:id="rId7"/>
+              </a:rPr>
+              <a:t>http://www.webkit.org/blog/</a:t>
+            </a:r>
+            <a:endParaRPr lang="zh-CN" altLang="en-US" dirty="0"/>
+          </a:p>
+        </p:txBody>
+      </p:sp>
+      <p:sp>
+        <p:nvSpPr>
+          <p:cNvPr id="9" name="矩形 8"/>
+          <p:cNvSpPr/>
+          <p:nvPr/>
+        </p:nvSpPr>
+        <p:spPr>
+          <a:xfrm>
+            <a:off x="642926" y="2220272"/>
+            <a:ext cx="6572280" cy="369332"/>
+          </a:xfrm>
+          <a:prstGeom prst="rect">
+            <a:avLst/>
+          </a:prstGeom>
+        </p:spPr>
+        <p:txBody>
+          <a:bodyPr wrap="square">
+            <a:spAutoFit/>
+          </a:bodyPr>
+          <a:lstStyle/>
+          <a:p>
+            <a:r>
+              <a:rPr lang="en-US" dirty="0" smtClean="0">
+                <a:hlinkClick r:id="rId8"/>
+              </a:rPr>
+              <a:t>https://developer.mozilla.org/en/CSS_Reference/Mozilla_Extensions</a:t>
+            </a:r>
+            <a:endParaRPr lang="zh-CN" altLang="en-US" dirty="0"/>
+          </a:p>
+        </p:txBody>
+      </p:sp>
+      <p:sp>
+        <p:nvSpPr>
+          <p:cNvPr id="11" name="矩形 10"/>
+          <p:cNvSpPr/>
+          <p:nvPr/>
+        </p:nvSpPr>
+        <p:spPr>
+          <a:xfrm>
+            <a:off x="642926" y="2809636"/>
+            <a:ext cx="2786082" cy="369332"/>
+          </a:xfrm>
+          <a:prstGeom prst="rect">
+            <a:avLst/>
+          </a:prstGeom>
+        </p:spPr>
+        <p:txBody>
+          <a:bodyPr wrap="square">
+            <a:spAutoFit/>
+          </a:bodyPr>
+          <a:lstStyle/>
+          <a:p>
+            <a:r>
+              <a:rPr lang="en-US" dirty="0" smtClean="0">
+                <a:hlinkClick r:id="rId9"/>
+              </a:rPr>
+              <a:t>http://dev.opera.com/</a:t>
+            </a:r>
+            <a:endParaRPr lang="zh-CN" altLang="en-US" dirty="0"/>
+          </a:p>
+        </p:txBody>
+      </p:sp>
+      <p:sp>
+        <p:nvSpPr>
+          <p:cNvPr id="12" name="矩形 11"/>
+          <p:cNvSpPr/>
+          <p:nvPr/>
+        </p:nvSpPr>
+        <p:spPr>
+          <a:xfrm>
+            <a:off x="642926" y="3399000"/>
+            <a:ext cx="2096921" cy="369332"/>
+          </a:xfrm>
+          <a:prstGeom prst="rect">
+            <a:avLst/>
+          </a:prstGeom>
+        </p:spPr>
+        <p:txBody>
+          <a:bodyPr wrap="none">
+            <a:spAutoFit/>
+          </a:bodyPr>
+          <a:lstStyle/>
+          <a:p>
+            <a:r>
+              <a:rPr lang="en-US" dirty="0" smtClean="0">
+                <a:hlinkClick r:id="rId10"/>
+              </a:rPr>
+              <a:t>http://www.w3.org/</a:t>
+            </a:r>
+            <a:endParaRPr lang="zh-CN" altLang="en-US" dirty="0"/>
+          </a:p>
+        </p:txBody>
+      </p:sp>
+      <p:sp>
+        <p:nvSpPr>
+          <p:cNvPr id="13" name="矩形 12"/>
+          <p:cNvSpPr/>
+          <p:nvPr/>
+        </p:nvSpPr>
+        <p:spPr>
+          <a:xfrm>
+            <a:off x="642926" y="3988362"/>
+            <a:ext cx="2121928" cy="369332"/>
+          </a:xfrm>
+          <a:prstGeom prst="rect">
+            <a:avLst/>
+          </a:prstGeom>
+        </p:spPr>
+        <p:txBody>
+          <a:bodyPr wrap="none">
+            <a:spAutoFit/>
+          </a:bodyPr>
+          <a:lstStyle/>
+          <a:p>
+            <a:r>
+              <a:rPr lang="en-US" dirty="0" smtClean="0">
+                <a:hlinkClick r:id="rId11"/>
+              </a:rPr>
+              <a:t>http://css-tricks.com</a:t>
+            </a:r>
+            <a:endParaRPr lang="zh-CN" altLang="en-US" dirty="0"/>
+          </a:p>
+        </p:txBody>
+      </p:sp>
+      <p:sp>
+        <p:nvSpPr>
+          <p:cNvPr id="18" name="TextBox 17"/>
+          <p:cNvSpPr txBox="1"/>
+          <p:nvPr/>
+        </p:nvSpPr>
+        <p:spPr>
+          <a:xfrm>
+            <a:off x="571472" y="1142984"/>
+            <a:ext cx="5423818" cy="400110"/>
+          </a:xfrm>
+          <a:prstGeom prst="rect">
+            <a:avLst/>
+          </a:prstGeom>
+          <a:noFill/>
+          <a:ln>
+            <a:noFill/>
+          </a:ln>
+          <a:effectLst>
+            <a:outerShdw blurRad="50800" dist="38100" dir="2700000" algn="tl" rotWithShape="0">
+              <a:schemeClr val="accent1">
+                <a:lumMod val="50000"/>
+                <a:alpha val="40000"/>
+              </a:schemeClr>
+            </a:outerShdw>
+          </a:effectLst>
+        </p:spPr>
+        <p:txBody>
+          <a:bodyPr wrap="square" rtlCol="0">
+            <a:spAutoFit/>
+          </a:bodyPr>
+          <a:lstStyle/>
+          <a:p>
+            <a:r>
+              <a:rPr lang="zh-CN" altLang="en-US" sz="2000" dirty="0" smtClean="0">
+                <a:solidFill>
+                  <a:schemeClr val="bg2">
+                    <a:lumMod val="25000"/>
+                  </a:schemeClr>
+                </a:solidFill>
+                <a:latin typeface="Adobe 黑体 Std R" pitchFamily="34" charset="-122"/>
+                <a:ea typeface="Adobe 黑体 Std R" pitchFamily="34" charset="-122"/>
+              </a:rPr>
+              <a:t>相关技术文档</a:t>
+            </a:r>
+            <a:endParaRPr lang="zh-CN" altLang="en-US" sz="2000" dirty="0">
+              <a:solidFill>
+                <a:schemeClr val="bg2">
+                  <a:lumMod val="25000"/>
+                </a:schemeClr>
+              </a:solidFill>
+              <a:latin typeface="Adobe 黑体 Std R" pitchFamily="34" charset="-122"/>
+              <a:ea typeface="Adobe 黑体 Std R" pitchFamily="34" charset="-122"/>
+            </a:endParaRPr>
+          </a:p>
+        </p:txBody>
+      </p:sp>
+      <p:sp>
+        <p:nvSpPr>
+          <p:cNvPr id="20" name="矩形 19"/>
+          <p:cNvSpPr/>
+          <p:nvPr/>
+        </p:nvSpPr>
+        <p:spPr>
+          <a:xfrm>
+            <a:off x="714348" y="4643446"/>
+            <a:ext cx="8215370" cy="369332"/>
+          </a:xfrm>
+          <a:prstGeom prst="rect">
+            <a:avLst/>
+          </a:prstGeom>
+        </p:spPr>
+        <p:txBody>
+          <a:bodyPr wrap="square">
+            <a:spAutoFit/>
+          </a:bodyPr>
+          <a:lstStyle/>
+          <a:p>
+            <a:r>
+              <a:rPr lang="en-US" dirty="0" smtClean="0">
+                <a:hlinkClick r:id="rId12"/>
+              </a:rPr>
+              <a:t>http://coding.smashingmagazine.com/2011/03/30/how-to-use-css3-pseudo-classes/</a:t>
+            </a:r>
+            <a:endParaRPr lang="zh-CN" altLang="en-US" dirty="0"/>
+          </a:p>
+        </p:txBody>
+      </p:sp>
+      <p:sp>
+        <p:nvSpPr>
+          <p:cNvPr id="21" name="TextBox 20"/>
+          <p:cNvSpPr txBox="1"/>
+          <p:nvPr/>
+        </p:nvSpPr>
+        <p:spPr>
+          <a:xfrm>
+            <a:off x="428596" y="285728"/>
+            <a:ext cx="2970187" cy="707886"/>
+          </a:xfrm>
+          <a:prstGeom prst="rect">
+            <a:avLst/>
+          </a:prstGeom>
+          <a:noFill/>
+          <a:ln>
+            <a:noFill/>
+          </a:ln>
+          <a:effectLst>
+            <a:outerShdw blurRad="50800" dist="38100" dir="2700000" algn="tl" rotWithShape="0">
+              <a:schemeClr val="accent1">
+                <a:lumMod val="50000"/>
+                <a:alpha val="40000"/>
+              </a:schemeClr>
+            </a:outerShdw>
+          </a:effectLst>
+        </p:spPr>
+        <p:txBody>
+          <a:bodyPr wrap="square" rtlCol="0">
+            <a:spAutoFit/>
+          </a:bodyPr>
+          <a:lstStyle/>
+          <a:p>
+            <a:pPr>
+              <a:buFont typeface="Wingdings" pitchFamily="2" charset="2"/>
+              <a:buChar char="ü"/>
+            </a:pPr>
+            <a:r>
+              <a:rPr lang="zh-CN" altLang="en-US" sz="4000" dirty="0" smtClean="0">
+                <a:solidFill>
+                  <a:schemeClr val="accent1">
+                    <a:lumMod val="75000"/>
+                  </a:schemeClr>
+                </a:solidFill>
+                <a:latin typeface="Adobe 黑体 Std R" pitchFamily="34" charset="-122"/>
+                <a:ea typeface="Adobe 黑体 Std R" pitchFamily="34" charset="-122"/>
+              </a:rPr>
+              <a:t>相关学习</a:t>
+            </a:r>
+            <a:endParaRPr lang="zh-CN" altLang="en-US" sz="4000" dirty="0">
+              <a:solidFill>
+                <a:schemeClr val="accent1">
+                  <a:lumMod val="75000"/>
+                </a:schemeClr>
+              </a:solidFill>
+              <a:latin typeface="Adobe 黑体 Std R" pitchFamily="34" charset="-122"/>
+              <a:ea typeface="Adobe 黑体 Std R" pitchFamily="34" charset="-122"/>
+            </a:endParaRPr>
+          </a:p>
+        </p:txBody>
+      </p:sp>
+    </p:spTree>
+  </p:cSld>
+  <p:clrMapOvr>
+    <a:masterClrMapping/>
+  </p:clrMapOvr>
+</p:sld>
+</file>
+
+<file path=ppt/slides/slide21.xml><?xml version="1.0" encoding="utf-8"?>
 <p:sld xmlns:a="http://schemas.openxmlformats.org/drawingml/2006/main" xmlns:r="http://schemas.openxmlformats.org/officeDocument/2006/relationships" xmlns:p="http://schemas.openxmlformats.org/presentationml/2006/main">
   <p:cSld>
     <p:spTree>
@@ -7914,16 +9148,6 @@
                 </a:rPr>
                 <a:t>  Animations</a:t>
               </a:r>
-              <a:endParaRPr lang="en-US" dirty="0" smtClean="0">
-                <a:solidFill>
-                  <a:schemeClr val="accent2">
-                    <a:lumMod val="50000"/>
-                  </a:schemeClr>
-                </a:solidFill>
-                <a:latin typeface="Tahoma" pitchFamily="34" charset="0"/>
-                <a:ea typeface="Tahoma" pitchFamily="34" charset="0"/>
-                <a:cs typeface="Tahoma" pitchFamily="34" charset="0"/>
-              </a:endParaRPr>
             </a:p>
           </p:txBody>
         </p:sp>
@@ -8374,20 +9598,7 @@
                   <a:ea typeface="Tahoma" pitchFamily="34" charset="0"/>
                   <a:cs typeface="Tahoma" pitchFamily="34" charset="0"/>
                 </a:rPr>
-                <a:t>background-size</a:t>
-              </a:r>
-              <a:r>
-                <a:rPr lang="en-US" dirty="0" smtClean="0">
-                  <a:solidFill>
-                    <a:schemeClr val="accent2">
-                      <a:lumMod val="50000"/>
-                    </a:schemeClr>
-                  </a:solidFill>
-                  <a:latin typeface="Tahoma" pitchFamily="34" charset="0"/>
-                  <a:ea typeface="Tahoma" pitchFamily="34" charset="0"/>
-                  <a:cs typeface="Tahoma" pitchFamily="34" charset="0"/>
-                </a:rPr>
-                <a:t> </a:t>
+                <a:t>background-size </a:t>
               </a:r>
             </a:p>
           </p:txBody>
@@ -8424,20 +9635,7 @@
                   <a:ea typeface="Tahoma" pitchFamily="34" charset="0"/>
                   <a:cs typeface="Tahoma" pitchFamily="34" charset="0"/>
                 </a:rPr>
-                <a:t> </a:t>
-              </a:r>
-              <a:r>
-                <a:rPr lang="en-US" dirty="0" smtClean="0">
-                  <a:solidFill>
-                    <a:schemeClr val="accent2">
-                      <a:lumMod val="50000"/>
-                    </a:schemeClr>
-                  </a:solidFill>
-                  <a:latin typeface="Tahoma" pitchFamily="34" charset="0"/>
-                  <a:ea typeface="Tahoma" pitchFamily="34" charset="0"/>
-                  <a:cs typeface="Tahoma" pitchFamily="34" charset="0"/>
-                </a:rPr>
-                <a:t>background-clip</a:t>
+                <a:t> background-clip</a:t>
               </a:r>
               <a:endParaRPr lang="zh-CN" altLang="en-US" dirty="0" smtClean="0">
                 <a:solidFill>
@@ -8484,20 +9682,7 @@
                   <a:ea typeface="Tahoma" pitchFamily="34" charset="0"/>
                   <a:cs typeface="Tahoma" pitchFamily="34" charset="0"/>
                 </a:rPr>
-                <a:t>Multiple </a:t>
-              </a:r>
-              <a:r>
-                <a:rPr lang="en-US" dirty="0" smtClean="0">
-                  <a:solidFill>
-                    <a:schemeClr val="accent2">
-                      <a:lumMod val="50000"/>
-                    </a:schemeClr>
-                  </a:solidFill>
-                  <a:latin typeface="Tahoma" pitchFamily="34" charset="0"/>
-                  <a:ea typeface="Tahoma" pitchFamily="34" charset="0"/>
-                  <a:cs typeface="Tahoma" pitchFamily="34" charset="0"/>
-                </a:rPr>
-                <a:t>backgrounds</a:t>
+                <a:t>Multiple backgrounds</a:t>
               </a:r>
             </a:p>
           </p:txBody>
@@ -9476,19 +10661,7 @@
                 <a:latin typeface="Adobe 黑体 Std R" pitchFamily="34" charset="-122"/>
                 <a:ea typeface="Adobe 黑体 Std R" pitchFamily="34" charset="-122"/>
               </a:rPr>
-              <a:t>Speech </a:t>
-            </a:r>
-            <a:r>
-              <a:rPr lang="en-US" altLang="zh-CN" sz="2000" dirty="0" smtClean="0">
-                <a:solidFill>
-                  <a:schemeClr val="bg2">
-                    <a:lumMod val="25000"/>
-                  </a:schemeClr>
-                </a:solidFill>
-                <a:latin typeface="Adobe 黑体 Std R" pitchFamily="34" charset="-122"/>
-                <a:ea typeface="Adobe 黑体 Std R" pitchFamily="34" charset="-122"/>
-              </a:rPr>
-              <a:t>Bubbles</a:t>
+              <a:t>Speech Bubbles</a:t>
             </a:r>
             <a:endParaRPr lang="zh-CN" altLang="en-US" sz="2000" dirty="0" smtClean="0">
               <a:solidFill>
@@ -9707,8 +10880,8 @@
         </p:blipFill>
         <p:spPr bwMode="auto">
           <a:xfrm>
-            <a:off x="428596" y="3214686"/>
-            <a:ext cx="5214974" cy="3358126"/>
+            <a:off x="352476" y="3214686"/>
+            <a:ext cx="4582138" cy="2950618"/>
           </a:xfrm>
           <a:prstGeom prst="rect">
             <a:avLst/>
@@ -9790,7 +10963,7 @@
           <a:lstStyle/>
           <a:p>
             <a:r>
-              <a:rPr lang="zh-CN" altLang="en-US" sz="2000" smtClean="0">
+              <a:rPr lang="zh-CN" altLang="en-US" sz="2000" dirty="0" smtClean="0">
                 <a:solidFill>
                   <a:schemeClr val="bg2">
                     <a:lumMod val="25000"/>
@@ -10051,29 +11224,8 @@
                 <a:latin typeface="Adobe 黑体 Std R" pitchFamily="34" charset="-122"/>
                 <a:ea typeface="Adobe 黑体 Std R" pitchFamily="34" charset="-122"/>
               </a:rPr>
-              <a:t>文</a:t>
-            </a:r>
-            <a:r>
-              <a:rPr lang="zh-CN" altLang="en-US" sz="2000" dirty="0" smtClean="0">
-                <a:solidFill>
-                  <a:schemeClr val="bg2">
-                    <a:lumMod val="25000"/>
-                  </a:schemeClr>
-                </a:solidFill>
-                <a:latin typeface="Adobe 黑体 Std R" pitchFamily="34" charset="-122"/>
-                <a:ea typeface="Adobe 黑体 Std R" pitchFamily="34" charset="-122"/>
-              </a:rPr>
-              <a:t>字布局上</a:t>
-            </a:r>
-            <a:endParaRPr lang="zh-CN" altLang="en-US" sz="2000" dirty="0" smtClean="0">
-              <a:solidFill>
-                <a:schemeClr val="bg2">
-                  <a:lumMod val="25000"/>
-                </a:schemeClr>
-              </a:solidFill>
-              <a:latin typeface="Adobe 黑体 Std R" pitchFamily="34" charset="-122"/>
-              <a:ea typeface="Adobe 黑体 Std R" pitchFamily="34" charset="-122"/>
-            </a:endParaRPr>
+              <a:t>文字布局上</a:t>
+            </a:r>
           </a:p>
         </p:txBody>
       </p:sp>
@@ -10381,15 +11533,6 @@
               </a:rPr>
               <a:t>伪类</a:t>
             </a:r>
-            <a:endParaRPr lang="zh-CN" altLang="en-US" sz="2000" dirty="0" smtClean="0">
-              <a:solidFill>
-                <a:schemeClr val="bg2">
-                  <a:lumMod val="25000"/>
-                </a:schemeClr>
-              </a:solidFill>
-              <a:latin typeface="Adobe 黑体 Std R" pitchFamily="34" charset="-122"/>
-              <a:ea typeface="Adobe 黑体 Std R" pitchFamily="34" charset="-122"/>
-            </a:endParaRPr>
           </a:p>
         </p:txBody>
       </p:sp>

--- a/ppt/css3知多少2011-06-23.pptx
+++ b/ppt/css3知多少2011-06-23.pptx
@@ -5,7 +5,7 @@
     <p:sldMasterId id="2147483648" r:id="rId1"/>
   </p:sldMasterIdLst>
   <p:notesMasterIdLst>
-    <p:notesMasterId r:id="rId23"/>
+    <p:notesMasterId r:id="rId24"/>
   </p:notesMasterIdLst>
   <p:sldIdLst>
     <p:sldId id="256" r:id="rId2"/>
@@ -24,11 +24,12 @@
     <p:sldId id="280" r:id="rId15"/>
     <p:sldId id="281" r:id="rId16"/>
     <p:sldId id="272" r:id="rId17"/>
-    <p:sldId id="279" r:id="rId18"/>
-    <p:sldId id="259" r:id="rId19"/>
-    <p:sldId id="271" r:id="rId20"/>
-    <p:sldId id="260" r:id="rId21"/>
-    <p:sldId id="273" r:id="rId22"/>
+    <p:sldId id="282" r:id="rId18"/>
+    <p:sldId id="279" r:id="rId19"/>
+    <p:sldId id="259" r:id="rId20"/>
+    <p:sldId id="271" r:id="rId21"/>
+    <p:sldId id="260" r:id="rId22"/>
+    <p:sldId id="273" r:id="rId23"/>
   </p:sldIdLst>
   <p:sldSz cx="9144000" cy="6858000" type="screen4x3"/>
   <p:notesSz cx="6858000" cy="9144000"/>
@@ -630,7 +631,7 @@
           <a:p>
             <a:fld id="{05C8355F-6D2B-48F8-9668-86D49055AC13}" type="slidenum">
               <a:rPr lang="zh-CN" altLang="en-US" smtClean="0"/>
-              <a:t>20</a:t>
+              <a:t>21</a:t>
             </a:fld>
             <a:endParaRPr lang="zh-CN" altLang="en-US"/>
           </a:p>
@@ -6281,7 +6282,7 @@
       </p:grpSpPr>
       <p:sp>
         <p:nvSpPr>
-          <p:cNvPr id="6" name="TextBox 5"/>
+          <p:cNvPr id="4" name="TextBox 3"/>
           <p:cNvSpPr txBox="1"/>
           <p:nvPr/>
         </p:nvSpPr>
@@ -6342,7 +6343,7 @@
       </p:sp>
       <p:sp>
         <p:nvSpPr>
-          <p:cNvPr id="7" name="TextBox 6"/>
+          <p:cNvPr id="5" name="TextBox 4"/>
           <p:cNvSpPr txBox="1"/>
           <p:nvPr/>
         </p:nvSpPr>
@@ -6447,7 +6448,7 @@
       </p:sp>
       <p:sp>
         <p:nvSpPr>
-          <p:cNvPr id="8" name="TextBox 7"/>
+          <p:cNvPr id="6" name="TextBox 5"/>
           <p:cNvSpPr txBox="1"/>
           <p:nvPr/>
         </p:nvSpPr>
@@ -6653,7 +6654,7 @@
     </p:spTree>
     <p:extLst>
       <p:ext uri="{BB962C8B-B14F-4D97-AF65-F5344CB8AC3E}">
-        <p14:creationId xmlns:p14="http://schemas.microsoft.com/office/powerpoint/2010/main" val="3591006496"/>
+        <p14:creationId xmlns:p14="http://schemas.microsoft.com/office/powerpoint/2010/main" val="2703783133"/>
       </p:ext>
     </p:extLst>
   </p:cSld>
@@ -6680,35 +6681,9 @@
           <a:chExt cx="0" cy="0"/>
         </a:xfrm>
       </p:grpSpPr>
-      <p:pic>
-        <p:nvPicPr>
-          <p:cNvPr id="3079" name="Picture 7" descr="G:\feng33\素材\5612587261_96845b41ff.jpg"/>
-          <p:cNvPicPr>
-            <a:picLocks noChangeAspect="1" noChangeArrowheads="1"/>
-          </p:cNvPicPr>
-          <p:nvPr/>
-        </p:nvPicPr>
-        <p:blipFill>
-          <a:blip r:embed="rId2"/>
-          <a:srcRect/>
-          <a:stretch>
-            <a:fillRect/>
-          </a:stretch>
-        </p:blipFill>
-        <p:spPr bwMode="auto">
-          <a:xfrm>
-            <a:off x="2643174" y="2017275"/>
-            <a:ext cx="6500826" cy="4840725"/>
-          </a:xfrm>
-          <a:prstGeom prst="rect">
-            <a:avLst/>
-          </a:prstGeom>
-          <a:noFill/>
-        </p:spPr>
-      </p:pic>
-      <p:sp>
-        <p:nvSpPr>
-          <p:cNvPr id="13" name="TextBox 12"/>
+      <p:sp>
+        <p:nvSpPr>
+          <p:cNvPr id="6" name="TextBox 5"/>
           <p:cNvSpPr txBox="1"/>
           <p:nvPr/>
         </p:nvSpPr>
@@ -6753,7 +6728,7 @@
                 <a:latin typeface="Adobe 黑体 Std R" pitchFamily="34" charset="-122"/>
                 <a:ea typeface="Adobe 黑体 Std R" pitchFamily="34" charset="-122"/>
               </a:rPr>
-              <a:t>相关学习</a:t>
+              <a:t>如何应用</a:t>
             </a:r>
             <a:endParaRPr lang="zh-CN" altLang="en-US" sz="4000" dirty="0">
               <a:solidFill>
@@ -6769,13 +6744,13 @@
       </p:sp>
       <p:sp>
         <p:nvSpPr>
-          <p:cNvPr id="15" name="TextBox 14"/>
+          <p:cNvPr id="7" name="TextBox 6"/>
           <p:cNvSpPr txBox="1"/>
           <p:nvPr/>
         </p:nvSpPr>
         <p:spPr>
           <a:xfrm>
-            <a:off x="928662" y="1071546"/>
+            <a:off x="928662" y="1000108"/>
             <a:ext cx="5423818" cy="400110"/>
           </a:xfrm>
           <a:prstGeom prst="rect">
@@ -6800,12 +6775,8 @@
           </a:bodyPr>
           <a:lstStyle/>
           <a:p>
-            <a:pPr marL="342900" indent="-342900">
-              <a:buFont typeface="Wingdings" pitchFamily="2" charset="2"/>
-              <a:buChar char="ü"/>
-            </a:pPr>
-            <a:r>
-              <a:rPr lang="zh-CN" altLang="en-US" sz="2000" dirty="0" smtClean="0">
+            <a:r>
+              <a:rPr lang="zh-CN" altLang="en-US" sz="2000" dirty="0">
                 <a:solidFill>
                   <a:schemeClr val="bg2">
                     <a:lumMod val="25000"/>
@@ -6814,7 +6785,7 @@
                 <a:latin typeface="Adobe 黑体 Std R" pitchFamily="34" charset="-122"/>
                 <a:ea typeface="Adobe 黑体 Std R" pitchFamily="34" charset="-122"/>
               </a:rPr>
-              <a:t>在线生成器</a:t>
+              <a:t>应用的载体</a:t>
             </a:r>
             <a:endParaRPr lang="zh-CN" altLang="en-US" sz="2000" dirty="0">
               <a:solidFill>
@@ -6830,30 +6801,19 @@
       </p:sp>
       <p:sp>
         <p:nvSpPr>
-          <p:cNvPr id="16" name="TextBox 15"/>
+          <p:cNvPr id="8" name="TextBox 7"/>
           <p:cNvSpPr txBox="1"/>
           <p:nvPr/>
         </p:nvSpPr>
         <p:spPr>
           <a:xfrm>
-            <a:off x="928662" y="1964739"/>
-            <a:ext cx="5423818" cy="400110"/>
+            <a:off x="1043608" y="1556792"/>
+            <a:ext cx="5929354" cy="2169825"/>
           </a:xfrm>
           <a:prstGeom prst="rect">
             <a:avLst/>
           </a:prstGeom>
           <a:noFill/>
-          <a:ln>
-            <a:noFill/>
-          </a:ln>
-          <a:effectLst>
-            <a:outerShdw blurRad="50800" dist="38100" dir="2700000" algn="tl" rotWithShape="0">
-              <a:schemeClr val="accent1">
-                <a:lumMod val="50000"/>
-                <a:alpha val="40000"/>
-              </a:schemeClr>
-            </a:outerShdw>
-          </a:effectLst>
         </p:spPr>
         <p:txBody>
           <a:bodyPr wrap="square" rtlCol="0">
@@ -6861,153 +6821,173 @@
           </a:bodyPr>
           <a:lstStyle/>
           <a:p>
-            <a:pPr marL="342900" indent="-342900">
+            <a:pPr marL="285750" indent="-285750">
+              <a:lnSpc>
+                <a:spcPct val="150000"/>
+              </a:lnSpc>
               <a:buFont typeface="Wingdings" pitchFamily="2" charset="2"/>
               <a:buChar char="ü"/>
             </a:pPr>
             <a:r>
-              <a:rPr lang="zh-CN" altLang="en-US" sz="2000" dirty="0" smtClean="0">
-                <a:solidFill>
-                  <a:schemeClr val="bg2">
-                    <a:lumMod val="25000"/>
-                  </a:schemeClr>
-                </a:solidFill>
-                <a:latin typeface="Adobe 黑体 Std R" pitchFamily="34" charset="-122"/>
-                <a:ea typeface="Adobe 黑体 Std R" pitchFamily="34" charset="-122"/>
-              </a:rPr>
-              <a:t>相关技术文档</a:t>
-            </a:r>
-            <a:endParaRPr lang="zh-CN" altLang="en-US" sz="2000" dirty="0">
+              <a:rPr lang="en-US" altLang="zh-CN" dirty="0" smtClean="0">
+                <a:solidFill>
+                  <a:schemeClr val="tx1">
+                    <a:lumMod val="65000"/>
+                    <a:lumOff val="35000"/>
+                  </a:schemeClr>
+                </a:solidFill>
+              </a:rPr>
+              <a:t>Web</a:t>
+            </a:r>
+            <a:r>
+              <a:rPr lang="zh-CN" altLang="en-US" dirty="0" smtClean="0">
+                <a:solidFill>
+                  <a:schemeClr val="tx1">
+                    <a:lumMod val="65000"/>
+                    <a:lumOff val="35000"/>
+                  </a:schemeClr>
+                </a:solidFill>
+              </a:rPr>
+              <a:t>平台</a:t>
+            </a:r>
+            <a:endParaRPr lang="en-US" altLang="zh-CN" dirty="0" smtClean="0">
               <a:solidFill>
-                <a:schemeClr val="bg2">
-                  <a:lumMod val="25000"/>
+                <a:schemeClr val="tx1">
+                  <a:lumMod val="65000"/>
+                  <a:lumOff val="35000"/>
                 </a:schemeClr>
               </a:solidFill>
-              <a:latin typeface="Adobe 黑体 Std R" pitchFamily="34" charset="-122"/>
-              <a:ea typeface="Adobe 黑体 Std R" pitchFamily="34" charset="-122"/>
             </a:endParaRPr>
           </a:p>
-        </p:txBody>
-      </p:sp>
-      <p:sp>
-        <p:nvSpPr>
-          <p:cNvPr id="6" name="TextBox 5"/>
-          <p:cNvSpPr txBox="1"/>
-          <p:nvPr/>
-        </p:nvSpPr>
-        <p:spPr>
-          <a:xfrm>
-            <a:off x="928662" y="1518143"/>
-            <a:ext cx="5423818" cy="400110"/>
-          </a:xfrm>
-          <a:prstGeom prst="rect">
-            <a:avLst/>
-          </a:prstGeom>
-          <a:noFill/>
-          <a:ln>
-            <a:noFill/>
-          </a:ln>
-          <a:effectLst>
-            <a:outerShdw blurRad="50800" dist="38100" dir="2700000" algn="tl" rotWithShape="0">
-              <a:schemeClr val="accent1">
-                <a:lumMod val="50000"/>
-                <a:alpha val="40000"/>
-              </a:schemeClr>
-            </a:outerShdw>
-          </a:effectLst>
-        </p:spPr>
-        <p:txBody>
-          <a:bodyPr wrap="square" rtlCol="0">
-            <a:spAutoFit/>
-          </a:bodyPr>
-          <a:lstStyle/>
-          <a:p>
-            <a:pPr marL="342900" indent="-342900">
+          <a:p>
+            <a:pPr marL="285750" indent="-285750">
+              <a:lnSpc>
+                <a:spcPct val="150000"/>
+              </a:lnSpc>
               <a:buFont typeface="Wingdings" pitchFamily="2" charset="2"/>
               <a:buChar char="ü"/>
             </a:pPr>
             <a:r>
-              <a:rPr lang="zh-CN" altLang="en-US" sz="2000" dirty="0" smtClean="0">
-                <a:solidFill>
-                  <a:schemeClr val="bg2">
-                    <a:lumMod val="25000"/>
-                  </a:schemeClr>
-                </a:solidFill>
-                <a:latin typeface="Adobe 黑体 Std R" pitchFamily="34" charset="-122"/>
-                <a:ea typeface="Adobe 黑体 Std R" pitchFamily="34" charset="-122"/>
-              </a:rPr>
-              <a:t>查兼容工具</a:t>
-            </a:r>
-            <a:endParaRPr lang="zh-CN" altLang="en-US" sz="2000" dirty="0">
+              <a:rPr lang="en-US" altLang="zh-CN" dirty="0" smtClean="0">
+                <a:solidFill>
+                  <a:schemeClr val="tx1">
+                    <a:lumMod val="65000"/>
+                    <a:lumOff val="35000"/>
+                  </a:schemeClr>
+                </a:solidFill>
+              </a:rPr>
+              <a:t>apps</a:t>
+            </a:r>
+            <a:endParaRPr lang="en-US" altLang="zh-CN" dirty="0" smtClean="0">
               <a:solidFill>
-                <a:schemeClr val="bg2">
-                  <a:lumMod val="25000"/>
+                <a:schemeClr val="tx1">
+                  <a:lumMod val="65000"/>
+                  <a:lumOff val="35000"/>
                 </a:schemeClr>
               </a:solidFill>
-              <a:latin typeface="Adobe 黑体 Std R" pitchFamily="34" charset="-122"/>
-              <a:ea typeface="Adobe 黑体 Std R" pitchFamily="34" charset="-122"/>
             </a:endParaRPr>
           </a:p>
-        </p:txBody>
-      </p:sp>
-      <p:sp>
-        <p:nvSpPr>
-          <p:cNvPr id="7" name="TextBox 6"/>
-          <p:cNvSpPr txBox="1"/>
-          <p:nvPr/>
-        </p:nvSpPr>
-        <p:spPr>
-          <a:xfrm>
-            <a:off x="980500" y="2420888"/>
-            <a:ext cx="5423818" cy="400110"/>
-          </a:xfrm>
-          <a:prstGeom prst="rect">
-            <a:avLst/>
-          </a:prstGeom>
-          <a:noFill/>
-          <a:ln>
-            <a:noFill/>
-          </a:ln>
-          <a:effectLst>
-            <a:outerShdw blurRad="50800" dist="38100" dir="2700000" algn="tl" rotWithShape="0">
-              <a:schemeClr val="accent1">
-                <a:lumMod val="50000"/>
-                <a:alpha val="40000"/>
-              </a:schemeClr>
-            </a:outerShdw>
-          </a:effectLst>
-        </p:spPr>
-        <p:txBody>
-          <a:bodyPr wrap="square" rtlCol="0">
-            <a:spAutoFit/>
-          </a:bodyPr>
-          <a:lstStyle/>
-          <a:p>
-            <a:r>
-              <a:rPr lang="en-US" altLang="zh-CN" sz="2000" dirty="0" smtClean="0">
-                <a:solidFill>
-                  <a:schemeClr val="bg2">
-                    <a:lumMod val="25000"/>
-                  </a:schemeClr>
-                </a:solidFill>
-                <a:latin typeface="Adobe 黑体 Std R" pitchFamily="34" charset="-122"/>
-                <a:ea typeface="Adobe 黑体 Std R" pitchFamily="34" charset="-122"/>
-              </a:rPr>
-              <a:t>……</a:t>
-            </a:r>
-            <a:endParaRPr lang="zh-CN" altLang="en-US" sz="2000" dirty="0">
+          <a:p>
+            <a:pPr marL="285750" indent="-285750">
+              <a:lnSpc>
+                <a:spcPct val="150000"/>
+              </a:lnSpc>
+              <a:buFont typeface="Wingdings" pitchFamily="2" charset="2"/>
+              <a:buChar char="ü"/>
+            </a:pPr>
+            <a:r>
+              <a:rPr lang="zh-CN" altLang="en-US" dirty="0" smtClean="0">
+                <a:solidFill>
+                  <a:schemeClr val="tx1">
+                    <a:lumMod val="65000"/>
+                    <a:lumOff val="35000"/>
+                  </a:schemeClr>
+                </a:solidFill>
+              </a:rPr>
+              <a:t>手机移动平</a:t>
+            </a:r>
+            <a:r>
+              <a:rPr lang="zh-CN" altLang="en-US" dirty="0">
+                <a:solidFill>
+                  <a:schemeClr val="tx1">
+                    <a:lumMod val="65000"/>
+                    <a:lumOff val="35000"/>
+                  </a:schemeClr>
+                </a:solidFill>
+              </a:rPr>
+              <a:t>台</a:t>
+            </a:r>
+            <a:endParaRPr lang="en-US" altLang="zh-CN" dirty="0" smtClean="0">
               <a:solidFill>
-                <a:schemeClr val="bg2">
-                  <a:lumMod val="25000"/>
+                <a:schemeClr val="tx1">
+                  <a:lumMod val="65000"/>
+                  <a:lumOff val="35000"/>
                 </a:schemeClr>
               </a:solidFill>
-              <a:latin typeface="Adobe 黑体 Std R" pitchFamily="34" charset="-122"/>
-              <a:ea typeface="Adobe 黑体 Std R" pitchFamily="34" charset="-122"/>
             </a:endParaRPr>
           </a:p>
+          <a:p>
+            <a:pPr marL="285750" indent="-285750">
+              <a:lnSpc>
+                <a:spcPct val="150000"/>
+              </a:lnSpc>
+              <a:buFont typeface="Wingdings" pitchFamily="2" charset="2"/>
+              <a:buChar char="ü"/>
+            </a:pPr>
+            <a:r>
+              <a:rPr lang="zh-CN" altLang="en-US" dirty="0" smtClean="0">
+                <a:solidFill>
+                  <a:schemeClr val="tx1">
+                    <a:lumMod val="65000"/>
+                    <a:lumOff val="35000"/>
+                  </a:schemeClr>
+                </a:solidFill>
+              </a:rPr>
+              <a:t>软件平台</a:t>
+            </a:r>
+            <a:endParaRPr lang="en-US" altLang="zh-CN" dirty="0" smtClean="0">
+              <a:solidFill>
+                <a:schemeClr val="tx1">
+                  <a:lumMod val="65000"/>
+                  <a:lumOff val="35000"/>
+                </a:schemeClr>
+              </a:solidFill>
+            </a:endParaRPr>
+          </a:p>
+          <a:p>
+            <a:pPr>
+              <a:lnSpc>
+                <a:spcPct val="150000"/>
+              </a:lnSpc>
+            </a:pPr>
+            <a:r>
+              <a:rPr lang="en-US" altLang="zh-CN" dirty="0" smtClean="0">
+                <a:solidFill>
+                  <a:schemeClr val="tx1">
+                    <a:lumMod val="65000"/>
+                    <a:lumOff val="35000"/>
+                  </a:schemeClr>
+                </a:solidFill>
+              </a:rPr>
+              <a:t>……</a:t>
+            </a:r>
+            <a:endParaRPr lang="zh-CN" altLang="en-US" dirty="0">
+              <a:solidFill>
+                <a:schemeClr val="tx1">
+                  <a:lumMod val="65000"/>
+                  <a:lumOff val="35000"/>
+                </a:schemeClr>
+              </a:solidFill>
+            </a:endParaRPr>
+          </a:p>
         </p:txBody>
       </p:sp>
     </p:spTree>
+    <p:extLst>
+      <p:ext uri="{BB962C8B-B14F-4D97-AF65-F5344CB8AC3E}">
+        <p14:creationId xmlns:p14="http://schemas.microsoft.com/office/powerpoint/2010/main" val="3591006496"/>
+      </p:ext>
+    </p:extLst>
   </p:cSld>
   <p:clrMapOvr>
     <a:masterClrMapping/>
@@ -7032,47 +7012,42 @@
           <a:chExt cx="0" cy="0"/>
         </a:xfrm>
       </p:grpSpPr>
-      <p:sp>
-        <p:nvSpPr>
-          <p:cNvPr id="4" name="矩形 3"/>
-          <p:cNvSpPr/>
-          <p:nvPr/>
-        </p:nvSpPr>
-        <p:spPr>
-          <a:xfrm>
-            <a:off x="571472" y="1643050"/>
-            <a:ext cx="4405373" cy="369332"/>
-          </a:xfrm>
-          <a:prstGeom prst="rect">
-            <a:avLst/>
-          </a:prstGeom>
-        </p:spPr>
-        <p:txBody>
-          <a:bodyPr wrap="none">
-            <a:spAutoFit/>
-          </a:bodyPr>
-          <a:lstStyle/>
-          <a:p>
-            <a:r>
-              <a:rPr lang="en-US" dirty="0" smtClean="0">
-                <a:hlinkClick r:id="rId2"/>
-              </a:rPr>
-              <a:t>http://www.colorzilla.com/gradient-editor/</a:t>
-            </a:r>
-            <a:endParaRPr lang="zh-CN" altLang="en-US" dirty="0"/>
-          </a:p>
-        </p:txBody>
-      </p:sp>
-      <p:sp>
-        <p:nvSpPr>
-          <p:cNvPr id="5" name="TextBox 4"/>
+      <p:pic>
+        <p:nvPicPr>
+          <p:cNvPr id="3079" name="Picture 7" descr="G:\feng33\素材\5612587261_96845b41ff.jpg"/>
+          <p:cNvPicPr>
+            <a:picLocks noChangeAspect="1" noChangeArrowheads="1"/>
+          </p:cNvPicPr>
+          <p:nvPr/>
+        </p:nvPicPr>
+        <p:blipFill>
+          <a:blip r:embed="rId2"/>
+          <a:srcRect/>
+          <a:stretch>
+            <a:fillRect/>
+          </a:stretch>
+        </p:blipFill>
+        <p:spPr bwMode="auto">
+          <a:xfrm>
+            <a:off x="2643174" y="2017275"/>
+            <a:ext cx="6500826" cy="4840725"/>
+          </a:xfrm>
+          <a:prstGeom prst="rect">
+            <a:avLst/>
+          </a:prstGeom>
+          <a:noFill/>
+        </p:spPr>
+      </p:pic>
+      <p:sp>
+        <p:nvSpPr>
+          <p:cNvPr id="13" name="TextBox 12"/>
           <p:cNvSpPr txBox="1"/>
           <p:nvPr/>
         </p:nvSpPr>
         <p:spPr>
           <a:xfrm>
-            <a:off x="571472" y="1142984"/>
-            <a:ext cx="5423818" cy="400110"/>
+            <a:off x="428596" y="285728"/>
+            <a:ext cx="2970187" cy="707886"/>
           </a:xfrm>
           <a:prstGeom prst="rect">
             <a:avLst/>
@@ -7096,22 +7071,26 @@
           </a:bodyPr>
           <a:lstStyle/>
           <a:p>
-            <a:r>
-              <a:rPr lang="zh-CN" altLang="en-US" sz="2000" dirty="0" smtClean="0">
-                <a:solidFill>
-                  <a:schemeClr val="bg2">
-                    <a:lumMod val="25000"/>
+            <a:pPr>
+              <a:buFont typeface="Wingdings" pitchFamily="2" charset="2"/>
+              <a:buChar char="ü"/>
+            </a:pPr>
+            <a:r>
+              <a:rPr lang="zh-CN" altLang="en-US" sz="4000" dirty="0" smtClean="0">
+                <a:solidFill>
+                  <a:schemeClr val="accent1">
+                    <a:lumMod val="75000"/>
                   </a:schemeClr>
                 </a:solidFill>
                 <a:latin typeface="Adobe 黑体 Std R" pitchFamily="34" charset="-122"/>
                 <a:ea typeface="Adobe 黑体 Std R" pitchFamily="34" charset="-122"/>
               </a:rPr>
-              <a:t>在线生成器</a:t>
-            </a:r>
-            <a:endParaRPr lang="zh-CN" altLang="en-US" sz="2000" dirty="0">
+              <a:t>相关学习</a:t>
+            </a:r>
+            <a:endParaRPr lang="zh-CN" altLang="en-US" sz="4000" dirty="0">
               <a:solidFill>
-                <a:schemeClr val="bg2">
-                  <a:lumMod val="25000"/>
+                <a:schemeClr val="accent1">
+                  <a:lumMod val="75000"/>
                 </a:schemeClr>
               </a:solidFill>
               <a:latin typeface="Adobe 黑体 Std R" pitchFamily="34" charset="-122"/>
@@ -7122,76 +7101,14 @@
       </p:sp>
       <p:sp>
         <p:nvSpPr>
-          <p:cNvPr id="6" name="矩形 5"/>
-          <p:cNvSpPr/>
-          <p:nvPr/>
-        </p:nvSpPr>
-        <p:spPr>
-          <a:xfrm>
-            <a:off x="571472" y="2143116"/>
-            <a:ext cx="2200539" cy="369332"/>
-          </a:xfrm>
-          <a:prstGeom prst="rect">
-            <a:avLst/>
-          </a:prstGeom>
-        </p:spPr>
-        <p:txBody>
-          <a:bodyPr wrap="none">
-            <a:spAutoFit/>
-          </a:bodyPr>
-          <a:lstStyle/>
-          <a:p>
-            <a:r>
-              <a:rPr lang="en-US" dirty="0" smtClean="0">
-                <a:hlinkClick r:id="rId3"/>
-              </a:rPr>
-              <a:t>http://www.css3.me/</a:t>
-            </a:r>
-            <a:endParaRPr lang="zh-CN" altLang="en-US" dirty="0"/>
-          </a:p>
-        </p:txBody>
-      </p:sp>
-      <p:sp>
-        <p:nvSpPr>
-          <p:cNvPr id="7" name="矩形 6"/>
-          <p:cNvSpPr/>
-          <p:nvPr/>
-        </p:nvSpPr>
-        <p:spPr>
-          <a:xfrm>
-            <a:off x="571472" y="2643182"/>
-            <a:ext cx="7500990" cy="369332"/>
-          </a:xfrm>
-          <a:prstGeom prst="rect">
-            <a:avLst/>
-          </a:prstGeom>
-        </p:spPr>
-        <p:txBody>
-          <a:bodyPr wrap="square">
-            <a:spAutoFit/>
-          </a:bodyPr>
-          <a:lstStyle/>
-          <a:p>
-            <a:r>
-              <a:rPr lang="en-US" dirty="0" smtClean="0">
-                <a:hlinkClick r:id="rId4"/>
-              </a:rPr>
-              <a:t>http://www.css3maker.com/css3-animation.html</a:t>
-            </a:r>
-            <a:endParaRPr lang="zh-CN" altLang="en-US" dirty="0"/>
-          </a:p>
-        </p:txBody>
-      </p:sp>
-      <p:sp>
-        <p:nvSpPr>
-          <p:cNvPr id="9" name="TextBox 8"/>
+          <p:cNvPr id="15" name="TextBox 14"/>
           <p:cNvSpPr txBox="1"/>
           <p:nvPr/>
         </p:nvSpPr>
         <p:spPr>
           <a:xfrm>
-            <a:off x="428596" y="285728"/>
-            <a:ext cx="2970187" cy="707886"/>
+            <a:off x="928662" y="1071546"/>
+            <a:ext cx="5423818" cy="400110"/>
           </a:xfrm>
           <a:prstGeom prst="rect">
             <a:avLst/>
@@ -7215,26 +7132,26 @@
           </a:bodyPr>
           <a:lstStyle/>
           <a:p>
-            <a:pPr>
+            <a:pPr marL="342900" indent="-342900">
               <a:buFont typeface="Wingdings" pitchFamily="2" charset="2"/>
               <a:buChar char="ü"/>
             </a:pPr>
             <a:r>
-              <a:rPr lang="zh-CN" altLang="en-US" sz="4000" dirty="0" smtClean="0">
-                <a:solidFill>
-                  <a:schemeClr val="accent1">
-                    <a:lumMod val="75000"/>
+              <a:rPr lang="zh-CN" altLang="en-US" sz="2000" dirty="0" smtClean="0">
+                <a:solidFill>
+                  <a:schemeClr val="bg2">
+                    <a:lumMod val="25000"/>
                   </a:schemeClr>
                 </a:solidFill>
                 <a:latin typeface="Adobe 黑体 Std R" pitchFamily="34" charset="-122"/>
                 <a:ea typeface="Adobe 黑体 Std R" pitchFamily="34" charset="-122"/>
               </a:rPr>
-              <a:t>相关学习</a:t>
-            </a:r>
-            <a:endParaRPr lang="zh-CN" altLang="en-US" sz="4000" dirty="0">
+              <a:t>在线生成器</a:t>
+            </a:r>
+            <a:endParaRPr lang="zh-CN" altLang="en-US" sz="2000" dirty="0">
               <a:solidFill>
-                <a:schemeClr val="accent1">
-                  <a:lumMod val="75000"/>
+                <a:schemeClr val="bg2">
+                  <a:lumMod val="25000"/>
                 </a:schemeClr>
               </a:solidFill>
               <a:latin typeface="Adobe 黑体 Std R" pitchFamily="34" charset="-122"/>
@@ -7245,44 +7162,13 @@
       </p:sp>
       <p:sp>
         <p:nvSpPr>
-          <p:cNvPr id="2" name="矩形 1"/>
-          <p:cNvSpPr/>
-          <p:nvPr/>
-        </p:nvSpPr>
-        <p:spPr>
-          <a:xfrm>
-            <a:off x="598808" y="3717032"/>
-            <a:ext cx="2072427" cy="369332"/>
-          </a:xfrm>
-          <a:prstGeom prst="rect">
-            <a:avLst/>
-          </a:prstGeom>
-        </p:spPr>
-        <p:txBody>
-          <a:bodyPr wrap="none">
-            <a:spAutoFit/>
-          </a:bodyPr>
-          <a:lstStyle/>
-          <a:p>
-            <a:r>
-              <a:rPr lang="en-US" altLang="zh-CN" dirty="0">
-                <a:hlinkClick r:id="rId5"/>
-              </a:rPr>
-              <a:t>http://caniuse.com/</a:t>
-            </a:r>
-            <a:endParaRPr lang="zh-CN" altLang="en-US" dirty="0"/>
-          </a:p>
-        </p:txBody>
-      </p:sp>
-      <p:sp>
-        <p:nvSpPr>
-          <p:cNvPr id="8" name="TextBox 7"/>
+          <p:cNvPr id="16" name="TextBox 15"/>
           <p:cNvSpPr txBox="1"/>
           <p:nvPr/>
         </p:nvSpPr>
         <p:spPr>
           <a:xfrm>
-            <a:off x="539552" y="3212976"/>
+            <a:off x="928662" y="1964739"/>
             <a:ext cx="5423818" cy="400110"/>
           </a:xfrm>
           <a:prstGeom prst="rect">
@@ -7307,6 +7193,10 @@
           </a:bodyPr>
           <a:lstStyle/>
           <a:p>
+            <a:pPr marL="342900" indent="-342900">
+              <a:buFont typeface="Wingdings" pitchFamily="2" charset="2"/>
+              <a:buChar char="ü"/>
+            </a:pPr>
             <a:r>
               <a:rPr lang="zh-CN" altLang="en-US" sz="2000" dirty="0" smtClean="0">
                 <a:solidFill>
@@ -7317,10 +7207,59 @@
                 <a:latin typeface="Adobe 黑体 Std R" pitchFamily="34" charset="-122"/>
                 <a:ea typeface="Adobe 黑体 Std R" pitchFamily="34" charset="-122"/>
               </a:rPr>
-              <a:t>查看支</a:t>
-            </a:r>
-            <a:r>
-              <a:rPr lang="zh-CN" altLang="en-US" sz="2000" dirty="0">
+              <a:t>相关技术文档</a:t>
+            </a:r>
+            <a:endParaRPr lang="zh-CN" altLang="en-US" sz="2000" dirty="0">
+              <a:solidFill>
+                <a:schemeClr val="bg2">
+                  <a:lumMod val="25000"/>
+                </a:schemeClr>
+              </a:solidFill>
+              <a:latin typeface="Adobe 黑体 Std R" pitchFamily="34" charset="-122"/>
+              <a:ea typeface="Adobe 黑体 Std R" pitchFamily="34" charset="-122"/>
+            </a:endParaRPr>
+          </a:p>
+        </p:txBody>
+      </p:sp>
+      <p:sp>
+        <p:nvSpPr>
+          <p:cNvPr id="6" name="TextBox 5"/>
+          <p:cNvSpPr txBox="1"/>
+          <p:nvPr/>
+        </p:nvSpPr>
+        <p:spPr>
+          <a:xfrm>
+            <a:off x="928662" y="1518143"/>
+            <a:ext cx="5423818" cy="400110"/>
+          </a:xfrm>
+          <a:prstGeom prst="rect">
+            <a:avLst/>
+          </a:prstGeom>
+          <a:noFill/>
+          <a:ln>
+            <a:noFill/>
+          </a:ln>
+          <a:effectLst>
+            <a:outerShdw blurRad="50800" dist="38100" dir="2700000" algn="tl" rotWithShape="0">
+              <a:schemeClr val="accent1">
+                <a:lumMod val="50000"/>
+                <a:alpha val="40000"/>
+              </a:schemeClr>
+            </a:outerShdw>
+          </a:effectLst>
+        </p:spPr>
+        <p:txBody>
+          <a:bodyPr wrap="square" rtlCol="0">
+            <a:spAutoFit/>
+          </a:bodyPr>
+          <a:lstStyle/>
+          <a:p>
+            <a:pPr marL="342900" indent="-342900">
+              <a:buFont typeface="Wingdings" pitchFamily="2" charset="2"/>
+              <a:buChar char="ü"/>
+            </a:pPr>
+            <a:r>
+              <a:rPr lang="zh-CN" altLang="en-US" sz="2000" dirty="0" smtClean="0">
                 <a:solidFill>
                   <a:schemeClr val="bg2">
                     <a:lumMod val="25000"/>
@@ -7329,7 +7268,64 @@
                 <a:latin typeface="Adobe 黑体 Std R" pitchFamily="34" charset="-122"/>
                 <a:ea typeface="Adobe 黑体 Std R" pitchFamily="34" charset="-122"/>
               </a:rPr>
-              <a:t>持</a:t>
+              <a:t>查兼容工具</a:t>
+            </a:r>
+            <a:endParaRPr lang="zh-CN" altLang="en-US" sz="2000" dirty="0">
+              <a:solidFill>
+                <a:schemeClr val="bg2">
+                  <a:lumMod val="25000"/>
+                </a:schemeClr>
+              </a:solidFill>
+              <a:latin typeface="Adobe 黑体 Std R" pitchFamily="34" charset="-122"/>
+              <a:ea typeface="Adobe 黑体 Std R" pitchFamily="34" charset="-122"/>
+            </a:endParaRPr>
+          </a:p>
+        </p:txBody>
+      </p:sp>
+      <p:sp>
+        <p:nvSpPr>
+          <p:cNvPr id="7" name="TextBox 6"/>
+          <p:cNvSpPr txBox="1"/>
+          <p:nvPr/>
+        </p:nvSpPr>
+        <p:spPr>
+          <a:xfrm>
+            <a:off x="980500" y="2420888"/>
+            <a:ext cx="5423818" cy="400110"/>
+          </a:xfrm>
+          <a:prstGeom prst="rect">
+            <a:avLst/>
+          </a:prstGeom>
+          <a:noFill/>
+          <a:ln>
+            <a:noFill/>
+          </a:ln>
+          <a:effectLst>
+            <a:outerShdw blurRad="50800" dist="38100" dir="2700000" algn="tl" rotWithShape="0">
+              <a:schemeClr val="accent1">
+                <a:lumMod val="50000"/>
+                <a:alpha val="40000"/>
+              </a:schemeClr>
+            </a:outerShdw>
+          </a:effectLst>
+        </p:spPr>
+        <p:txBody>
+          <a:bodyPr wrap="square" rtlCol="0">
+            <a:spAutoFit/>
+          </a:bodyPr>
+          <a:lstStyle/>
+          <a:p>
+            <a:r>
+              <a:rPr lang="en-US" altLang="zh-CN" sz="2000" dirty="0" smtClean="0">
+                <a:solidFill>
+                  <a:schemeClr val="bg2">
+                    <a:lumMod val="25000"/>
+                  </a:schemeClr>
+                </a:solidFill>
+                <a:latin typeface="Adobe 黑体 Std R" pitchFamily="34" charset="-122"/>
+                <a:ea typeface="Adobe 黑体 Std R" pitchFamily="34" charset="-122"/>
+              </a:rPr>
+              <a:t>……</a:t>
             </a:r>
             <a:endParaRPr lang="zh-CN" altLang="en-US" sz="2000" dirty="0">
               <a:solidFill>
@@ -7834,120 +7830,16 @@
           <a:chExt cx="0" cy="0"/>
         </a:xfrm>
       </p:grpSpPr>
-      <p:pic>
-        <p:nvPicPr>
-          <p:cNvPr id="4" name="Picture 3" descr="C:\Users\acer\Desktop\cc.png"/>
-          <p:cNvPicPr>
-            <a:picLocks noChangeAspect="1" noChangeArrowheads="1"/>
-          </p:cNvPicPr>
-          <p:nvPr/>
-        </p:nvPicPr>
-        <p:blipFill>
-          <a:blip r:embed="rId3"/>
-          <a:srcRect/>
-          <a:stretch>
-            <a:fillRect/>
-          </a:stretch>
-        </p:blipFill>
-        <p:spPr bwMode="auto">
-          <a:xfrm>
-            <a:off x="2928926" y="5286388"/>
-            <a:ext cx="1214446" cy="1214446"/>
-          </a:xfrm>
-          <a:prstGeom prst="rect">
-            <a:avLst/>
-          </a:prstGeom>
-          <a:noFill/>
-        </p:spPr>
-      </p:pic>
-      <p:pic>
-        <p:nvPicPr>
-          <p:cNvPr id="5" name="Picture 4" descr="C:\Users\acer\Desktop\cc.png"/>
-          <p:cNvPicPr>
-            <a:picLocks noChangeAspect="1" noChangeArrowheads="1"/>
-          </p:cNvPicPr>
-          <p:nvPr/>
-        </p:nvPicPr>
-        <p:blipFill>
-          <a:blip r:embed="rId4" cstate="print"/>
-          <a:srcRect/>
-          <a:stretch>
-            <a:fillRect/>
-          </a:stretch>
-        </p:blipFill>
-        <p:spPr bwMode="auto">
-          <a:xfrm>
-            <a:off x="500034" y="5143512"/>
-            <a:ext cx="1357322" cy="1357323"/>
-          </a:xfrm>
-          <a:prstGeom prst="rect">
-            <a:avLst/>
-          </a:prstGeom>
-          <a:noFill/>
-        </p:spPr>
-      </p:pic>
-      <p:pic>
-        <p:nvPicPr>
-          <p:cNvPr id="6" name="Picture 5" descr="C:\Users\acer\Desktop\cc.png"/>
-          <p:cNvPicPr>
-            <a:picLocks noChangeAspect="1" noChangeArrowheads="1"/>
-          </p:cNvPicPr>
-          <p:nvPr/>
-        </p:nvPicPr>
-        <p:blipFill>
-          <a:blip r:embed="rId5"/>
-          <a:srcRect/>
-          <a:stretch>
-            <a:fillRect/>
-          </a:stretch>
-        </p:blipFill>
-        <p:spPr bwMode="auto">
-          <a:xfrm>
-            <a:off x="7429520" y="5143512"/>
-            <a:ext cx="1357322" cy="1357322"/>
-          </a:xfrm>
-          <a:prstGeom prst="rect">
-            <a:avLst/>
-          </a:prstGeom>
-          <a:noFill/>
-        </p:spPr>
-      </p:pic>
-      <p:pic>
-        <p:nvPicPr>
-          <p:cNvPr id="7" name="Picture 6" descr="C:\Users\acer\Desktop\cc.jpg"/>
-          <p:cNvPicPr>
-            <a:picLocks noChangeAspect="1" noChangeArrowheads="1"/>
-          </p:cNvPicPr>
-          <p:nvPr/>
-        </p:nvPicPr>
-        <p:blipFill>
-          <a:blip r:embed="rId6"/>
-          <a:srcRect/>
-          <a:stretch>
-            <a:fillRect/>
-          </a:stretch>
-        </p:blipFill>
-        <p:spPr bwMode="auto">
-          <a:xfrm>
-            <a:off x="5143504" y="5072074"/>
-            <a:ext cx="1571636" cy="1571636"/>
-          </a:xfrm>
-          <a:prstGeom prst="rect">
-            <a:avLst/>
-          </a:prstGeom>
-          <a:noFill/>
-        </p:spPr>
-      </p:pic>
-      <p:sp>
-        <p:nvSpPr>
-          <p:cNvPr id="8" name="矩形 7"/>
+      <p:sp>
+        <p:nvSpPr>
+          <p:cNvPr id="4" name="矩形 3"/>
           <p:cNvSpPr/>
           <p:nvPr/>
         </p:nvSpPr>
         <p:spPr>
           <a:xfrm>
-            <a:off x="642926" y="1630908"/>
-            <a:ext cx="2952668" cy="369332"/>
+            <a:off x="571472" y="1643050"/>
+            <a:ext cx="4405373" cy="369332"/>
           </a:xfrm>
           <a:prstGeom prst="rect">
             <a:avLst/>
@@ -7961,9 +7853,9 @@
           <a:p>
             <a:r>
               <a:rPr lang="en-US" dirty="0" smtClean="0">
-                <a:hlinkClick r:id="rId7"/>
-              </a:rPr>
-              <a:t>http://www.webkit.org/blog/</a:t>
+                <a:hlinkClick r:id="rId2"/>
+              </a:rPr>
+              <a:t>http://www.colorzilla.com/gradient-editor/</a:t>
             </a:r>
             <a:endParaRPr lang="zh-CN" altLang="en-US" dirty="0"/>
           </a:p>
@@ -7971,131 +7863,7 @@
       </p:sp>
       <p:sp>
         <p:nvSpPr>
-          <p:cNvPr id="9" name="矩形 8"/>
-          <p:cNvSpPr/>
-          <p:nvPr/>
-        </p:nvSpPr>
-        <p:spPr>
-          <a:xfrm>
-            <a:off x="642926" y="2220272"/>
-            <a:ext cx="6572280" cy="369332"/>
-          </a:xfrm>
-          <a:prstGeom prst="rect">
-            <a:avLst/>
-          </a:prstGeom>
-        </p:spPr>
-        <p:txBody>
-          <a:bodyPr wrap="square">
-            <a:spAutoFit/>
-          </a:bodyPr>
-          <a:lstStyle/>
-          <a:p>
-            <a:r>
-              <a:rPr lang="en-US" dirty="0" smtClean="0">
-                <a:hlinkClick r:id="rId8"/>
-              </a:rPr>
-              <a:t>https://developer.mozilla.org/en/CSS_Reference/Mozilla_Extensions</a:t>
-            </a:r>
-            <a:endParaRPr lang="zh-CN" altLang="en-US" dirty="0"/>
-          </a:p>
-        </p:txBody>
-      </p:sp>
-      <p:sp>
-        <p:nvSpPr>
-          <p:cNvPr id="11" name="矩形 10"/>
-          <p:cNvSpPr/>
-          <p:nvPr/>
-        </p:nvSpPr>
-        <p:spPr>
-          <a:xfrm>
-            <a:off x="642926" y="2809636"/>
-            <a:ext cx="2786082" cy="369332"/>
-          </a:xfrm>
-          <a:prstGeom prst="rect">
-            <a:avLst/>
-          </a:prstGeom>
-        </p:spPr>
-        <p:txBody>
-          <a:bodyPr wrap="square">
-            <a:spAutoFit/>
-          </a:bodyPr>
-          <a:lstStyle/>
-          <a:p>
-            <a:r>
-              <a:rPr lang="en-US" dirty="0" smtClean="0">
-                <a:hlinkClick r:id="rId9"/>
-              </a:rPr>
-              <a:t>http://dev.opera.com/</a:t>
-            </a:r>
-            <a:endParaRPr lang="zh-CN" altLang="en-US" dirty="0"/>
-          </a:p>
-        </p:txBody>
-      </p:sp>
-      <p:sp>
-        <p:nvSpPr>
-          <p:cNvPr id="12" name="矩形 11"/>
-          <p:cNvSpPr/>
-          <p:nvPr/>
-        </p:nvSpPr>
-        <p:spPr>
-          <a:xfrm>
-            <a:off x="642926" y="3399000"/>
-            <a:ext cx="2096921" cy="369332"/>
-          </a:xfrm>
-          <a:prstGeom prst="rect">
-            <a:avLst/>
-          </a:prstGeom>
-        </p:spPr>
-        <p:txBody>
-          <a:bodyPr wrap="none">
-            <a:spAutoFit/>
-          </a:bodyPr>
-          <a:lstStyle/>
-          <a:p>
-            <a:r>
-              <a:rPr lang="en-US" dirty="0" smtClean="0">
-                <a:hlinkClick r:id="rId10"/>
-              </a:rPr>
-              <a:t>http://www.w3.org/</a:t>
-            </a:r>
-            <a:endParaRPr lang="zh-CN" altLang="en-US" dirty="0"/>
-          </a:p>
-        </p:txBody>
-      </p:sp>
-      <p:sp>
-        <p:nvSpPr>
-          <p:cNvPr id="13" name="矩形 12"/>
-          <p:cNvSpPr/>
-          <p:nvPr/>
-        </p:nvSpPr>
-        <p:spPr>
-          <a:xfrm>
-            <a:off x="642926" y="3988362"/>
-            <a:ext cx="2121928" cy="369332"/>
-          </a:xfrm>
-          <a:prstGeom prst="rect">
-            <a:avLst/>
-          </a:prstGeom>
-        </p:spPr>
-        <p:txBody>
-          <a:bodyPr wrap="none">
-            <a:spAutoFit/>
-          </a:bodyPr>
-          <a:lstStyle/>
-          <a:p>
-            <a:r>
-              <a:rPr lang="en-US" dirty="0" smtClean="0">
-                <a:hlinkClick r:id="rId11"/>
-              </a:rPr>
-              <a:t>http://css-tricks.com</a:t>
-            </a:r>
-            <a:endParaRPr lang="zh-CN" altLang="en-US" dirty="0"/>
-          </a:p>
-        </p:txBody>
-      </p:sp>
-      <p:sp>
-        <p:nvSpPr>
-          <p:cNvPr id="18" name="TextBox 17"/>
+          <p:cNvPr id="5" name="TextBox 4"/>
           <p:cNvSpPr txBox="1"/>
           <p:nvPr/>
         </p:nvSpPr>
@@ -8136,7 +7904,7 @@
                 <a:latin typeface="Adobe 黑体 Std R" pitchFamily="34" charset="-122"/>
                 <a:ea typeface="Adobe 黑体 Std R" pitchFamily="34" charset="-122"/>
               </a:rPr>
-              <a:t>相关技术文档</a:t>
+              <a:t>在线生成器</a:t>
             </a:r>
             <a:endParaRPr lang="zh-CN" altLang="en-US" sz="2000" dirty="0">
               <a:solidFill>
@@ -8152,14 +7920,45 @@
       </p:sp>
       <p:sp>
         <p:nvSpPr>
-          <p:cNvPr id="20" name="矩形 19"/>
+          <p:cNvPr id="6" name="矩形 5"/>
           <p:cNvSpPr/>
           <p:nvPr/>
         </p:nvSpPr>
         <p:spPr>
           <a:xfrm>
-            <a:off x="714348" y="4643446"/>
-            <a:ext cx="8215370" cy="369332"/>
+            <a:off x="571472" y="2143116"/>
+            <a:ext cx="2200539" cy="369332"/>
+          </a:xfrm>
+          <a:prstGeom prst="rect">
+            <a:avLst/>
+          </a:prstGeom>
+        </p:spPr>
+        <p:txBody>
+          <a:bodyPr wrap="none">
+            <a:spAutoFit/>
+          </a:bodyPr>
+          <a:lstStyle/>
+          <a:p>
+            <a:r>
+              <a:rPr lang="en-US" dirty="0" smtClean="0">
+                <a:hlinkClick r:id="rId3"/>
+              </a:rPr>
+              <a:t>http://www.css3.me/</a:t>
+            </a:r>
+            <a:endParaRPr lang="zh-CN" altLang="en-US" dirty="0"/>
+          </a:p>
+        </p:txBody>
+      </p:sp>
+      <p:sp>
+        <p:nvSpPr>
+          <p:cNvPr id="7" name="矩形 6"/>
+          <p:cNvSpPr/>
+          <p:nvPr/>
+        </p:nvSpPr>
+        <p:spPr>
+          <a:xfrm>
+            <a:off x="571472" y="2643182"/>
+            <a:ext cx="7500990" cy="369332"/>
           </a:xfrm>
           <a:prstGeom prst="rect">
             <a:avLst/>
@@ -8173,9 +7972,9 @@
           <a:p>
             <a:r>
               <a:rPr lang="en-US" dirty="0" smtClean="0">
-                <a:hlinkClick r:id="rId12"/>
-              </a:rPr>
-              <a:t>http://coding.smashingmagazine.com/2011/03/30/how-to-use-css3-pseudo-classes/</a:t>
+                <a:hlinkClick r:id="rId4"/>
+              </a:rPr>
+              <a:t>http://www.css3maker.com/css3-animation.html</a:t>
             </a:r>
             <a:endParaRPr lang="zh-CN" altLang="en-US" dirty="0"/>
           </a:p>
@@ -8183,7 +7982,7 @@
       </p:sp>
       <p:sp>
         <p:nvSpPr>
-          <p:cNvPr id="21" name="TextBox 20"/>
+          <p:cNvPr id="9" name="TextBox 8"/>
           <p:cNvSpPr txBox="1"/>
           <p:nvPr/>
         </p:nvSpPr>
@@ -8242,6 +8041,97 @@
           </a:p>
         </p:txBody>
       </p:sp>
+      <p:sp>
+        <p:nvSpPr>
+          <p:cNvPr id="2" name="矩形 1"/>
+          <p:cNvSpPr/>
+          <p:nvPr/>
+        </p:nvSpPr>
+        <p:spPr>
+          <a:xfrm>
+            <a:off x="598808" y="3717032"/>
+            <a:ext cx="2072427" cy="369332"/>
+          </a:xfrm>
+          <a:prstGeom prst="rect">
+            <a:avLst/>
+          </a:prstGeom>
+        </p:spPr>
+        <p:txBody>
+          <a:bodyPr wrap="none">
+            <a:spAutoFit/>
+          </a:bodyPr>
+          <a:lstStyle/>
+          <a:p>
+            <a:r>
+              <a:rPr lang="en-US" altLang="zh-CN" dirty="0">
+                <a:hlinkClick r:id="rId5"/>
+              </a:rPr>
+              <a:t>http://caniuse.com/</a:t>
+            </a:r>
+            <a:endParaRPr lang="zh-CN" altLang="en-US" dirty="0"/>
+          </a:p>
+        </p:txBody>
+      </p:sp>
+      <p:sp>
+        <p:nvSpPr>
+          <p:cNvPr id="8" name="TextBox 7"/>
+          <p:cNvSpPr txBox="1"/>
+          <p:nvPr/>
+        </p:nvSpPr>
+        <p:spPr>
+          <a:xfrm>
+            <a:off x="539552" y="3212976"/>
+            <a:ext cx="5423818" cy="400110"/>
+          </a:xfrm>
+          <a:prstGeom prst="rect">
+            <a:avLst/>
+          </a:prstGeom>
+          <a:noFill/>
+          <a:ln>
+            <a:noFill/>
+          </a:ln>
+          <a:effectLst>
+            <a:outerShdw blurRad="50800" dist="38100" dir="2700000" algn="tl" rotWithShape="0">
+              <a:schemeClr val="accent1">
+                <a:lumMod val="50000"/>
+                <a:alpha val="40000"/>
+              </a:schemeClr>
+            </a:outerShdw>
+          </a:effectLst>
+        </p:spPr>
+        <p:txBody>
+          <a:bodyPr wrap="square" rtlCol="0">
+            <a:spAutoFit/>
+          </a:bodyPr>
+          <a:lstStyle/>
+          <a:p>
+            <a:r>
+              <a:rPr lang="zh-CN" altLang="en-US" sz="2000" dirty="0" smtClean="0">
+                <a:solidFill>
+                  <a:schemeClr val="bg2">
+                    <a:lumMod val="25000"/>
+                  </a:schemeClr>
+                </a:solidFill>
+                <a:latin typeface="Adobe 黑体 Std R" pitchFamily="34" charset="-122"/>
+                <a:ea typeface="Adobe 黑体 Std R" pitchFamily="34" charset="-122"/>
+              </a:rPr>
+              <a:t>查看支</a:t>
+            </a:r>
+            <a:r>
+              <a:rPr lang="zh-CN" altLang="en-US" sz="2000" dirty="0">
+                <a:solidFill>
+                  <a:schemeClr val="bg2">
+                    <a:lumMod val="25000"/>
+                  </a:schemeClr>
+                </a:solidFill>
+                <a:latin typeface="Adobe 黑体 Std R" pitchFamily="34" charset="-122"/>
+                <a:ea typeface="Adobe 黑体 Std R" pitchFamily="34" charset="-122"/>
+              </a:rPr>
+              <a:t>持</a:t>
+            </a:r>
+          </a:p>
+        </p:txBody>
+      </p:sp>
     </p:spTree>
   </p:cSld>
   <p:clrMapOvr>
@@ -8251,6 +8141,501 @@
 </file>
 
 <file path=ppt/slides/slide21.xml><?xml version="1.0" encoding="utf-8"?>
+<p:sld xmlns:a="http://schemas.openxmlformats.org/drawingml/2006/main" xmlns:r="http://schemas.openxmlformats.org/officeDocument/2006/relationships" xmlns:p="http://schemas.openxmlformats.org/presentationml/2006/main">
+  <p:cSld>
+    <p:spTree>
+      <p:nvGrpSpPr>
+        <p:cNvPr id="1" name=""/>
+        <p:cNvGrpSpPr/>
+        <p:nvPr/>
+      </p:nvGrpSpPr>
+      <p:grpSpPr>
+        <a:xfrm>
+          <a:off x="0" y="0"/>
+          <a:ext cx="0" cy="0"/>
+          <a:chOff x="0" y="0"/>
+          <a:chExt cx="0" cy="0"/>
+        </a:xfrm>
+      </p:grpSpPr>
+      <p:pic>
+        <p:nvPicPr>
+          <p:cNvPr id="4" name="Picture 3" descr="C:\Users\acer\Desktop\cc.png"/>
+          <p:cNvPicPr>
+            <a:picLocks noChangeAspect="1" noChangeArrowheads="1"/>
+          </p:cNvPicPr>
+          <p:nvPr/>
+        </p:nvPicPr>
+        <p:blipFill>
+          <a:blip r:embed="rId3"/>
+          <a:srcRect/>
+          <a:stretch>
+            <a:fillRect/>
+          </a:stretch>
+        </p:blipFill>
+        <p:spPr bwMode="auto">
+          <a:xfrm>
+            <a:off x="2928926" y="5600070"/>
+            <a:ext cx="1214446" cy="1214446"/>
+          </a:xfrm>
+          <a:prstGeom prst="rect">
+            <a:avLst/>
+          </a:prstGeom>
+          <a:noFill/>
+        </p:spPr>
+      </p:pic>
+      <p:pic>
+        <p:nvPicPr>
+          <p:cNvPr id="5" name="Picture 4" descr="C:\Users\acer\Desktop\cc.png"/>
+          <p:cNvPicPr>
+            <a:picLocks noChangeAspect="1" noChangeArrowheads="1"/>
+          </p:cNvPicPr>
+          <p:nvPr/>
+        </p:nvPicPr>
+        <p:blipFill>
+          <a:blip r:embed="rId4" cstate="print"/>
+          <a:srcRect/>
+          <a:stretch>
+            <a:fillRect/>
+          </a:stretch>
+        </p:blipFill>
+        <p:spPr bwMode="auto">
+          <a:xfrm>
+            <a:off x="500034" y="5457194"/>
+            <a:ext cx="1357322" cy="1357323"/>
+          </a:xfrm>
+          <a:prstGeom prst="rect">
+            <a:avLst/>
+          </a:prstGeom>
+          <a:noFill/>
+        </p:spPr>
+      </p:pic>
+      <p:pic>
+        <p:nvPicPr>
+          <p:cNvPr id="6" name="Picture 5" descr="C:\Users\acer\Desktop\cc.png"/>
+          <p:cNvPicPr>
+            <a:picLocks noChangeAspect="1" noChangeArrowheads="1"/>
+          </p:cNvPicPr>
+          <p:nvPr/>
+        </p:nvPicPr>
+        <p:blipFill>
+          <a:blip r:embed="rId5"/>
+          <a:srcRect/>
+          <a:stretch>
+            <a:fillRect/>
+          </a:stretch>
+        </p:blipFill>
+        <p:spPr bwMode="auto">
+          <a:xfrm>
+            <a:off x="7429520" y="5457194"/>
+            <a:ext cx="1357322" cy="1357322"/>
+          </a:xfrm>
+          <a:prstGeom prst="rect">
+            <a:avLst/>
+          </a:prstGeom>
+          <a:noFill/>
+        </p:spPr>
+      </p:pic>
+      <p:pic>
+        <p:nvPicPr>
+          <p:cNvPr id="7" name="Picture 6" descr="C:\Users\acer\Desktop\cc.jpg"/>
+          <p:cNvPicPr>
+            <a:picLocks noChangeAspect="1" noChangeArrowheads="1"/>
+          </p:cNvPicPr>
+          <p:nvPr/>
+        </p:nvPicPr>
+        <p:blipFill>
+          <a:blip r:embed="rId6"/>
+          <a:srcRect/>
+          <a:stretch>
+            <a:fillRect/>
+          </a:stretch>
+        </p:blipFill>
+        <p:spPr bwMode="auto">
+          <a:xfrm>
+            <a:off x="5143504" y="5385756"/>
+            <a:ext cx="1428760" cy="1428760"/>
+          </a:xfrm>
+          <a:prstGeom prst="rect">
+            <a:avLst/>
+          </a:prstGeom>
+          <a:noFill/>
+        </p:spPr>
+      </p:pic>
+      <p:sp>
+        <p:nvSpPr>
+          <p:cNvPr id="8" name="矩形 7"/>
+          <p:cNvSpPr/>
+          <p:nvPr/>
+        </p:nvSpPr>
+        <p:spPr>
+          <a:xfrm>
+            <a:off x="642926" y="2071707"/>
+            <a:ext cx="2952668" cy="369332"/>
+          </a:xfrm>
+          <a:prstGeom prst="rect">
+            <a:avLst/>
+          </a:prstGeom>
+        </p:spPr>
+        <p:txBody>
+          <a:bodyPr wrap="none">
+            <a:spAutoFit/>
+          </a:bodyPr>
+          <a:lstStyle/>
+          <a:p>
+            <a:r>
+              <a:rPr lang="en-US" dirty="0" smtClean="0">
+                <a:hlinkClick r:id="rId7"/>
+              </a:rPr>
+              <a:t>http://www.webkit.org/blog/</a:t>
+            </a:r>
+            <a:endParaRPr lang="zh-CN" altLang="en-US" dirty="0"/>
+          </a:p>
+        </p:txBody>
+      </p:sp>
+      <p:sp>
+        <p:nvSpPr>
+          <p:cNvPr id="9" name="矩形 8"/>
+          <p:cNvSpPr/>
+          <p:nvPr/>
+        </p:nvSpPr>
+        <p:spPr>
+          <a:xfrm>
+            <a:off x="642926" y="2514614"/>
+            <a:ext cx="6572280" cy="369332"/>
+          </a:xfrm>
+          <a:prstGeom prst="rect">
+            <a:avLst/>
+          </a:prstGeom>
+        </p:spPr>
+        <p:txBody>
+          <a:bodyPr wrap="square">
+            <a:spAutoFit/>
+          </a:bodyPr>
+          <a:lstStyle/>
+          <a:p>
+            <a:r>
+              <a:rPr lang="en-US" dirty="0" smtClean="0">
+                <a:hlinkClick r:id="rId8"/>
+              </a:rPr>
+              <a:t>https://developer.mozilla.org/en/CSS_Reference/Mozilla_Extensions</a:t>
+            </a:r>
+            <a:endParaRPr lang="zh-CN" altLang="en-US" dirty="0"/>
+          </a:p>
+        </p:txBody>
+      </p:sp>
+      <p:sp>
+        <p:nvSpPr>
+          <p:cNvPr id="11" name="矩形 10"/>
+          <p:cNvSpPr/>
+          <p:nvPr/>
+        </p:nvSpPr>
+        <p:spPr>
+          <a:xfrm>
+            <a:off x="642926" y="2957521"/>
+            <a:ext cx="2786082" cy="369332"/>
+          </a:xfrm>
+          <a:prstGeom prst="rect">
+            <a:avLst/>
+          </a:prstGeom>
+        </p:spPr>
+        <p:txBody>
+          <a:bodyPr wrap="square">
+            <a:spAutoFit/>
+          </a:bodyPr>
+          <a:lstStyle/>
+          <a:p>
+            <a:r>
+              <a:rPr lang="en-US" dirty="0" smtClean="0">
+                <a:hlinkClick r:id="rId9"/>
+              </a:rPr>
+              <a:t>http://dev.opera.com/</a:t>
+            </a:r>
+            <a:endParaRPr lang="zh-CN" altLang="en-US" dirty="0"/>
+          </a:p>
+        </p:txBody>
+      </p:sp>
+      <p:sp>
+        <p:nvSpPr>
+          <p:cNvPr id="12" name="矩形 11"/>
+          <p:cNvSpPr/>
+          <p:nvPr/>
+        </p:nvSpPr>
+        <p:spPr>
+          <a:xfrm>
+            <a:off x="642926" y="3400428"/>
+            <a:ext cx="2096921" cy="369332"/>
+          </a:xfrm>
+          <a:prstGeom prst="rect">
+            <a:avLst/>
+          </a:prstGeom>
+        </p:spPr>
+        <p:txBody>
+          <a:bodyPr wrap="none">
+            <a:spAutoFit/>
+          </a:bodyPr>
+          <a:lstStyle/>
+          <a:p>
+            <a:r>
+              <a:rPr lang="en-US" dirty="0" smtClean="0">
+                <a:hlinkClick r:id="rId10"/>
+              </a:rPr>
+              <a:t>http://www.w3.org/</a:t>
+            </a:r>
+            <a:endParaRPr lang="zh-CN" altLang="en-US" dirty="0"/>
+          </a:p>
+        </p:txBody>
+      </p:sp>
+      <p:sp>
+        <p:nvSpPr>
+          <p:cNvPr id="13" name="矩形 12"/>
+          <p:cNvSpPr/>
+          <p:nvPr/>
+        </p:nvSpPr>
+        <p:spPr>
+          <a:xfrm>
+            <a:off x="642926" y="3843335"/>
+            <a:ext cx="2121928" cy="369332"/>
+          </a:xfrm>
+          <a:prstGeom prst="rect">
+            <a:avLst/>
+          </a:prstGeom>
+        </p:spPr>
+        <p:txBody>
+          <a:bodyPr wrap="none">
+            <a:spAutoFit/>
+          </a:bodyPr>
+          <a:lstStyle/>
+          <a:p>
+            <a:r>
+              <a:rPr lang="en-US" dirty="0" smtClean="0">
+                <a:hlinkClick r:id="rId11"/>
+              </a:rPr>
+              <a:t>http://css-tricks.com</a:t>
+            </a:r>
+            <a:endParaRPr lang="zh-CN" altLang="en-US" dirty="0"/>
+          </a:p>
+        </p:txBody>
+      </p:sp>
+      <p:sp>
+        <p:nvSpPr>
+          <p:cNvPr id="18" name="TextBox 17"/>
+          <p:cNvSpPr txBox="1"/>
+          <p:nvPr/>
+        </p:nvSpPr>
+        <p:spPr>
+          <a:xfrm>
+            <a:off x="571472" y="1142984"/>
+            <a:ext cx="5423818" cy="400110"/>
+          </a:xfrm>
+          <a:prstGeom prst="rect">
+            <a:avLst/>
+          </a:prstGeom>
+          <a:noFill/>
+          <a:ln>
+            <a:noFill/>
+          </a:ln>
+          <a:effectLst>
+            <a:outerShdw blurRad="50800" dist="38100" dir="2700000" algn="tl" rotWithShape="0">
+              <a:schemeClr val="accent1">
+                <a:lumMod val="50000"/>
+                <a:alpha val="40000"/>
+              </a:schemeClr>
+            </a:outerShdw>
+          </a:effectLst>
+        </p:spPr>
+        <p:txBody>
+          <a:bodyPr wrap="square" rtlCol="0">
+            <a:spAutoFit/>
+          </a:bodyPr>
+          <a:lstStyle/>
+          <a:p>
+            <a:r>
+              <a:rPr lang="zh-CN" altLang="en-US" sz="2000" dirty="0" smtClean="0">
+                <a:solidFill>
+                  <a:schemeClr val="bg2">
+                    <a:lumMod val="25000"/>
+                  </a:schemeClr>
+                </a:solidFill>
+                <a:latin typeface="Adobe 黑体 Std R" pitchFamily="34" charset="-122"/>
+                <a:ea typeface="Adobe 黑体 Std R" pitchFamily="34" charset="-122"/>
+              </a:rPr>
+              <a:t>相关技术文档</a:t>
+            </a:r>
+            <a:endParaRPr lang="zh-CN" altLang="en-US" sz="2000" dirty="0">
+              <a:solidFill>
+                <a:schemeClr val="bg2">
+                  <a:lumMod val="25000"/>
+                </a:schemeClr>
+              </a:solidFill>
+              <a:latin typeface="Adobe 黑体 Std R" pitchFamily="34" charset="-122"/>
+              <a:ea typeface="Adobe 黑体 Std R" pitchFamily="34" charset="-122"/>
+            </a:endParaRPr>
+          </a:p>
+        </p:txBody>
+      </p:sp>
+      <p:sp>
+        <p:nvSpPr>
+          <p:cNvPr id="20" name="矩形 19"/>
+          <p:cNvSpPr/>
+          <p:nvPr/>
+        </p:nvSpPr>
+        <p:spPr>
+          <a:xfrm>
+            <a:off x="642926" y="4729152"/>
+            <a:ext cx="8215370" cy="369332"/>
+          </a:xfrm>
+          <a:prstGeom prst="rect">
+            <a:avLst/>
+          </a:prstGeom>
+        </p:spPr>
+        <p:txBody>
+          <a:bodyPr wrap="square">
+            <a:spAutoFit/>
+          </a:bodyPr>
+          <a:lstStyle/>
+          <a:p>
+            <a:r>
+              <a:rPr lang="en-US" dirty="0" smtClean="0">
+                <a:hlinkClick r:id="rId12"/>
+              </a:rPr>
+              <a:t>http://coding.smashingmagazine.com/2011/03/30/how-to-use-css3-pseudo-classes/</a:t>
+            </a:r>
+            <a:endParaRPr lang="zh-CN" altLang="en-US" dirty="0"/>
+          </a:p>
+        </p:txBody>
+      </p:sp>
+      <p:sp>
+        <p:nvSpPr>
+          <p:cNvPr id="21" name="TextBox 20"/>
+          <p:cNvSpPr txBox="1"/>
+          <p:nvPr/>
+        </p:nvSpPr>
+        <p:spPr>
+          <a:xfrm>
+            <a:off x="428596" y="285728"/>
+            <a:ext cx="2970187" cy="707886"/>
+          </a:xfrm>
+          <a:prstGeom prst="rect">
+            <a:avLst/>
+          </a:prstGeom>
+          <a:noFill/>
+          <a:ln>
+            <a:noFill/>
+          </a:ln>
+          <a:effectLst>
+            <a:outerShdw blurRad="50800" dist="38100" dir="2700000" algn="tl" rotWithShape="0">
+              <a:schemeClr val="accent1">
+                <a:lumMod val="50000"/>
+                <a:alpha val="40000"/>
+              </a:schemeClr>
+            </a:outerShdw>
+          </a:effectLst>
+        </p:spPr>
+        <p:txBody>
+          <a:bodyPr wrap="square" rtlCol="0">
+            <a:spAutoFit/>
+          </a:bodyPr>
+          <a:lstStyle/>
+          <a:p>
+            <a:pPr>
+              <a:buFont typeface="Wingdings" pitchFamily="2" charset="2"/>
+              <a:buChar char="ü"/>
+            </a:pPr>
+            <a:r>
+              <a:rPr lang="zh-CN" altLang="en-US" sz="4000" dirty="0" smtClean="0">
+                <a:solidFill>
+                  <a:schemeClr val="accent1">
+                    <a:lumMod val="75000"/>
+                  </a:schemeClr>
+                </a:solidFill>
+                <a:latin typeface="Adobe 黑体 Std R" pitchFamily="34" charset="-122"/>
+                <a:ea typeface="Adobe 黑体 Std R" pitchFamily="34" charset="-122"/>
+              </a:rPr>
+              <a:t>相关学习</a:t>
+            </a:r>
+            <a:endParaRPr lang="zh-CN" altLang="en-US" sz="4000" dirty="0">
+              <a:solidFill>
+                <a:schemeClr val="accent1">
+                  <a:lumMod val="75000"/>
+                </a:schemeClr>
+              </a:solidFill>
+              <a:latin typeface="Adobe 黑体 Std R" pitchFamily="34" charset="-122"/>
+              <a:ea typeface="Adobe 黑体 Std R" pitchFamily="34" charset="-122"/>
+            </a:endParaRPr>
+          </a:p>
+        </p:txBody>
+      </p:sp>
+      <p:sp>
+        <p:nvSpPr>
+          <p:cNvPr id="2" name="矩形 1"/>
+          <p:cNvSpPr/>
+          <p:nvPr/>
+        </p:nvSpPr>
+        <p:spPr>
+          <a:xfrm>
+            <a:off x="642926" y="4286242"/>
+            <a:ext cx="8072494" cy="369332"/>
+          </a:xfrm>
+          <a:prstGeom prst="rect">
+            <a:avLst/>
+          </a:prstGeom>
+        </p:spPr>
+        <p:txBody>
+          <a:bodyPr wrap="square">
+            <a:spAutoFit/>
+          </a:bodyPr>
+          <a:lstStyle/>
+          <a:p>
+            <a:r>
+              <a:rPr lang="en-US" altLang="zh-CN" dirty="0">
+                <a:hlinkClick r:id="rId13"/>
+              </a:rPr>
+              <a:t>http://msdn.microsoft.com/en-us/library/aa358816.aspx</a:t>
+            </a:r>
+            <a:endParaRPr lang="zh-CN" altLang="en-US" dirty="0"/>
+          </a:p>
+        </p:txBody>
+      </p:sp>
+      <p:sp>
+        <p:nvSpPr>
+          <p:cNvPr id="3" name="矩形 2"/>
+          <p:cNvSpPr/>
+          <p:nvPr/>
+        </p:nvSpPr>
+        <p:spPr>
+          <a:xfrm>
+            <a:off x="642926" y="1628800"/>
+            <a:ext cx="3400226" cy="369332"/>
+          </a:xfrm>
+          <a:prstGeom prst="rect">
+            <a:avLst/>
+          </a:prstGeom>
+        </p:spPr>
+        <p:txBody>
+          <a:bodyPr wrap="none">
+            <a:spAutoFit/>
+          </a:bodyPr>
+          <a:lstStyle/>
+          <a:p>
+            <a:r>
+              <a:rPr lang="en-US" altLang="zh-CN" dirty="0">
+                <a:hlinkClick r:id="rId14"/>
+              </a:rPr>
+              <a:t>http://ie.microsoft.com/testdrive/</a:t>
+            </a:r>
+            <a:endParaRPr lang="zh-CN" altLang="en-US" dirty="0"/>
+          </a:p>
+        </p:txBody>
+      </p:sp>
+    </p:spTree>
+  </p:cSld>
+  <p:clrMapOvr>
+    <a:masterClrMapping/>
+  </p:clrMapOvr>
+</p:sld>
+</file>
+
+<file path=ppt/slides/slide22.xml><?xml version="1.0" encoding="utf-8"?>
 <p:sld xmlns:a="http://schemas.openxmlformats.org/drawingml/2006/main" xmlns:r="http://schemas.openxmlformats.org/officeDocument/2006/relationships" xmlns:p="http://schemas.openxmlformats.org/presentationml/2006/main">
   <p:cSld>
     <p:spTree>
@@ -10974,15 +11359,6 @@
               </a:rPr>
               <a:t>图片应用</a:t>
             </a:r>
-            <a:endParaRPr lang="zh-CN" altLang="en-US" sz="2000" dirty="0" smtClean="0">
-              <a:solidFill>
-                <a:schemeClr val="bg2">
-                  <a:lumMod val="25000"/>
-                </a:schemeClr>
-              </a:solidFill>
-              <a:latin typeface="Adobe 黑体 Std R" pitchFamily="34" charset="-122"/>
-              <a:ea typeface="Adobe 黑体 Std R" pitchFamily="34" charset="-122"/>
-            </a:endParaRPr>
           </a:p>
         </p:txBody>
       </p:sp>
